--- a/Blue_weasel/blueweasel_docs/presentation/Pre-soutenance Projet Blue Weasel.pptx
+++ b/Blue_weasel/blueweasel_docs/presentation/Pre-soutenance Projet Blue Weasel.pptx
@@ -5,21 +5,22 @@
     <p:sldMasterId id="2147483672" r:id="rId1"/>
   </p:sldMasterIdLst>
   <p:notesMasterIdLst>
-    <p:notesMasterId r:id="rId14"/>
+    <p:notesMasterId r:id="rId15"/>
   </p:notesMasterIdLst>
   <p:sldIdLst>
     <p:sldId id="256" r:id="rId2"/>
-    <p:sldId id="257" r:id="rId3"/>
-    <p:sldId id="258" r:id="rId4"/>
+    <p:sldId id="268" r:id="rId3"/>
+    <p:sldId id="257" r:id="rId4"/>
     <p:sldId id="259" r:id="rId5"/>
-    <p:sldId id="260" r:id="rId6"/>
-    <p:sldId id="261" r:id="rId7"/>
-    <p:sldId id="263" r:id="rId8"/>
-    <p:sldId id="266" r:id="rId9"/>
-    <p:sldId id="264" r:id="rId10"/>
-    <p:sldId id="265" r:id="rId11"/>
-    <p:sldId id="262" r:id="rId12"/>
-    <p:sldId id="267" r:id="rId13"/>
+    <p:sldId id="269" r:id="rId6"/>
+    <p:sldId id="260" r:id="rId7"/>
+    <p:sldId id="261" r:id="rId8"/>
+    <p:sldId id="263" r:id="rId9"/>
+    <p:sldId id="266" r:id="rId10"/>
+    <p:sldId id="264" r:id="rId11"/>
+    <p:sldId id="265" r:id="rId12"/>
+    <p:sldId id="262" r:id="rId13"/>
+    <p:sldId id="267" r:id="rId14"/>
   </p:sldIdLst>
   <p:sldSz cx="9144000" cy="6858000" type="screen4x3"/>
   <p:notesSz cx="6858000" cy="9144000"/>
@@ -204,7 +205,7 @@
             <a:fld id="{CFCA57DC-B741-4DB2-AA2B-BA8EBA63207D}" type="datetimeFigureOut">
               <a:rPr lang="fr-FR" smtClean="0"/>
               <a:pPr/>
-              <a:t>09/12/2012</a:t>
+              <a:t>10/12/2012</a:t>
             </a:fld>
             <a:endParaRPr lang="fr-FR"/>
           </a:p>
@@ -373,6 +374,11 @@
         </p:txBody>
       </p:sp>
     </p:spTree>
+    <p:extLst>
+      <p:ext uri="{BB962C8B-B14F-4D97-AF65-F5344CB8AC3E}">
+        <p14:creationId xmlns:p14="http://schemas.microsoft.com/office/powerpoint/2010/main" val="1903941041"/>
+      </p:ext>
+    </p:extLst>
   </p:cSld>
   <p:clrMap bg1="lt1" tx1="dk1" bg2="lt2" tx2="dk2" accent1="accent1" accent2="accent2" accent3="accent3" accent4="accent4" accent5="accent5" accent6="accent6" hlink="hlink" folHlink="folHlink"/>
   <p:notesStyle>
@@ -644,7 +650,7 @@
             <a:fld id="{A57A44CA-A3A8-42E1-AB36-97CF94E7D10C}" type="datetime1">
               <a:rPr lang="fr-FR" smtClean="0"/>
               <a:pPr/>
-              <a:t>09/12/2012</a:t>
+              <a:t>10/12/2012</a:t>
             </a:fld>
             <a:endParaRPr lang="fr-BE"/>
           </a:p>
@@ -811,7 +817,7 @@
             <a:fld id="{0B5CDBD5-B124-453D-B17D-E622023CC248}" type="datetime1">
               <a:rPr lang="fr-FR" smtClean="0"/>
               <a:pPr/>
-              <a:t>09/12/2012</a:t>
+              <a:t>10/12/2012</a:t>
             </a:fld>
             <a:endParaRPr lang="fr-BE"/>
           </a:p>
@@ -988,7 +994,7 @@
             <a:fld id="{291F100C-ABFA-4305-B722-A3D6F2596CF9}" type="datetime1">
               <a:rPr lang="fr-FR" smtClean="0"/>
               <a:pPr/>
-              <a:t>09/12/2012</a:t>
+              <a:t>10/12/2012</a:t>
             </a:fld>
             <a:endParaRPr lang="fr-BE"/>
           </a:p>
@@ -1155,7 +1161,7 @@
             <a:fld id="{789F9AF3-71FC-4BFD-A566-22602816F804}" type="datetime1">
               <a:rPr lang="fr-FR" smtClean="0"/>
               <a:pPr/>
-              <a:t>09/12/2012</a:t>
+              <a:t>10/12/2012</a:t>
             </a:fld>
             <a:endParaRPr lang="fr-BE"/>
           </a:p>
@@ -1399,7 +1405,7 @@
             <a:fld id="{CB2C7FB0-CCA2-4363-BCA3-9625281A3E29}" type="datetime1">
               <a:rPr lang="fr-FR" smtClean="0"/>
               <a:pPr/>
-              <a:t>09/12/2012</a:t>
+              <a:t>10/12/2012</a:t>
             </a:fld>
             <a:endParaRPr lang="fr-BE"/>
           </a:p>
@@ -1665,7 +1671,7 @@
             <a:fld id="{CB7D8E14-6DA4-4071-875B-E69EDB070F08}" type="datetime1">
               <a:rPr lang="fr-FR" smtClean="0"/>
               <a:pPr/>
-              <a:t>09/12/2012</a:t>
+              <a:t>10/12/2012</a:t>
             </a:fld>
             <a:endParaRPr lang="fr-BE"/>
           </a:p>
@@ -2045,7 +2051,7 @@
             <a:fld id="{E7215BC3-57C7-4115-AEF7-22F2478FC531}" type="datetime1">
               <a:rPr lang="fr-FR" smtClean="0"/>
               <a:pPr/>
-              <a:t>09/12/2012</a:t>
+              <a:t>10/12/2012</a:t>
             </a:fld>
             <a:endParaRPr lang="fr-BE"/>
           </a:p>
@@ -2197,7 +2203,7 @@
             <a:fld id="{ABAC6723-FD79-43C7-A6BC-514ACC81E8B7}" type="datetime1">
               <a:rPr lang="fr-FR" smtClean="0"/>
               <a:pPr/>
-              <a:t>09/12/2012</a:t>
+              <a:t>10/12/2012</a:t>
             </a:fld>
             <a:endParaRPr lang="fr-BE"/>
           </a:p>
@@ -2289,7 +2295,7 @@
             <a:fld id="{07F9A174-E18F-4893-B799-E8A544BCCFC8}" type="datetime1">
               <a:rPr lang="fr-FR" smtClean="0"/>
               <a:pPr/>
-              <a:t>09/12/2012</a:t>
+              <a:t>10/12/2012</a:t>
             </a:fld>
             <a:endParaRPr lang="fr-BE"/>
           </a:p>
@@ -2552,7 +2558,7 @@
             <a:fld id="{14F07311-793D-41F9-985B-11DC10BCBE13}" type="datetime1">
               <a:rPr lang="fr-FR" smtClean="0"/>
               <a:pPr/>
-              <a:t>09/12/2012</a:t>
+              <a:t>10/12/2012</a:t>
             </a:fld>
             <a:endParaRPr lang="fr-BE"/>
           </a:p>
@@ -2842,7 +2848,7 @@
             <a:fld id="{B737A8AE-3B6E-4F75-969C-A2C7D3D7F6DB}" type="datetime1">
               <a:rPr lang="fr-FR" smtClean="0"/>
               <a:pPr/>
-              <a:t>09/12/2012</a:t>
+              <a:t>10/12/2012</a:t>
             </a:fld>
             <a:endParaRPr lang="fr-BE"/>
           </a:p>
@@ -3615,7 +3621,7 @@
             <a:fld id="{B589A97B-DD83-4B7C-A087-42D66413D22A}" type="datetime1">
               <a:rPr lang="fr-FR" smtClean="0"/>
               <a:pPr/>
-              <a:t>09/12/2012</a:t>
+              <a:t>10/12/2012</a:t>
             </a:fld>
             <a:endParaRPr lang="fr-BE"/>
           </a:p>
@@ -4247,17 +4253,22 @@
         </p:nvSpPr>
         <p:spPr>
           <a:xfrm>
-            <a:off x="467544" y="1340768"/>
-            <a:ext cx="7851648" cy="1828800"/>
+            <a:off x="106116" y="332656"/>
+            <a:ext cx="8787752" cy="2737520"/>
           </a:xfrm>
         </p:spPr>
         <p:txBody>
-          <a:bodyPr/>
+          <a:bodyPr>
+            <a:normAutofit fontScale="90000"/>
+          </a:bodyPr>
           <a:lstStyle/>
           <a:p>
-            <a:r>
-              <a:rPr lang="en-US" dirty="0" smtClean="0"/>
-              <a:t>Blue Weasel Project</a:t>
+            <a:pPr algn="ctr"/>
+            <a:r>
+              <a:rPr lang="en-US" dirty="0">
+                <a:effectLst/>
+              </a:rPr>
+              <a:t>Development of a Card Game Management Application within a Real &amp; Virtual Environment</a:t>
             </a:r>
             <a:endParaRPr lang="en-US" dirty="0"/>
           </a:p>
@@ -4287,26 +4298,13 @@
           <a:p>
             <a:pPr algn="l"/>
             <a:r>
-              <a:rPr lang="en-US" sz="2400" smtClean="0"/>
-              <a:t>Realized</a:t>
-            </a:r>
-            <a:r>
-              <a:rPr lang="en-US" sz="2400" smtClean="0"/>
-              <a:t> </a:t>
-            </a:r>
-            <a:r>
-              <a:rPr lang="en-US" sz="2400" smtClean="0"/>
-              <a:t>by</a:t>
-            </a:r>
-            <a:r>
-              <a:rPr lang="en-US" sz="2400" smtClean="0"/>
-              <a:t>: </a:t>
-            </a:r>
-            <a:endParaRPr lang="en-US" sz="2400" smtClean="0"/>
+              <a:rPr lang="en-US" sz="2400" dirty="0" smtClean="0"/>
+              <a:t>Realized by: </a:t>
+            </a:r>
           </a:p>
           <a:p>
             <a:pPr algn="l"/>
-            <a:endParaRPr lang="en-US" sz="2400" smtClean="0"/>
+            <a:endParaRPr lang="en-US" sz="2400" dirty="0" smtClean="0"/>
           </a:p>
           <a:p>
             <a:pPr algn="l">
@@ -4315,14 +4313,9 @@
               <a:buChar char="Ø"/>
             </a:pPr>
             <a:r>
-              <a:rPr lang="en-US" sz="2400" smtClean="0"/>
-              <a:t>Boris </a:t>
-            </a:r>
-            <a:r>
-              <a:rPr lang="en-US" sz="2400" smtClean="0"/>
-              <a:t>LENG</a:t>
-            </a:r>
-            <a:endParaRPr lang="en-US" sz="2400" smtClean="0"/>
+              <a:rPr lang="en-US" sz="2400" dirty="0" smtClean="0"/>
+              <a:t>Boris LENG</a:t>
+            </a:r>
           </a:p>
           <a:p>
             <a:pPr algn="l">
@@ -4331,14 +4324,9 @@
               <a:buChar char="Ø"/>
             </a:pPr>
             <a:r>
-              <a:rPr lang="en-US" sz="2400" smtClean="0"/>
-              <a:t>Bastien </a:t>
-            </a:r>
-            <a:r>
-              <a:rPr lang="en-US" sz="2400" smtClean="0"/>
-              <a:t>CARRE</a:t>
-            </a:r>
-            <a:endParaRPr lang="en-US" sz="2400" smtClean="0"/>
+              <a:rPr lang="en-US" sz="2400" dirty="0" smtClean="0"/>
+              <a:t>Bastien CARRE</a:t>
+            </a:r>
           </a:p>
           <a:p>
             <a:pPr algn="l">
@@ -4347,14 +4335,9 @@
               <a:buChar char="Ø"/>
             </a:pPr>
             <a:r>
-              <a:rPr lang="en-US" sz="2400" smtClean="0"/>
-              <a:t>Lyvia </a:t>
-            </a:r>
-            <a:r>
-              <a:rPr lang="en-US" sz="2400" smtClean="0"/>
-              <a:t>LOUISIUS</a:t>
-            </a:r>
-            <a:endParaRPr lang="en-US" sz="2400" smtClean="0"/>
+              <a:rPr lang="en-US" sz="2400" dirty="0" smtClean="0"/>
+              <a:t>Lyvia LOUISIUS</a:t>
+            </a:r>
           </a:p>
           <a:p>
             <a:pPr algn="l">
@@ -4363,14 +4346,10 @@
               <a:buChar char="Ø"/>
             </a:pPr>
             <a:r>
-              <a:rPr lang="en-US" sz="2400" smtClean="0"/>
-              <a:t>Andrei </a:t>
-            </a:r>
-            <a:r>
-              <a:rPr lang="en-US" sz="2400" smtClean="0"/>
-              <a:t>BROUSSILLON</a:t>
-            </a:r>
-            <a:endParaRPr lang="en-US" sz="2400"/>
+              <a:rPr lang="en-US" sz="2400" dirty="0" smtClean="0"/>
+              <a:t>Andrei BROUSSILLON</a:t>
+            </a:r>
+            <a:endParaRPr lang="en-US" sz="2400" dirty="0"/>
           </a:p>
         </p:txBody>
       </p:sp>
@@ -4421,21 +4400,12 @@
           <a:lstStyle/>
           <a:p>
             <a:r>
-              <a:rPr lang="en-US" sz="2400" smtClean="0"/>
-              <a:t>Supervising</a:t>
-            </a:r>
-            <a:r>
-              <a:rPr lang="en-US" sz="2400" smtClean="0"/>
-              <a:t> </a:t>
-            </a:r>
-            <a:r>
-              <a:rPr lang="en-US" sz="2400" smtClean="0"/>
-              <a:t>professors:</a:t>
-            </a:r>
-            <a:endParaRPr lang="en-US" sz="2400" smtClean="0"/>
-          </a:p>
-          <a:p>
-            <a:endParaRPr lang="en-US" sz="2400" smtClean="0"/>
+              <a:rPr lang="en-US" sz="2400" dirty="0" smtClean="0"/>
+              <a:t>Supervising professors:</a:t>
+            </a:r>
+          </a:p>
+          <a:p>
+            <a:endParaRPr lang="en-US" sz="2400" dirty="0" smtClean="0"/>
           </a:p>
           <a:p>
             <a:pPr>
@@ -4443,14 +4413,9 @@
               <a:buChar char="Ø"/>
             </a:pPr>
             <a:r>
-              <a:rPr lang="en-US" sz="2400" smtClean="0"/>
-              <a:t>Catherine  </a:t>
-            </a:r>
-            <a:r>
-              <a:rPr lang="en-US" sz="2400" smtClean="0"/>
-              <a:t>MARECHAL</a:t>
-            </a:r>
-            <a:endParaRPr lang="en-US" sz="2400" smtClean="0"/>
+              <a:rPr lang="en-US" sz="2400" dirty="0" smtClean="0"/>
+              <a:t>Catherine  MARECHAL</a:t>
+            </a:r>
           </a:p>
           <a:p>
             <a:pPr>
@@ -4458,14 +4423,9 @@
               <a:buChar char="Ø"/>
             </a:pPr>
             <a:r>
-              <a:rPr lang="en-US" sz="2400" smtClean="0"/>
-              <a:t>Elizabeth </a:t>
-            </a:r>
-            <a:r>
-              <a:rPr lang="en-US" sz="2400" smtClean="0"/>
-              <a:t>COLIN</a:t>
-            </a:r>
-            <a:endParaRPr lang="en-US" sz="2400" smtClean="0"/>
+              <a:rPr lang="en-US" sz="2400" dirty="0" smtClean="0"/>
+              <a:t>Elizabeth COLIN</a:t>
+            </a:r>
           </a:p>
           <a:p>
             <a:pPr>
@@ -4473,13 +4433,12 @@
               <a:buChar char="Ø"/>
             </a:pPr>
             <a:r>
-              <a:rPr lang="en-US" sz="2400" smtClean="0"/>
+              <a:rPr lang="en-US" sz="2400" dirty="0" smtClean="0"/>
               <a:t>Lamine BOUGUEROUA </a:t>
             </a:r>
-            <a:endParaRPr lang="en-US" sz="2400" smtClean="0"/>
-          </a:p>
-          <a:p>
-            <a:endParaRPr lang="en-US"/>
+          </a:p>
+          <a:p>
+            <a:endParaRPr lang="en-US" dirty="0"/>
           </a:p>
         </p:txBody>
       </p:sp>
@@ -4488,6 +4447,644 @@
   <p:clrMapOvr>
     <a:masterClrMapping/>
   </p:clrMapOvr>
+  <p:timing>
+    <p:tnLst>
+      <p:par>
+        <p:cTn id="1" dur="indefinite" restart="never" nodeType="tmRoot">
+          <p:childTnLst>
+            <p:seq concurrent="1" nextAc="seek">
+              <p:cTn id="2" dur="indefinite" nodeType="mainSeq">
+                <p:childTnLst>
+                  <p:par>
+                    <p:cTn id="3" fill="hold">
+                      <p:stCondLst>
+                        <p:cond delay="indefinite"/>
+                        <p:cond evt="onBegin" delay="0">
+                          <p:tn val="2"/>
+                        </p:cond>
+                      </p:stCondLst>
+                      <p:childTnLst>
+                        <p:par>
+                          <p:cTn id="4" fill="hold">
+                            <p:stCondLst>
+                              <p:cond delay="0"/>
+                            </p:stCondLst>
+                            <p:childTnLst>
+                              <p:par>
+                                <p:cTn id="5" presetID="26" presetClass="entr" presetSubtype="0" fill="hold" grpId="0" nodeType="afterEffect">
+                                  <p:stCondLst>
+                                    <p:cond delay="0"/>
+                                  </p:stCondLst>
+                                  <p:childTnLst>
+                                    <p:set>
+                                      <p:cBhvr>
+                                        <p:cTn id="6" dur="1" fill="hold">
+                                          <p:stCondLst>
+                                            <p:cond delay="0"/>
+                                          </p:stCondLst>
+                                        </p:cTn>
+                                        <p:tgtEl>
+                                          <p:spTgt spid="2"/>
+                                        </p:tgtEl>
+                                        <p:attrNameLst>
+                                          <p:attrName>style.visibility</p:attrName>
+                                        </p:attrNameLst>
+                                      </p:cBhvr>
+                                      <p:to>
+                                        <p:strVal val="visible"/>
+                                      </p:to>
+                                    </p:set>
+                                    <p:animEffect transition="in" filter="wipe(down)">
+                                      <p:cBhvr>
+                                        <p:cTn id="7" dur="580">
+                                          <p:stCondLst>
+                                            <p:cond delay="0"/>
+                                          </p:stCondLst>
+                                        </p:cTn>
+                                        <p:tgtEl>
+                                          <p:spTgt spid="2"/>
+                                        </p:tgtEl>
+                                      </p:cBhvr>
+                                    </p:animEffect>
+                                    <p:anim calcmode="lin" valueType="num">
+                                      <p:cBhvr>
+                                        <p:cTn id="8" dur="1822" tmFilter="0,0; 0.14,0.36; 0.43,0.73; 0.71,0.91; 1.0,1.0">
+                                          <p:stCondLst>
+                                            <p:cond delay="0"/>
+                                          </p:stCondLst>
+                                        </p:cTn>
+                                        <p:tgtEl>
+                                          <p:spTgt spid="2"/>
+                                        </p:tgtEl>
+                                        <p:attrNameLst>
+                                          <p:attrName>ppt_x</p:attrName>
+                                        </p:attrNameLst>
+                                      </p:cBhvr>
+                                      <p:tavLst>
+                                        <p:tav tm="0">
+                                          <p:val>
+                                            <p:strVal val="#ppt_x-0.25"/>
+                                          </p:val>
+                                        </p:tav>
+                                        <p:tav tm="100000">
+                                          <p:val>
+                                            <p:strVal val="#ppt_x"/>
+                                          </p:val>
+                                        </p:tav>
+                                      </p:tavLst>
+                                    </p:anim>
+                                    <p:anim calcmode="lin" valueType="num">
+                                      <p:cBhvr>
+                                        <p:cTn id="9" dur="664" tmFilter="0.0,0.0; 0.25,0.07; 0.50,0.2; 0.75,0.467; 1.0,1.0">
+                                          <p:stCondLst>
+                                            <p:cond delay="0"/>
+                                          </p:stCondLst>
+                                        </p:cTn>
+                                        <p:tgtEl>
+                                          <p:spTgt spid="2"/>
+                                        </p:tgtEl>
+                                        <p:attrNameLst>
+                                          <p:attrName>ppt_y</p:attrName>
+                                        </p:attrNameLst>
+                                      </p:cBhvr>
+                                      <p:tavLst>
+                                        <p:tav tm="0" fmla="#ppt_y-sin(pi*$)/3">
+                                          <p:val>
+                                            <p:fltVal val="0.5"/>
+                                          </p:val>
+                                        </p:tav>
+                                        <p:tav tm="100000">
+                                          <p:val>
+                                            <p:fltVal val="1"/>
+                                          </p:val>
+                                        </p:tav>
+                                      </p:tavLst>
+                                    </p:anim>
+                                    <p:anim calcmode="lin" valueType="num">
+                                      <p:cBhvr>
+                                        <p:cTn id="10" dur="664" tmFilter="0, 0; 0.125,0.2665; 0.25,0.4; 0.375,0.465; 0.5,0.5;  0.625,0.535; 0.75,0.6; 0.875,0.7335; 1,1">
+                                          <p:stCondLst>
+                                            <p:cond delay="664"/>
+                                          </p:stCondLst>
+                                        </p:cTn>
+                                        <p:tgtEl>
+                                          <p:spTgt spid="2"/>
+                                        </p:tgtEl>
+                                        <p:attrNameLst>
+                                          <p:attrName>ppt_y</p:attrName>
+                                        </p:attrNameLst>
+                                      </p:cBhvr>
+                                      <p:tavLst>
+                                        <p:tav tm="0" fmla="#ppt_y-sin(pi*$)/9">
+                                          <p:val>
+                                            <p:fltVal val="0"/>
+                                          </p:val>
+                                        </p:tav>
+                                        <p:tav tm="100000">
+                                          <p:val>
+                                            <p:fltVal val="1"/>
+                                          </p:val>
+                                        </p:tav>
+                                      </p:tavLst>
+                                    </p:anim>
+                                    <p:anim calcmode="lin" valueType="num">
+                                      <p:cBhvr>
+                                        <p:cTn id="11" dur="332" tmFilter="0, 0; 0.125,0.2665; 0.25,0.4; 0.375,0.465; 0.5,0.5;  0.625,0.535; 0.75,0.6; 0.875,0.7335; 1,1">
+                                          <p:stCondLst>
+                                            <p:cond delay="1324"/>
+                                          </p:stCondLst>
+                                        </p:cTn>
+                                        <p:tgtEl>
+                                          <p:spTgt spid="2"/>
+                                        </p:tgtEl>
+                                        <p:attrNameLst>
+                                          <p:attrName>ppt_y</p:attrName>
+                                        </p:attrNameLst>
+                                      </p:cBhvr>
+                                      <p:tavLst>
+                                        <p:tav tm="0" fmla="#ppt_y-sin(pi*$)/27">
+                                          <p:val>
+                                            <p:fltVal val="0"/>
+                                          </p:val>
+                                        </p:tav>
+                                        <p:tav tm="100000">
+                                          <p:val>
+                                            <p:fltVal val="1"/>
+                                          </p:val>
+                                        </p:tav>
+                                      </p:tavLst>
+                                    </p:anim>
+                                    <p:anim calcmode="lin" valueType="num">
+                                      <p:cBhvr>
+                                        <p:cTn id="12" dur="164" tmFilter="0, 0; 0.125,0.2665; 0.25,0.4; 0.375,0.465; 0.5,0.5;  0.625,0.535; 0.75,0.6; 0.875,0.7335; 1,1">
+                                          <p:stCondLst>
+                                            <p:cond delay="1656"/>
+                                          </p:stCondLst>
+                                        </p:cTn>
+                                        <p:tgtEl>
+                                          <p:spTgt spid="2"/>
+                                        </p:tgtEl>
+                                        <p:attrNameLst>
+                                          <p:attrName>ppt_y</p:attrName>
+                                        </p:attrNameLst>
+                                      </p:cBhvr>
+                                      <p:tavLst>
+                                        <p:tav tm="0" fmla="#ppt_y-sin(pi*$)/81">
+                                          <p:val>
+                                            <p:fltVal val="0"/>
+                                          </p:val>
+                                        </p:tav>
+                                        <p:tav tm="100000">
+                                          <p:val>
+                                            <p:fltVal val="1"/>
+                                          </p:val>
+                                        </p:tav>
+                                      </p:tavLst>
+                                    </p:anim>
+                                    <p:animScale>
+                                      <p:cBhvr>
+                                        <p:cTn id="13" dur="26">
+                                          <p:stCondLst>
+                                            <p:cond delay="650"/>
+                                          </p:stCondLst>
+                                        </p:cTn>
+                                        <p:tgtEl>
+                                          <p:spTgt spid="2"/>
+                                        </p:tgtEl>
+                                      </p:cBhvr>
+                                      <p:to x="100000" y="60000"/>
+                                    </p:animScale>
+                                    <p:animScale>
+                                      <p:cBhvr>
+                                        <p:cTn id="14" dur="166" decel="50000">
+                                          <p:stCondLst>
+                                            <p:cond delay="676"/>
+                                          </p:stCondLst>
+                                        </p:cTn>
+                                        <p:tgtEl>
+                                          <p:spTgt spid="2"/>
+                                        </p:tgtEl>
+                                      </p:cBhvr>
+                                      <p:to x="100000" y="100000"/>
+                                    </p:animScale>
+                                    <p:animScale>
+                                      <p:cBhvr>
+                                        <p:cTn id="15" dur="26">
+                                          <p:stCondLst>
+                                            <p:cond delay="1312"/>
+                                          </p:stCondLst>
+                                        </p:cTn>
+                                        <p:tgtEl>
+                                          <p:spTgt spid="2"/>
+                                        </p:tgtEl>
+                                      </p:cBhvr>
+                                      <p:to x="100000" y="80000"/>
+                                    </p:animScale>
+                                    <p:animScale>
+                                      <p:cBhvr>
+                                        <p:cTn id="16" dur="166" decel="50000">
+                                          <p:stCondLst>
+                                            <p:cond delay="1338"/>
+                                          </p:stCondLst>
+                                        </p:cTn>
+                                        <p:tgtEl>
+                                          <p:spTgt spid="2"/>
+                                        </p:tgtEl>
+                                      </p:cBhvr>
+                                      <p:to x="100000" y="100000"/>
+                                    </p:animScale>
+                                    <p:animScale>
+                                      <p:cBhvr>
+                                        <p:cTn id="17" dur="26">
+                                          <p:stCondLst>
+                                            <p:cond delay="1642"/>
+                                          </p:stCondLst>
+                                        </p:cTn>
+                                        <p:tgtEl>
+                                          <p:spTgt spid="2"/>
+                                        </p:tgtEl>
+                                      </p:cBhvr>
+                                      <p:to x="100000" y="90000"/>
+                                    </p:animScale>
+                                    <p:animScale>
+                                      <p:cBhvr>
+                                        <p:cTn id="18" dur="166" decel="50000">
+                                          <p:stCondLst>
+                                            <p:cond delay="1668"/>
+                                          </p:stCondLst>
+                                        </p:cTn>
+                                        <p:tgtEl>
+                                          <p:spTgt spid="2"/>
+                                        </p:tgtEl>
+                                      </p:cBhvr>
+                                      <p:to x="100000" y="100000"/>
+                                    </p:animScale>
+                                    <p:animScale>
+                                      <p:cBhvr>
+                                        <p:cTn id="19" dur="26">
+                                          <p:stCondLst>
+                                            <p:cond delay="1808"/>
+                                          </p:stCondLst>
+                                        </p:cTn>
+                                        <p:tgtEl>
+                                          <p:spTgt spid="2"/>
+                                        </p:tgtEl>
+                                      </p:cBhvr>
+                                      <p:to x="100000" y="95000"/>
+                                    </p:animScale>
+                                    <p:animScale>
+                                      <p:cBhvr>
+                                        <p:cTn id="20" dur="166" decel="50000">
+                                          <p:stCondLst>
+                                            <p:cond delay="1834"/>
+                                          </p:stCondLst>
+                                        </p:cTn>
+                                        <p:tgtEl>
+                                          <p:spTgt spid="2"/>
+                                        </p:tgtEl>
+                                      </p:cBhvr>
+                                      <p:to x="100000" y="100000"/>
+                                    </p:animScale>
+                                  </p:childTnLst>
+                                </p:cTn>
+                              </p:par>
+                            </p:childTnLst>
+                          </p:cTn>
+                        </p:par>
+                        <p:par>
+                          <p:cTn id="21" fill="hold">
+                            <p:stCondLst>
+                              <p:cond delay="2000"/>
+                            </p:stCondLst>
+                            <p:childTnLst>
+                              <p:par>
+                                <p:cTn id="22" presetID="10" presetClass="entr" presetSubtype="0" fill="hold" grpId="0" nodeType="afterEffect">
+                                  <p:stCondLst>
+                                    <p:cond delay="0"/>
+                                  </p:stCondLst>
+                                  <p:childTnLst>
+                                    <p:set>
+                                      <p:cBhvr>
+                                        <p:cTn id="23" dur="1" fill="hold">
+                                          <p:stCondLst>
+                                            <p:cond delay="0"/>
+                                          </p:stCondLst>
+                                        </p:cTn>
+                                        <p:tgtEl>
+                                          <p:spTgt spid="3">
+                                            <p:txEl>
+                                              <p:pRg st="0" end="0"/>
+                                            </p:txEl>
+                                          </p:spTgt>
+                                        </p:tgtEl>
+                                        <p:attrNameLst>
+                                          <p:attrName>style.visibility</p:attrName>
+                                        </p:attrNameLst>
+                                      </p:cBhvr>
+                                      <p:to>
+                                        <p:strVal val="visible"/>
+                                      </p:to>
+                                    </p:set>
+                                    <p:animEffect transition="in" filter="fade">
+                                      <p:cBhvr>
+                                        <p:cTn id="24" dur="500"/>
+                                        <p:tgtEl>
+                                          <p:spTgt spid="3">
+                                            <p:txEl>
+                                              <p:pRg st="0" end="0"/>
+                                            </p:txEl>
+                                          </p:spTgt>
+                                        </p:tgtEl>
+                                      </p:cBhvr>
+                                    </p:animEffect>
+                                  </p:childTnLst>
+                                </p:cTn>
+                              </p:par>
+                            </p:childTnLst>
+                          </p:cTn>
+                        </p:par>
+                        <p:par>
+                          <p:cTn id="25" fill="hold">
+                            <p:stCondLst>
+                              <p:cond delay="2500"/>
+                            </p:stCondLst>
+                            <p:childTnLst>
+                              <p:par>
+                                <p:cTn id="26" presetID="10" presetClass="entr" presetSubtype="0" fill="hold" grpId="0" nodeType="afterEffect">
+                                  <p:stCondLst>
+                                    <p:cond delay="0"/>
+                                  </p:stCondLst>
+                                  <p:childTnLst>
+                                    <p:set>
+                                      <p:cBhvr>
+                                        <p:cTn id="27" dur="1" fill="hold">
+                                          <p:stCondLst>
+                                            <p:cond delay="0"/>
+                                          </p:stCondLst>
+                                        </p:cTn>
+                                        <p:tgtEl>
+                                          <p:spTgt spid="3">
+                                            <p:txEl>
+                                              <p:pRg st="2" end="2"/>
+                                            </p:txEl>
+                                          </p:spTgt>
+                                        </p:tgtEl>
+                                        <p:attrNameLst>
+                                          <p:attrName>style.visibility</p:attrName>
+                                        </p:attrNameLst>
+                                      </p:cBhvr>
+                                      <p:to>
+                                        <p:strVal val="visible"/>
+                                      </p:to>
+                                    </p:set>
+                                    <p:animEffect transition="in" filter="fade">
+                                      <p:cBhvr>
+                                        <p:cTn id="28" dur="500"/>
+                                        <p:tgtEl>
+                                          <p:spTgt spid="3">
+                                            <p:txEl>
+                                              <p:pRg st="2" end="2"/>
+                                            </p:txEl>
+                                          </p:spTgt>
+                                        </p:tgtEl>
+                                      </p:cBhvr>
+                                    </p:animEffect>
+                                  </p:childTnLst>
+                                </p:cTn>
+                              </p:par>
+                            </p:childTnLst>
+                          </p:cTn>
+                        </p:par>
+                        <p:par>
+                          <p:cTn id="29" fill="hold">
+                            <p:stCondLst>
+                              <p:cond delay="3000"/>
+                            </p:stCondLst>
+                            <p:childTnLst>
+                              <p:par>
+                                <p:cTn id="30" presetID="10" presetClass="entr" presetSubtype="0" fill="hold" grpId="0" nodeType="afterEffect">
+                                  <p:stCondLst>
+                                    <p:cond delay="0"/>
+                                  </p:stCondLst>
+                                  <p:childTnLst>
+                                    <p:set>
+                                      <p:cBhvr>
+                                        <p:cTn id="31" dur="1" fill="hold">
+                                          <p:stCondLst>
+                                            <p:cond delay="0"/>
+                                          </p:stCondLst>
+                                        </p:cTn>
+                                        <p:tgtEl>
+                                          <p:spTgt spid="3">
+                                            <p:txEl>
+                                              <p:pRg st="3" end="3"/>
+                                            </p:txEl>
+                                          </p:spTgt>
+                                        </p:tgtEl>
+                                        <p:attrNameLst>
+                                          <p:attrName>style.visibility</p:attrName>
+                                        </p:attrNameLst>
+                                      </p:cBhvr>
+                                      <p:to>
+                                        <p:strVal val="visible"/>
+                                      </p:to>
+                                    </p:set>
+                                    <p:animEffect transition="in" filter="fade">
+                                      <p:cBhvr>
+                                        <p:cTn id="32" dur="500"/>
+                                        <p:tgtEl>
+                                          <p:spTgt spid="3">
+                                            <p:txEl>
+                                              <p:pRg st="3" end="3"/>
+                                            </p:txEl>
+                                          </p:spTgt>
+                                        </p:tgtEl>
+                                      </p:cBhvr>
+                                    </p:animEffect>
+                                  </p:childTnLst>
+                                </p:cTn>
+                              </p:par>
+                            </p:childTnLst>
+                          </p:cTn>
+                        </p:par>
+                        <p:par>
+                          <p:cTn id="33" fill="hold">
+                            <p:stCondLst>
+                              <p:cond delay="3500"/>
+                            </p:stCondLst>
+                            <p:childTnLst>
+                              <p:par>
+                                <p:cTn id="34" presetID="10" presetClass="entr" presetSubtype="0" fill="hold" grpId="0" nodeType="afterEffect">
+                                  <p:stCondLst>
+                                    <p:cond delay="0"/>
+                                  </p:stCondLst>
+                                  <p:childTnLst>
+                                    <p:set>
+                                      <p:cBhvr>
+                                        <p:cTn id="35" dur="1" fill="hold">
+                                          <p:stCondLst>
+                                            <p:cond delay="0"/>
+                                          </p:stCondLst>
+                                        </p:cTn>
+                                        <p:tgtEl>
+                                          <p:spTgt spid="3">
+                                            <p:txEl>
+                                              <p:pRg st="4" end="4"/>
+                                            </p:txEl>
+                                          </p:spTgt>
+                                        </p:tgtEl>
+                                        <p:attrNameLst>
+                                          <p:attrName>style.visibility</p:attrName>
+                                        </p:attrNameLst>
+                                      </p:cBhvr>
+                                      <p:to>
+                                        <p:strVal val="visible"/>
+                                      </p:to>
+                                    </p:set>
+                                    <p:animEffect transition="in" filter="fade">
+                                      <p:cBhvr>
+                                        <p:cTn id="36" dur="500"/>
+                                        <p:tgtEl>
+                                          <p:spTgt spid="3">
+                                            <p:txEl>
+                                              <p:pRg st="4" end="4"/>
+                                            </p:txEl>
+                                          </p:spTgt>
+                                        </p:tgtEl>
+                                      </p:cBhvr>
+                                    </p:animEffect>
+                                  </p:childTnLst>
+                                </p:cTn>
+                              </p:par>
+                            </p:childTnLst>
+                          </p:cTn>
+                        </p:par>
+                        <p:par>
+                          <p:cTn id="37" fill="hold">
+                            <p:stCondLst>
+                              <p:cond delay="4000"/>
+                            </p:stCondLst>
+                            <p:childTnLst>
+                              <p:par>
+                                <p:cTn id="38" presetID="10" presetClass="entr" presetSubtype="0" fill="hold" grpId="0" nodeType="afterEffect">
+                                  <p:stCondLst>
+                                    <p:cond delay="0"/>
+                                  </p:stCondLst>
+                                  <p:childTnLst>
+                                    <p:set>
+                                      <p:cBhvr>
+                                        <p:cTn id="39" dur="1" fill="hold">
+                                          <p:stCondLst>
+                                            <p:cond delay="0"/>
+                                          </p:stCondLst>
+                                        </p:cTn>
+                                        <p:tgtEl>
+                                          <p:spTgt spid="3">
+                                            <p:txEl>
+                                              <p:pRg st="5" end="5"/>
+                                            </p:txEl>
+                                          </p:spTgt>
+                                        </p:tgtEl>
+                                        <p:attrNameLst>
+                                          <p:attrName>style.visibility</p:attrName>
+                                        </p:attrNameLst>
+                                      </p:cBhvr>
+                                      <p:to>
+                                        <p:strVal val="visible"/>
+                                      </p:to>
+                                    </p:set>
+                                    <p:animEffect transition="in" filter="fade">
+                                      <p:cBhvr>
+                                        <p:cTn id="40" dur="500"/>
+                                        <p:tgtEl>
+                                          <p:spTgt spid="3">
+                                            <p:txEl>
+                                              <p:pRg st="5" end="5"/>
+                                            </p:txEl>
+                                          </p:spTgt>
+                                        </p:tgtEl>
+                                      </p:cBhvr>
+                                    </p:animEffect>
+                                  </p:childTnLst>
+                                </p:cTn>
+                              </p:par>
+                            </p:childTnLst>
+                          </p:cTn>
+                        </p:par>
+                        <p:par>
+                          <p:cTn id="41" fill="hold">
+                            <p:stCondLst>
+                              <p:cond delay="4500"/>
+                            </p:stCondLst>
+                            <p:childTnLst>
+                              <p:par>
+                                <p:cTn id="42" presetID="10" presetClass="entr" presetSubtype="0" fill="hold" grpId="0" nodeType="afterEffect">
+                                  <p:stCondLst>
+                                    <p:cond delay="0"/>
+                                  </p:stCondLst>
+                                  <p:childTnLst>
+                                    <p:set>
+                                      <p:cBhvr>
+                                        <p:cTn id="43" dur="1" fill="hold">
+                                          <p:stCondLst>
+                                            <p:cond delay="0"/>
+                                          </p:stCondLst>
+                                        </p:cTn>
+                                        <p:tgtEl>
+                                          <p:spTgt spid="6"/>
+                                        </p:tgtEl>
+                                        <p:attrNameLst>
+                                          <p:attrName>style.visibility</p:attrName>
+                                        </p:attrNameLst>
+                                      </p:cBhvr>
+                                      <p:to>
+                                        <p:strVal val="visible"/>
+                                      </p:to>
+                                    </p:set>
+                                    <p:animEffect transition="in" filter="fade">
+                                      <p:cBhvr>
+                                        <p:cTn id="44" dur="500"/>
+                                        <p:tgtEl>
+                                          <p:spTgt spid="6"/>
+                                        </p:tgtEl>
+                                      </p:cBhvr>
+                                    </p:animEffect>
+                                  </p:childTnLst>
+                                </p:cTn>
+                              </p:par>
+                            </p:childTnLst>
+                          </p:cTn>
+                        </p:par>
+                      </p:childTnLst>
+                    </p:cTn>
+                  </p:par>
+                </p:childTnLst>
+              </p:cTn>
+              <p:prevCondLst>
+                <p:cond evt="onPrev" delay="0">
+                  <p:tgtEl>
+                    <p:sldTgt/>
+                  </p:tgtEl>
+                </p:cond>
+              </p:prevCondLst>
+              <p:nextCondLst>
+                <p:cond evt="onNext" delay="0">
+                  <p:tgtEl>
+                    <p:sldTgt/>
+                  </p:tgtEl>
+                </p:cond>
+              </p:nextCondLst>
+            </p:seq>
+          </p:childTnLst>
+        </p:cTn>
+      </p:par>
+    </p:tnLst>
+    <p:bldLst>
+      <p:bldP spid="2" grpId="0"/>
+      <p:bldP spid="3" grpId="0" build="p"/>
+      <p:bldP spid="6" grpId="0"/>
+    </p:bldLst>
+  </p:timing>
 </p:sld>
 </file>
 
@@ -4527,15 +5124,7 @@
           <a:p>
             <a:r>
               <a:rPr lang="en-US" smtClean="0"/>
-              <a:t>Functional</a:t>
-            </a:r>
-            <a:r>
-              <a:rPr lang="en-US" smtClean="0"/>
-              <a:t> </a:t>
-            </a:r>
-            <a:r>
-              <a:rPr lang="en-US" smtClean="0"/>
-              <a:t>requirements</a:t>
+              <a:t>Functional requirements</a:t>
             </a:r>
             <a:endParaRPr lang="en-US"/>
           </a:p>
@@ -4565,79 +5154,55 @@
             <a:pPr lvl="1"/>
             <a:r>
               <a:rPr lang="en-US" smtClean="0"/>
-              <a:t>Possible </a:t>
-            </a:r>
+              <a:t>Case of the Belote Game:</a:t>
+            </a:r>
+          </a:p>
+          <a:p>
+            <a:pPr lvl="2"/>
             <a:r>
               <a:rPr lang="en-US" smtClean="0"/>
-              <a:t>improvements:</a:t>
-            </a:r>
-            <a:endParaRPr lang="en-US" smtClean="0"/>
-          </a:p>
-          <a:p>
-            <a:pPr lvl="1">
-              <a:buNone/>
-            </a:pPr>
-            <a:endParaRPr lang="en-US" sz="2800" smtClean="0"/>
+              <a:t>Preparation</a:t>
+            </a:r>
           </a:p>
           <a:p>
             <a:pPr lvl="2"/>
             <a:r>
               <a:rPr lang="en-US" smtClean="0"/>
-              <a:t>Adaptation </a:t>
-            </a:r>
+              <a:t>Dealing</a:t>
+            </a:r>
+          </a:p>
+          <a:p>
+            <a:pPr lvl="2"/>
             <a:r>
               <a:rPr lang="en-US" smtClean="0"/>
-              <a:t>of Blue Weasel for other card games with possibly more than four </a:t>
-            </a:r>
+              <a:t>Bidding</a:t>
+            </a:r>
+          </a:p>
+          <a:p>
+            <a:pPr lvl="2"/>
             <a:r>
               <a:rPr lang="en-US" smtClean="0"/>
-              <a:t>players</a:t>
+              <a:t>End of dealing</a:t>
             </a:r>
           </a:p>
           <a:p>
             <a:pPr lvl="2"/>
             <a:r>
               <a:rPr lang="en-US" smtClean="0"/>
-              <a:t>Better use of the RFID technology with more recent </a:t>
-            </a:r>
+              <a:t>Playing</a:t>
+            </a:r>
+          </a:p>
+          <a:p>
+            <a:pPr lvl="2"/>
             <a:r>
               <a:rPr lang="en-US" smtClean="0"/>
-              <a:t>card </a:t>
-            </a:r>
-            <a:r>
-              <a:rPr lang="en-US" smtClean="0"/>
-              <a:t>readers</a:t>
-            </a:r>
-            <a:endParaRPr lang="en-US" smtClean="0"/>
-          </a:p>
-          <a:p>
-            <a:pPr lvl="2"/>
-            <a:r>
-              <a:rPr lang="en-US" smtClean="0"/>
-              <a:t>Putting </a:t>
-            </a:r>
-            <a:r>
-              <a:rPr lang="en-US" smtClean="0"/>
-              <a:t>Blue Weasel on </a:t>
-            </a:r>
-            <a:r>
-              <a:rPr lang="en-US" smtClean="0"/>
-              <a:t>the </a:t>
-            </a:r>
-            <a:r>
-              <a:rPr lang="en-US" smtClean="0"/>
-              <a:t>cloud</a:t>
-            </a:r>
-            <a:endParaRPr lang="en-US" smtClean="0"/>
+              <a:t>Scoring</a:t>
+            </a:r>
           </a:p>
           <a:p>
             <a:pPr lvl="2">
               <a:buNone/>
             </a:pPr>
-            <a:endParaRPr lang="en-US" smtClean="0"/>
-          </a:p>
-          <a:p>
-            <a:pPr lvl="2"/>
             <a:endParaRPr lang="en-US" smtClean="0"/>
           </a:p>
         </p:txBody>
@@ -4671,6 +5236,13 @@
   <p:clrMapOvr>
     <a:masterClrMapping/>
   </p:clrMapOvr>
+  <p:timing>
+    <p:tnLst>
+      <p:par>
+        <p:cTn id="1" dur="indefinite" restart="never" nodeType="tmRoot"/>
+      </p:par>
+    </p:tnLst>
+  </p:timing>
 </p:sld>
 </file>
 
@@ -4709,10 +5281,10 @@
           <a:lstStyle/>
           <a:p>
             <a:r>
-              <a:rPr lang="fr-FR" dirty="0" smtClean="0"/>
-              <a:t>Conclusion</a:t>
-            </a:r>
-            <a:endParaRPr lang="fr-FR" dirty="0"/>
+              <a:rPr lang="en-US" smtClean="0"/>
+              <a:t>Functional requirements</a:t>
+            </a:r>
+            <a:endParaRPr lang="en-US"/>
           </a:p>
         </p:txBody>
       </p:sp>
@@ -4731,41 +5303,54 @@
           <a:bodyPr/>
           <a:lstStyle/>
           <a:p>
-            <a:endParaRPr lang="en-US" dirty="0" smtClean="0"/>
-          </a:p>
-          <a:p>
-            <a:r>
-              <a:rPr lang="en-US" dirty="0" smtClean="0"/>
-              <a:t>Feasibility</a:t>
-            </a:r>
-          </a:p>
-          <a:p>
-            <a:endParaRPr lang="en-US" dirty="0" smtClean="0"/>
-          </a:p>
-          <a:p>
-            <a:r>
-              <a:rPr lang="en-US" dirty="0" smtClean="0"/>
-              <a:t>Tasks done and remaining tasks</a:t>
-            </a:r>
-          </a:p>
-          <a:p>
-            <a:endParaRPr lang="en-US" dirty="0" smtClean="0"/>
-          </a:p>
-          <a:p>
-            <a:r>
-              <a:rPr lang="en-US" dirty="0" smtClean="0"/>
-              <a:t>Remaining time before the deadline</a:t>
-            </a:r>
-          </a:p>
-          <a:p>
-            <a:endParaRPr lang="en-US" dirty="0" smtClean="0"/>
-          </a:p>
-          <a:p>
-            <a:r>
-              <a:rPr lang="en-US" dirty="0" smtClean="0"/>
-              <a:t>Possible evolution</a:t>
-            </a:r>
-            <a:endParaRPr lang="en-US" dirty="0"/>
+            <a:r>
+              <a:rPr lang="en-US" smtClean="0"/>
+              <a:t>Description:</a:t>
+            </a:r>
+          </a:p>
+          <a:p>
+            <a:pPr lvl="1"/>
+            <a:r>
+              <a:rPr lang="en-US" smtClean="0"/>
+              <a:t>Possible improvements:</a:t>
+            </a:r>
+          </a:p>
+          <a:p>
+            <a:pPr lvl="1">
+              <a:buNone/>
+            </a:pPr>
+            <a:endParaRPr lang="en-US" sz="2800" smtClean="0"/>
+          </a:p>
+          <a:p>
+            <a:pPr lvl="2"/>
+            <a:r>
+              <a:rPr lang="en-US" smtClean="0"/>
+              <a:t>Adaptation of Blue Weasel for other card games with possibly more than four players</a:t>
+            </a:r>
+          </a:p>
+          <a:p>
+            <a:pPr lvl="2"/>
+            <a:r>
+              <a:rPr lang="en-US" smtClean="0"/>
+              <a:t>Better use of the RFID technology with more recent card readers</a:t>
+            </a:r>
+          </a:p>
+          <a:p>
+            <a:pPr lvl="2"/>
+            <a:r>
+              <a:rPr lang="en-US" smtClean="0"/>
+              <a:t>Putting Blue Weasel on the cloud</a:t>
+            </a:r>
+          </a:p>
+          <a:p>
+            <a:pPr lvl="2">
+              <a:buNone/>
+            </a:pPr>
+            <a:endParaRPr lang="en-US" smtClean="0"/>
+          </a:p>
+          <a:p>
+            <a:pPr lvl="2"/>
+            <a:endParaRPr lang="en-US" smtClean="0"/>
           </a:p>
         </p:txBody>
       </p:sp>
@@ -4785,11 +5370,11 @@
           <a:lstStyle/>
           <a:p>
             <a:fld id="{CF4668DC-857F-487D-BFFA-8C0CA5037977}" type="slidenum">
-              <a:rPr lang="fr-BE" smtClean="0"/>
+              <a:rPr lang="en-US" smtClean="0"/>
               <a:pPr/>
               <a:t>11</a:t>
             </a:fld>
-            <a:endParaRPr lang="fr-BE"/>
+            <a:endParaRPr lang="en-US"/>
           </a:p>
         </p:txBody>
       </p:sp>
@@ -4798,6 +5383,13 @@
   <p:clrMapOvr>
     <a:masterClrMapping/>
   </p:clrMapOvr>
+  <p:timing>
+    <p:tnLst>
+      <p:par>
+        <p:cTn id="1" dur="indefinite" restart="never" nodeType="tmRoot"/>
+      </p:par>
+    </p:tnLst>
+  </p:timing>
 </p:sld>
 </file>
 
@@ -4830,6 +5422,140 @@
         </p:nvSpPr>
         <p:spPr/>
         <p:txBody>
+          <a:bodyPr>
+            <a:normAutofit/>
+          </a:bodyPr>
+          <a:lstStyle/>
+          <a:p>
+            <a:r>
+              <a:rPr lang="fr-FR" dirty="0" smtClean="0"/>
+              <a:t>Conclusion</a:t>
+            </a:r>
+            <a:endParaRPr lang="fr-FR" dirty="0"/>
+          </a:p>
+        </p:txBody>
+      </p:sp>
+      <p:sp>
+        <p:nvSpPr>
+          <p:cNvPr id="3" name="Espace réservé du contenu 2"/>
+          <p:cNvSpPr>
+            <a:spLocks noGrp="1"/>
+          </p:cNvSpPr>
+          <p:nvPr>
+            <p:ph idx="1"/>
+          </p:nvPr>
+        </p:nvSpPr>
+        <p:spPr/>
+        <p:txBody>
+          <a:bodyPr/>
+          <a:lstStyle/>
+          <a:p>
+            <a:endParaRPr lang="en-US" dirty="0" smtClean="0"/>
+          </a:p>
+          <a:p>
+            <a:r>
+              <a:rPr lang="en-US" dirty="0" smtClean="0"/>
+              <a:t>Feasibility</a:t>
+            </a:r>
+          </a:p>
+          <a:p>
+            <a:endParaRPr lang="en-US" dirty="0" smtClean="0"/>
+          </a:p>
+          <a:p>
+            <a:r>
+              <a:rPr lang="en-US" dirty="0" smtClean="0"/>
+              <a:t>Tasks done and remaining tasks</a:t>
+            </a:r>
+          </a:p>
+          <a:p>
+            <a:endParaRPr lang="en-US" dirty="0" smtClean="0"/>
+          </a:p>
+          <a:p>
+            <a:r>
+              <a:rPr lang="en-US" dirty="0" smtClean="0"/>
+              <a:t>Remaining time before the deadline</a:t>
+            </a:r>
+          </a:p>
+          <a:p>
+            <a:endParaRPr lang="en-US" dirty="0" smtClean="0"/>
+          </a:p>
+          <a:p>
+            <a:r>
+              <a:rPr lang="en-US" dirty="0" smtClean="0"/>
+              <a:t>Possible evolution</a:t>
+            </a:r>
+            <a:endParaRPr lang="en-US" dirty="0"/>
+          </a:p>
+        </p:txBody>
+      </p:sp>
+      <p:sp>
+        <p:nvSpPr>
+          <p:cNvPr id="4" name="Espace réservé du numéro de diapositive 3"/>
+          <p:cNvSpPr>
+            <a:spLocks noGrp="1"/>
+          </p:cNvSpPr>
+          <p:nvPr>
+            <p:ph type="sldNum" sz="quarter" idx="12"/>
+          </p:nvPr>
+        </p:nvSpPr>
+        <p:spPr/>
+        <p:txBody>
+          <a:bodyPr/>
+          <a:lstStyle/>
+          <a:p>
+            <a:fld id="{CF4668DC-857F-487D-BFFA-8C0CA5037977}" type="slidenum">
+              <a:rPr lang="fr-BE" smtClean="0"/>
+              <a:pPr/>
+              <a:t>12</a:t>
+            </a:fld>
+            <a:endParaRPr lang="fr-BE"/>
+          </a:p>
+        </p:txBody>
+      </p:sp>
+    </p:spTree>
+  </p:cSld>
+  <p:clrMapOvr>
+    <a:masterClrMapping/>
+  </p:clrMapOvr>
+  <p:timing>
+    <p:tnLst>
+      <p:par>
+        <p:cTn id="1" dur="indefinite" restart="never" nodeType="tmRoot"/>
+      </p:par>
+    </p:tnLst>
+  </p:timing>
+</p:sld>
+</file>
+
+<file path=ppt/slides/slide13.xml><?xml version="1.0" encoding="utf-8"?>
+<p:sld xmlns:a="http://schemas.openxmlformats.org/drawingml/2006/main" xmlns:r="http://schemas.openxmlformats.org/officeDocument/2006/relationships" xmlns:p="http://schemas.openxmlformats.org/presentationml/2006/main">
+  <p:cSld>
+    <p:spTree>
+      <p:nvGrpSpPr>
+        <p:cNvPr id="1" name=""/>
+        <p:cNvGrpSpPr/>
+        <p:nvPr/>
+      </p:nvGrpSpPr>
+      <p:grpSpPr>
+        <a:xfrm>
+          <a:off x="0" y="0"/>
+          <a:ext cx="0" cy="0"/>
+          <a:chOff x="0" y="0"/>
+          <a:chExt cx="0" cy="0"/>
+        </a:xfrm>
+      </p:grpSpPr>
+      <p:sp>
+        <p:nvSpPr>
+          <p:cNvPr id="2" name="Titre 1"/>
+          <p:cNvSpPr>
+            <a:spLocks noGrp="1"/>
+          </p:cNvSpPr>
+          <p:nvPr>
+            <p:ph type="title"/>
+          </p:nvPr>
+        </p:nvSpPr>
+        <p:spPr/>
+        <p:txBody>
           <a:bodyPr/>
           <a:lstStyle/>
           <a:p>
@@ -4904,7 +5630,7 @@
             <a:fld id="{CF4668DC-857F-487D-BFFA-8C0CA5037977}" type="slidenum">
               <a:rPr lang="fr-BE" smtClean="0"/>
               <a:pPr/>
-              <a:t>12</a:t>
+              <a:t>13</a:t>
             </a:fld>
             <a:endParaRPr lang="fr-BE"/>
           </a:p>
@@ -4941,6 +5667,13 @@
   <p:clrMapOvr>
     <a:masterClrMapping/>
   </p:clrMapOvr>
+  <p:timing>
+    <p:tnLst>
+      <p:par>
+        <p:cTn id="1" dur="indefinite" restart="never" nodeType="tmRoot"/>
+      </p:par>
+    </p:tnLst>
+  </p:timing>
 </p:sld>
 </file>
 
@@ -4977,90 +5710,10 @@
           <a:lstStyle/>
           <a:p>
             <a:r>
-              <a:rPr lang="en-US" smtClean="0"/>
-              <a:t>Plan</a:t>
-            </a:r>
-            <a:endParaRPr lang="en-US"/>
-          </a:p>
-        </p:txBody>
-      </p:sp>
-      <p:sp>
-        <p:nvSpPr>
-          <p:cNvPr id="3" name="Espace réservé du contenu 2"/>
-          <p:cNvSpPr>
-            <a:spLocks noGrp="1"/>
-          </p:cNvSpPr>
-          <p:nvPr>
-            <p:ph idx="1"/>
-          </p:nvPr>
-        </p:nvSpPr>
-        <p:spPr/>
-        <p:txBody>
-          <a:bodyPr/>
-          <a:lstStyle/>
-          <a:p>
-            <a:r>
-              <a:rPr lang="en-US" smtClean="0"/>
+              <a:rPr lang="en-US" dirty="0" smtClean="0"/>
               <a:t>Introduction</a:t>
             </a:r>
-          </a:p>
-          <a:p>
-            <a:endParaRPr lang="en-US" smtClean="0"/>
-          </a:p>
-          <a:p>
-            <a:r>
-              <a:rPr lang="en-US" smtClean="0"/>
-              <a:t>Presentation of the </a:t>
-            </a:r>
-            <a:r>
-              <a:rPr lang="en-US" smtClean="0"/>
-              <a:t>project</a:t>
-            </a:r>
-            <a:endParaRPr lang="en-US" smtClean="0"/>
-          </a:p>
-          <a:p>
-            <a:endParaRPr lang="en-US" smtClean="0"/>
-          </a:p>
-          <a:p>
-            <a:r>
-              <a:rPr lang="en-US" smtClean="0"/>
-              <a:t>State of </a:t>
-            </a:r>
-            <a:r>
-              <a:rPr lang="en-US" smtClean="0"/>
-              <a:t>art</a:t>
-            </a:r>
-            <a:endParaRPr lang="en-US" smtClean="0"/>
-          </a:p>
-          <a:p>
-            <a:endParaRPr lang="en-US" smtClean="0"/>
-          </a:p>
-          <a:p>
-            <a:r>
-              <a:rPr lang="en-US" smtClean="0"/>
-              <a:t>Functional </a:t>
-            </a:r>
-            <a:r>
-              <a:rPr lang="en-US" smtClean="0"/>
-              <a:t>requirements</a:t>
-            </a:r>
-            <a:endParaRPr lang="en-US" smtClean="0"/>
-          </a:p>
-          <a:p>
-            <a:endParaRPr lang="en-US" smtClean="0"/>
-          </a:p>
-          <a:p>
-            <a:r>
-              <a:rPr lang="en-US" smtClean="0"/>
-              <a:t>Conclusion</a:t>
-            </a:r>
-            <a:endParaRPr lang="en-US" smtClean="0"/>
-          </a:p>
-          <a:p>
-            <a:endParaRPr lang="en-US" smtClean="0"/>
-          </a:p>
-          <a:p>
-            <a:endParaRPr lang="en-US"/>
+            <a:endParaRPr lang="en-US" dirty="0"/>
           </a:p>
         </p:txBody>
       </p:sp>
@@ -5080,19 +5733,1101 @@
           <a:lstStyle/>
           <a:p>
             <a:fld id="{CF4668DC-857F-487D-BFFA-8C0CA5037977}" type="slidenum">
-              <a:rPr lang="en-US" smtClean="0"/>
+              <a:rPr lang="fr-BE" smtClean="0"/>
               <a:pPr/>
               <a:t>2</a:t>
             </a:fld>
-            <a:endParaRPr lang="en-US"/>
+            <a:endParaRPr lang="fr-BE"/>
+          </a:p>
+        </p:txBody>
+      </p:sp>
+      <p:sp>
+        <p:nvSpPr>
+          <p:cNvPr id="5" name="Rectangle 4"/>
+          <p:cNvSpPr/>
+          <p:nvPr/>
+        </p:nvSpPr>
+        <p:spPr>
+          <a:xfrm>
+            <a:off x="827584" y="2204862"/>
+            <a:ext cx="2799741" cy="646331"/>
+          </a:xfrm>
+          <a:prstGeom prst="rect">
+            <a:avLst/>
+          </a:prstGeom>
+          <a:noFill/>
+        </p:spPr>
+        <p:txBody>
+          <a:bodyPr wrap="none" lIns="91440" tIns="45720" rIns="91440" bIns="45720">
+            <a:spAutoFit/>
+          </a:bodyPr>
+          <a:lstStyle/>
+          <a:p>
+            <a:pPr algn="ctr"/>
+            <a:r>
+              <a:rPr lang="fr-FR" sz="3600" b="1" cap="none" spc="0" dirty="0" smtClean="0">
+                <a:ln w="10541" cmpd="sng">
+                  <a:solidFill>
+                    <a:schemeClr val="accent1">
+                      <a:shade val="88000"/>
+                      <a:satMod val="110000"/>
+                    </a:schemeClr>
+                  </a:solidFill>
+                  <a:prstDash val="solid"/>
+                </a:ln>
+                <a:gradFill>
+                  <a:gsLst>
+                    <a:gs pos="0">
+                      <a:schemeClr val="accent1">
+                        <a:tint val="40000"/>
+                        <a:satMod val="250000"/>
+                      </a:schemeClr>
+                    </a:gs>
+                    <a:gs pos="9000">
+                      <a:schemeClr val="accent1">
+                        <a:tint val="52000"/>
+                        <a:satMod val="300000"/>
+                      </a:schemeClr>
+                    </a:gs>
+                    <a:gs pos="50000">
+                      <a:schemeClr val="accent1">
+                        <a:shade val="20000"/>
+                        <a:satMod val="300000"/>
+                      </a:schemeClr>
+                    </a:gs>
+                    <a:gs pos="79000">
+                      <a:schemeClr val="accent1">
+                        <a:tint val="52000"/>
+                        <a:satMod val="300000"/>
+                      </a:schemeClr>
+                    </a:gs>
+                    <a:gs pos="100000">
+                      <a:schemeClr val="accent1">
+                        <a:tint val="40000"/>
+                        <a:satMod val="250000"/>
+                      </a:schemeClr>
+                    </a:gs>
+                  </a:gsLst>
+                  <a:lin ang="5400000"/>
+                </a:gradFill>
+                <a:effectLst/>
+              </a:rPr>
+              <a:t>Blue </a:t>
+            </a:r>
+            <a:r>
+              <a:rPr lang="fr-FR" sz="3600" b="1" dirty="0" err="1">
+                <a:ln w="10541" cmpd="sng">
+                  <a:solidFill>
+                    <a:schemeClr val="accent1">
+                      <a:shade val="88000"/>
+                      <a:satMod val="110000"/>
+                    </a:schemeClr>
+                  </a:solidFill>
+                  <a:prstDash val="solid"/>
+                </a:ln>
+                <a:gradFill>
+                  <a:gsLst>
+                    <a:gs pos="0">
+                      <a:schemeClr val="accent1">
+                        <a:tint val="40000"/>
+                        <a:satMod val="250000"/>
+                      </a:schemeClr>
+                    </a:gs>
+                    <a:gs pos="9000">
+                      <a:schemeClr val="accent1">
+                        <a:tint val="52000"/>
+                        <a:satMod val="300000"/>
+                      </a:schemeClr>
+                    </a:gs>
+                    <a:gs pos="50000">
+                      <a:schemeClr val="accent1">
+                        <a:shade val="20000"/>
+                        <a:satMod val="300000"/>
+                      </a:schemeClr>
+                    </a:gs>
+                    <a:gs pos="79000">
+                      <a:schemeClr val="accent1">
+                        <a:tint val="52000"/>
+                        <a:satMod val="300000"/>
+                      </a:schemeClr>
+                    </a:gs>
+                    <a:gs pos="100000">
+                      <a:schemeClr val="accent1">
+                        <a:tint val="40000"/>
+                        <a:satMod val="250000"/>
+                      </a:schemeClr>
+                    </a:gs>
+                  </a:gsLst>
+                  <a:lin ang="5400000"/>
+                </a:gradFill>
+              </a:rPr>
+              <a:t>W</a:t>
+            </a:r>
+            <a:r>
+              <a:rPr lang="fr-FR" sz="3600" b="1" cap="none" spc="0" dirty="0" err="1" smtClean="0">
+                <a:ln w="10541" cmpd="sng">
+                  <a:solidFill>
+                    <a:schemeClr val="accent1">
+                      <a:shade val="88000"/>
+                      <a:satMod val="110000"/>
+                    </a:schemeClr>
+                  </a:solidFill>
+                  <a:prstDash val="solid"/>
+                </a:ln>
+                <a:gradFill>
+                  <a:gsLst>
+                    <a:gs pos="0">
+                      <a:schemeClr val="accent1">
+                        <a:tint val="40000"/>
+                        <a:satMod val="250000"/>
+                      </a:schemeClr>
+                    </a:gs>
+                    <a:gs pos="9000">
+                      <a:schemeClr val="accent1">
+                        <a:tint val="52000"/>
+                        <a:satMod val="300000"/>
+                      </a:schemeClr>
+                    </a:gs>
+                    <a:gs pos="50000">
+                      <a:schemeClr val="accent1">
+                        <a:shade val="20000"/>
+                        <a:satMod val="300000"/>
+                      </a:schemeClr>
+                    </a:gs>
+                    <a:gs pos="79000">
+                      <a:schemeClr val="accent1">
+                        <a:tint val="52000"/>
+                        <a:satMod val="300000"/>
+                      </a:schemeClr>
+                    </a:gs>
+                    <a:gs pos="100000">
+                      <a:schemeClr val="accent1">
+                        <a:tint val="40000"/>
+                        <a:satMod val="250000"/>
+                      </a:schemeClr>
+                    </a:gs>
+                  </a:gsLst>
+                  <a:lin ang="5400000"/>
+                </a:gradFill>
+                <a:effectLst/>
+              </a:rPr>
+              <a:t>easel</a:t>
+            </a:r>
+            <a:endParaRPr lang="fr-FR" sz="3600" b="1" cap="none" spc="0" dirty="0">
+              <a:ln w="10541" cmpd="sng">
+                <a:solidFill>
+                  <a:schemeClr val="accent1">
+                    <a:shade val="88000"/>
+                    <a:satMod val="110000"/>
+                  </a:schemeClr>
+                </a:solidFill>
+                <a:prstDash val="solid"/>
+              </a:ln>
+              <a:gradFill>
+                <a:gsLst>
+                  <a:gs pos="0">
+                    <a:schemeClr val="accent1">
+                      <a:tint val="40000"/>
+                      <a:satMod val="250000"/>
+                    </a:schemeClr>
+                  </a:gs>
+                  <a:gs pos="9000">
+                    <a:schemeClr val="accent1">
+                      <a:tint val="52000"/>
+                      <a:satMod val="300000"/>
+                    </a:schemeClr>
+                  </a:gs>
+                  <a:gs pos="50000">
+                    <a:schemeClr val="accent1">
+                      <a:shade val="20000"/>
+                      <a:satMod val="300000"/>
+                    </a:schemeClr>
+                  </a:gs>
+                  <a:gs pos="79000">
+                    <a:schemeClr val="accent1">
+                      <a:tint val="52000"/>
+                      <a:satMod val="300000"/>
+                    </a:schemeClr>
+                  </a:gs>
+                  <a:gs pos="100000">
+                    <a:schemeClr val="accent1">
+                      <a:tint val="40000"/>
+                      <a:satMod val="250000"/>
+                    </a:schemeClr>
+                  </a:gs>
+                </a:gsLst>
+                <a:lin ang="5400000"/>
+              </a:gradFill>
+              <a:effectLst/>
+            </a:endParaRPr>
+          </a:p>
+        </p:txBody>
+      </p:sp>
+      <p:sp>
+        <p:nvSpPr>
+          <p:cNvPr id="6" name="Rectangle 5"/>
+          <p:cNvSpPr/>
+          <p:nvPr/>
+        </p:nvSpPr>
+        <p:spPr>
+          <a:xfrm>
+            <a:off x="827584" y="3188482"/>
+            <a:ext cx="4839403" cy="646331"/>
+          </a:xfrm>
+          <a:prstGeom prst="rect">
+            <a:avLst/>
+          </a:prstGeom>
+          <a:noFill/>
+        </p:spPr>
+        <p:txBody>
+          <a:bodyPr wrap="none" lIns="91440" tIns="45720" rIns="91440" bIns="45720">
+            <a:spAutoFit/>
+          </a:bodyPr>
+          <a:lstStyle/>
+          <a:p>
+            <a:pPr algn="ctr"/>
+            <a:r>
+              <a:rPr lang="fr-FR" sz="3600" b="1" cap="none" spc="0" dirty="0" smtClean="0">
+                <a:ln w="10541" cmpd="sng">
+                  <a:solidFill>
+                    <a:schemeClr val="accent1">
+                      <a:shade val="88000"/>
+                      <a:satMod val="110000"/>
+                    </a:schemeClr>
+                  </a:solidFill>
+                  <a:prstDash val="solid"/>
+                </a:ln>
+                <a:gradFill>
+                  <a:gsLst>
+                    <a:gs pos="0">
+                      <a:schemeClr val="accent1">
+                        <a:tint val="40000"/>
+                        <a:satMod val="250000"/>
+                      </a:schemeClr>
+                    </a:gs>
+                    <a:gs pos="9000">
+                      <a:schemeClr val="accent1">
+                        <a:tint val="52000"/>
+                        <a:satMod val="300000"/>
+                      </a:schemeClr>
+                    </a:gs>
+                    <a:gs pos="50000">
+                      <a:schemeClr val="accent1">
+                        <a:shade val="20000"/>
+                        <a:satMod val="300000"/>
+                      </a:schemeClr>
+                    </a:gs>
+                    <a:gs pos="79000">
+                      <a:schemeClr val="accent1">
+                        <a:tint val="52000"/>
+                        <a:satMod val="300000"/>
+                      </a:schemeClr>
+                    </a:gs>
+                    <a:gs pos="100000">
+                      <a:schemeClr val="accent1">
+                        <a:tint val="40000"/>
+                        <a:satMod val="250000"/>
+                      </a:schemeClr>
+                    </a:gs>
+                  </a:gsLst>
+                  <a:lin ang="5400000"/>
+                </a:gradFill>
+                <a:effectLst/>
+              </a:rPr>
+              <a:t>This </a:t>
+            </a:r>
+            <a:r>
+              <a:rPr lang="fr-FR" sz="3600" b="1" cap="none" spc="0" dirty="0" err="1" smtClean="0">
+                <a:ln w="10541" cmpd="sng">
+                  <a:solidFill>
+                    <a:schemeClr val="accent1">
+                      <a:shade val="88000"/>
+                      <a:satMod val="110000"/>
+                    </a:schemeClr>
+                  </a:solidFill>
+                  <a:prstDash val="solid"/>
+                </a:ln>
+                <a:gradFill>
+                  <a:gsLst>
+                    <a:gs pos="0">
+                      <a:schemeClr val="accent1">
+                        <a:tint val="40000"/>
+                        <a:satMod val="250000"/>
+                      </a:schemeClr>
+                    </a:gs>
+                    <a:gs pos="9000">
+                      <a:schemeClr val="accent1">
+                        <a:tint val="52000"/>
+                        <a:satMod val="300000"/>
+                      </a:schemeClr>
+                    </a:gs>
+                    <a:gs pos="50000">
+                      <a:schemeClr val="accent1">
+                        <a:shade val="20000"/>
+                        <a:satMod val="300000"/>
+                      </a:schemeClr>
+                    </a:gs>
+                    <a:gs pos="79000">
+                      <a:schemeClr val="accent1">
+                        <a:tint val="52000"/>
+                        <a:satMod val="300000"/>
+                      </a:schemeClr>
+                    </a:gs>
+                    <a:gs pos="100000">
+                      <a:schemeClr val="accent1">
+                        <a:tint val="40000"/>
+                        <a:satMod val="250000"/>
+                      </a:schemeClr>
+                    </a:gs>
+                  </a:gsLst>
+                  <a:lin ang="5400000"/>
+                </a:gradFill>
+                <a:effectLst/>
+              </a:rPr>
+              <a:t>is</a:t>
+            </a:r>
+            <a:r>
+              <a:rPr lang="fr-FR" sz="3600" b="1" cap="none" spc="0" dirty="0" smtClean="0">
+                <a:ln w="10541" cmpd="sng">
+                  <a:solidFill>
+                    <a:schemeClr val="accent1">
+                      <a:shade val="88000"/>
+                      <a:satMod val="110000"/>
+                    </a:schemeClr>
+                  </a:solidFill>
+                  <a:prstDash val="solid"/>
+                </a:ln>
+                <a:gradFill>
+                  <a:gsLst>
+                    <a:gs pos="0">
+                      <a:schemeClr val="accent1">
+                        <a:tint val="40000"/>
+                        <a:satMod val="250000"/>
+                      </a:schemeClr>
+                    </a:gs>
+                    <a:gs pos="9000">
+                      <a:schemeClr val="accent1">
+                        <a:tint val="52000"/>
+                        <a:satMod val="300000"/>
+                      </a:schemeClr>
+                    </a:gs>
+                    <a:gs pos="50000">
+                      <a:schemeClr val="accent1">
+                        <a:shade val="20000"/>
+                        <a:satMod val="300000"/>
+                      </a:schemeClr>
+                    </a:gs>
+                    <a:gs pos="79000">
+                      <a:schemeClr val="accent1">
+                        <a:tint val="52000"/>
+                        <a:satMod val="300000"/>
+                      </a:schemeClr>
+                    </a:gs>
+                    <a:gs pos="100000">
+                      <a:schemeClr val="accent1">
+                        <a:tint val="40000"/>
+                        <a:satMod val="250000"/>
+                      </a:schemeClr>
+                    </a:gs>
+                  </a:gsLst>
+                  <a:lin ang="5400000"/>
+                </a:gradFill>
+                <a:effectLst/>
+              </a:rPr>
+              <a:t> a </a:t>
+            </a:r>
+            <a:r>
+              <a:rPr lang="fr-FR" sz="3600" b="1" cap="none" spc="0" dirty="0" err="1" smtClean="0">
+                <a:ln w="10541" cmpd="sng">
+                  <a:solidFill>
+                    <a:schemeClr val="accent1">
+                      <a:shade val="88000"/>
+                      <a:satMod val="110000"/>
+                    </a:schemeClr>
+                  </a:solidFill>
+                  <a:prstDash val="solid"/>
+                </a:ln>
+                <a:gradFill>
+                  <a:gsLst>
+                    <a:gs pos="0">
+                      <a:schemeClr val="accent1">
+                        <a:tint val="40000"/>
+                        <a:satMod val="250000"/>
+                      </a:schemeClr>
+                    </a:gs>
+                    <a:gs pos="9000">
+                      <a:schemeClr val="accent1">
+                        <a:tint val="52000"/>
+                        <a:satMod val="300000"/>
+                      </a:schemeClr>
+                    </a:gs>
+                    <a:gs pos="50000">
+                      <a:schemeClr val="accent1">
+                        <a:shade val="20000"/>
+                        <a:satMod val="300000"/>
+                      </a:schemeClr>
+                    </a:gs>
+                    <a:gs pos="79000">
+                      <a:schemeClr val="accent1">
+                        <a:tint val="52000"/>
+                        <a:satMod val="300000"/>
+                      </a:schemeClr>
+                    </a:gs>
+                    <a:gs pos="100000">
+                      <a:schemeClr val="accent1">
+                        <a:tint val="40000"/>
+                        <a:satMod val="250000"/>
+                      </a:schemeClr>
+                    </a:gs>
+                  </a:gsLst>
+                  <a:lin ang="5400000"/>
+                </a:gradFill>
+                <a:effectLst/>
+              </a:rPr>
+              <a:t>revolution</a:t>
+            </a:r>
+            <a:r>
+              <a:rPr lang="fr-FR" sz="3600" b="1" cap="none" spc="0" dirty="0" smtClean="0">
+                <a:ln w="10541" cmpd="sng">
+                  <a:solidFill>
+                    <a:schemeClr val="accent1">
+                      <a:shade val="88000"/>
+                      <a:satMod val="110000"/>
+                    </a:schemeClr>
+                  </a:solidFill>
+                  <a:prstDash val="solid"/>
+                </a:ln>
+                <a:gradFill>
+                  <a:gsLst>
+                    <a:gs pos="0">
+                      <a:schemeClr val="accent1">
+                        <a:tint val="40000"/>
+                        <a:satMod val="250000"/>
+                      </a:schemeClr>
+                    </a:gs>
+                    <a:gs pos="9000">
+                      <a:schemeClr val="accent1">
+                        <a:tint val="52000"/>
+                        <a:satMod val="300000"/>
+                      </a:schemeClr>
+                    </a:gs>
+                    <a:gs pos="50000">
+                      <a:schemeClr val="accent1">
+                        <a:shade val="20000"/>
+                        <a:satMod val="300000"/>
+                      </a:schemeClr>
+                    </a:gs>
+                    <a:gs pos="79000">
+                      <a:schemeClr val="accent1">
+                        <a:tint val="52000"/>
+                        <a:satMod val="300000"/>
+                      </a:schemeClr>
+                    </a:gs>
+                    <a:gs pos="100000">
+                      <a:schemeClr val="accent1">
+                        <a:tint val="40000"/>
+                        <a:satMod val="250000"/>
+                      </a:schemeClr>
+                    </a:gs>
+                  </a:gsLst>
+                  <a:lin ang="5400000"/>
+                </a:gradFill>
+                <a:effectLst/>
+              </a:rPr>
+              <a:t> !!!</a:t>
+            </a:r>
+            <a:endParaRPr lang="fr-FR" sz="3600" b="1" cap="none" spc="0" dirty="0">
+              <a:ln w="10541" cmpd="sng">
+                <a:solidFill>
+                  <a:schemeClr val="accent1">
+                    <a:shade val="88000"/>
+                    <a:satMod val="110000"/>
+                  </a:schemeClr>
+                </a:solidFill>
+                <a:prstDash val="solid"/>
+              </a:ln>
+              <a:gradFill>
+                <a:gsLst>
+                  <a:gs pos="0">
+                    <a:schemeClr val="accent1">
+                      <a:tint val="40000"/>
+                      <a:satMod val="250000"/>
+                    </a:schemeClr>
+                  </a:gs>
+                  <a:gs pos="9000">
+                    <a:schemeClr val="accent1">
+                      <a:tint val="52000"/>
+                      <a:satMod val="300000"/>
+                    </a:schemeClr>
+                  </a:gs>
+                  <a:gs pos="50000">
+                    <a:schemeClr val="accent1">
+                      <a:shade val="20000"/>
+                      <a:satMod val="300000"/>
+                    </a:schemeClr>
+                  </a:gs>
+                  <a:gs pos="79000">
+                    <a:schemeClr val="accent1">
+                      <a:tint val="52000"/>
+                      <a:satMod val="300000"/>
+                    </a:schemeClr>
+                  </a:gs>
+                  <a:gs pos="100000">
+                    <a:schemeClr val="accent1">
+                      <a:tint val="40000"/>
+                      <a:satMod val="250000"/>
+                    </a:schemeClr>
+                  </a:gs>
+                </a:gsLst>
+                <a:lin ang="5400000"/>
+              </a:gradFill>
+              <a:effectLst/>
+            </a:endParaRPr>
           </a:p>
         </p:txBody>
       </p:sp>
     </p:spTree>
+    <p:extLst>
+      <p:ext uri="{BB962C8B-B14F-4D97-AF65-F5344CB8AC3E}">
+        <p14:creationId xmlns:p14="http://schemas.microsoft.com/office/powerpoint/2010/main" val="4129180864"/>
+      </p:ext>
+    </p:extLst>
   </p:cSld>
   <p:clrMapOvr>
     <a:masterClrMapping/>
   </p:clrMapOvr>
+  <p:timing>
+    <p:tnLst>
+      <p:par>
+        <p:cTn id="1" dur="indefinite" restart="never" nodeType="tmRoot">
+          <p:childTnLst>
+            <p:seq concurrent="1" nextAc="seek">
+              <p:cTn id="2" dur="indefinite" nodeType="mainSeq">
+                <p:childTnLst>
+                  <p:par>
+                    <p:cTn id="3" fill="hold">
+                      <p:stCondLst>
+                        <p:cond delay="indefinite"/>
+                        <p:cond evt="onBegin" delay="0">
+                          <p:tn val="2"/>
+                        </p:cond>
+                      </p:stCondLst>
+                      <p:childTnLst>
+                        <p:par>
+                          <p:cTn id="4" fill="hold">
+                            <p:stCondLst>
+                              <p:cond delay="0"/>
+                            </p:stCondLst>
+                            <p:childTnLst>
+                              <p:par>
+                                <p:cTn id="5" presetID="45" presetClass="entr" presetSubtype="0" fill="hold" grpId="0" nodeType="afterEffect">
+                                  <p:stCondLst>
+                                    <p:cond delay="0"/>
+                                  </p:stCondLst>
+                                  <p:childTnLst>
+                                    <p:set>
+                                      <p:cBhvr>
+                                        <p:cTn id="6" dur="1" fill="hold">
+                                          <p:stCondLst>
+                                            <p:cond delay="0"/>
+                                          </p:stCondLst>
+                                        </p:cTn>
+                                        <p:tgtEl>
+                                          <p:spTgt spid="2"/>
+                                        </p:tgtEl>
+                                        <p:attrNameLst>
+                                          <p:attrName>style.visibility</p:attrName>
+                                        </p:attrNameLst>
+                                      </p:cBhvr>
+                                      <p:to>
+                                        <p:strVal val="visible"/>
+                                      </p:to>
+                                    </p:set>
+                                    <p:animEffect transition="in" filter="fade">
+                                      <p:cBhvr>
+                                        <p:cTn id="7" dur="2000"/>
+                                        <p:tgtEl>
+                                          <p:spTgt spid="2"/>
+                                        </p:tgtEl>
+                                      </p:cBhvr>
+                                    </p:animEffect>
+                                    <p:anim calcmode="lin" valueType="num">
+                                      <p:cBhvr>
+                                        <p:cTn id="8" dur="2000" fill="hold"/>
+                                        <p:tgtEl>
+                                          <p:spTgt spid="2"/>
+                                        </p:tgtEl>
+                                        <p:attrNameLst>
+                                          <p:attrName>ppt_w</p:attrName>
+                                        </p:attrNameLst>
+                                      </p:cBhvr>
+                                      <p:tavLst>
+                                        <p:tav tm="0" fmla="#ppt_w*sin(2.5*pi*$)">
+                                          <p:val>
+                                            <p:fltVal val="0"/>
+                                          </p:val>
+                                        </p:tav>
+                                        <p:tav tm="100000">
+                                          <p:val>
+                                            <p:fltVal val="1"/>
+                                          </p:val>
+                                        </p:tav>
+                                      </p:tavLst>
+                                    </p:anim>
+                                    <p:anim calcmode="lin" valueType="num">
+                                      <p:cBhvr>
+                                        <p:cTn id="9" dur="2000" fill="hold"/>
+                                        <p:tgtEl>
+                                          <p:spTgt spid="2"/>
+                                        </p:tgtEl>
+                                        <p:attrNameLst>
+                                          <p:attrName>ppt_h</p:attrName>
+                                        </p:attrNameLst>
+                                      </p:cBhvr>
+                                      <p:tavLst>
+                                        <p:tav tm="0">
+                                          <p:val>
+                                            <p:strVal val="#ppt_h"/>
+                                          </p:val>
+                                        </p:tav>
+                                        <p:tav tm="100000">
+                                          <p:val>
+                                            <p:strVal val="#ppt_h"/>
+                                          </p:val>
+                                        </p:tav>
+                                      </p:tavLst>
+                                    </p:anim>
+                                  </p:childTnLst>
+                                </p:cTn>
+                              </p:par>
+                            </p:childTnLst>
+                          </p:cTn>
+                        </p:par>
+                      </p:childTnLst>
+                    </p:cTn>
+                  </p:par>
+                  <p:par>
+                    <p:cTn id="10" fill="hold">
+                      <p:stCondLst>
+                        <p:cond delay="indefinite"/>
+                      </p:stCondLst>
+                      <p:childTnLst>
+                        <p:par>
+                          <p:cTn id="11" fill="hold">
+                            <p:stCondLst>
+                              <p:cond delay="0"/>
+                            </p:stCondLst>
+                            <p:childTnLst>
+                              <p:par>
+                                <p:cTn id="12" presetID="53" presetClass="entr" presetSubtype="16" fill="hold" grpId="0" nodeType="clickEffect">
+                                  <p:stCondLst>
+                                    <p:cond delay="0"/>
+                                  </p:stCondLst>
+                                  <p:childTnLst>
+                                    <p:set>
+                                      <p:cBhvr>
+                                        <p:cTn id="13" dur="1" fill="hold">
+                                          <p:stCondLst>
+                                            <p:cond delay="0"/>
+                                          </p:stCondLst>
+                                        </p:cTn>
+                                        <p:tgtEl>
+                                          <p:spTgt spid="5"/>
+                                        </p:tgtEl>
+                                        <p:attrNameLst>
+                                          <p:attrName>style.visibility</p:attrName>
+                                        </p:attrNameLst>
+                                      </p:cBhvr>
+                                      <p:to>
+                                        <p:strVal val="visible"/>
+                                      </p:to>
+                                    </p:set>
+                                    <p:anim calcmode="lin" valueType="num">
+                                      <p:cBhvr>
+                                        <p:cTn id="14" dur="500" fill="hold"/>
+                                        <p:tgtEl>
+                                          <p:spTgt spid="5"/>
+                                        </p:tgtEl>
+                                        <p:attrNameLst>
+                                          <p:attrName>ppt_w</p:attrName>
+                                        </p:attrNameLst>
+                                      </p:cBhvr>
+                                      <p:tavLst>
+                                        <p:tav tm="0">
+                                          <p:val>
+                                            <p:fltVal val="0"/>
+                                          </p:val>
+                                        </p:tav>
+                                        <p:tav tm="100000">
+                                          <p:val>
+                                            <p:strVal val="#ppt_w"/>
+                                          </p:val>
+                                        </p:tav>
+                                      </p:tavLst>
+                                    </p:anim>
+                                    <p:anim calcmode="lin" valueType="num">
+                                      <p:cBhvr>
+                                        <p:cTn id="15" dur="500" fill="hold"/>
+                                        <p:tgtEl>
+                                          <p:spTgt spid="5"/>
+                                        </p:tgtEl>
+                                        <p:attrNameLst>
+                                          <p:attrName>ppt_h</p:attrName>
+                                        </p:attrNameLst>
+                                      </p:cBhvr>
+                                      <p:tavLst>
+                                        <p:tav tm="0">
+                                          <p:val>
+                                            <p:fltVal val="0"/>
+                                          </p:val>
+                                        </p:tav>
+                                        <p:tav tm="100000">
+                                          <p:val>
+                                            <p:strVal val="#ppt_h"/>
+                                          </p:val>
+                                        </p:tav>
+                                      </p:tavLst>
+                                    </p:anim>
+                                    <p:animEffect transition="in" filter="fade">
+                                      <p:cBhvr>
+                                        <p:cTn id="16" dur="500"/>
+                                        <p:tgtEl>
+                                          <p:spTgt spid="5"/>
+                                        </p:tgtEl>
+                                      </p:cBhvr>
+                                    </p:animEffect>
+                                  </p:childTnLst>
+                                </p:cTn>
+                              </p:par>
+                            </p:childTnLst>
+                          </p:cTn>
+                        </p:par>
+                      </p:childTnLst>
+                    </p:cTn>
+                  </p:par>
+                  <p:par>
+                    <p:cTn id="17" fill="hold">
+                      <p:stCondLst>
+                        <p:cond delay="indefinite"/>
+                      </p:stCondLst>
+                      <p:childTnLst>
+                        <p:par>
+                          <p:cTn id="18" fill="hold">
+                            <p:stCondLst>
+                              <p:cond delay="0"/>
+                            </p:stCondLst>
+                            <p:childTnLst>
+                              <p:par>
+                                <p:cTn id="19" presetID="26" presetClass="entr" presetSubtype="0" fill="hold" grpId="0" nodeType="clickEffect">
+                                  <p:stCondLst>
+                                    <p:cond delay="0"/>
+                                  </p:stCondLst>
+                                  <p:childTnLst>
+                                    <p:set>
+                                      <p:cBhvr>
+                                        <p:cTn id="20" dur="1" fill="hold">
+                                          <p:stCondLst>
+                                            <p:cond delay="0"/>
+                                          </p:stCondLst>
+                                        </p:cTn>
+                                        <p:tgtEl>
+                                          <p:spTgt spid="6"/>
+                                        </p:tgtEl>
+                                        <p:attrNameLst>
+                                          <p:attrName>style.visibility</p:attrName>
+                                        </p:attrNameLst>
+                                      </p:cBhvr>
+                                      <p:to>
+                                        <p:strVal val="visible"/>
+                                      </p:to>
+                                    </p:set>
+                                    <p:animEffect transition="in" filter="wipe(down)">
+                                      <p:cBhvr>
+                                        <p:cTn id="21" dur="580">
+                                          <p:stCondLst>
+                                            <p:cond delay="0"/>
+                                          </p:stCondLst>
+                                        </p:cTn>
+                                        <p:tgtEl>
+                                          <p:spTgt spid="6"/>
+                                        </p:tgtEl>
+                                      </p:cBhvr>
+                                    </p:animEffect>
+                                    <p:anim calcmode="lin" valueType="num">
+                                      <p:cBhvr>
+                                        <p:cTn id="22" dur="1822" tmFilter="0,0; 0.14,0.36; 0.43,0.73; 0.71,0.91; 1.0,1.0">
+                                          <p:stCondLst>
+                                            <p:cond delay="0"/>
+                                          </p:stCondLst>
+                                        </p:cTn>
+                                        <p:tgtEl>
+                                          <p:spTgt spid="6"/>
+                                        </p:tgtEl>
+                                        <p:attrNameLst>
+                                          <p:attrName>ppt_x</p:attrName>
+                                        </p:attrNameLst>
+                                      </p:cBhvr>
+                                      <p:tavLst>
+                                        <p:tav tm="0">
+                                          <p:val>
+                                            <p:strVal val="#ppt_x-0.25"/>
+                                          </p:val>
+                                        </p:tav>
+                                        <p:tav tm="100000">
+                                          <p:val>
+                                            <p:strVal val="#ppt_x"/>
+                                          </p:val>
+                                        </p:tav>
+                                      </p:tavLst>
+                                    </p:anim>
+                                    <p:anim calcmode="lin" valueType="num">
+                                      <p:cBhvr>
+                                        <p:cTn id="23" dur="664" tmFilter="0.0,0.0; 0.25,0.07; 0.50,0.2; 0.75,0.467; 1.0,1.0">
+                                          <p:stCondLst>
+                                            <p:cond delay="0"/>
+                                          </p:stCondLst>
+                                        </p:cTn>
+                                        <p:tgtEl>
+                                          <p:spTgt spid="6"/>
+                                        </p:tgtEl>
+                                        <p:attrNameLst>
+                                          <p:attrName>ppt_y</p:attrName>
+                                        </p:attrNameLst>
+                                      </p:cBhvr>
+                                      <p:tavLst>
+                                        <p:tav tm="0" fmla="#ppt_y-sin(pi*$)/3">
+                                          <p:val>
+                                            <p:fltVal val="0.5"/>
+                                          </p:val>
+                                        </p:tav>
+                                        <p:tav tm="100000">
+                                          <p:val>
+                                            <p:fltVal val="1"/>
+                                          </p:val>
+                                        </p:tav>
+                                      </p:tavLst>
+                                    </p:anim>
+                                    <p:anim calcmode="lin" valueType="num">
+                                      <p:cBhvr>
+                                        <p:cTn id="24" dur="664" tmFilter="0, 0; 0.125,0.2665; 0.25,0.4; 0.375,0.465; 0.5,0.5;  0.625,0.535; 0.75,0.6; 0.875,0.7335; 1,1">
+                                          <p:stCondLst>
+                                            <p:cond delay="664"/>
+                                          </p:stCondLst>
+                                        </p:cTn>
+                                        <p:tgtEl>
+                                          <p:spTgt spid="6"/>
+                                        </p:tgtEl>
+                                        <p:attrNameLst>
+                                          <p:attrName>ppt_y</p:attrName>
+                                        </p:attrNameLst>
+                                      </p:cBhvr>
+                                      <p:tavLst>
+                                        <p:tav tm="0" fmla="#ppt_y-sin(pi*$)/9">
+                                          <p:val>
+                                            <p:fltVal val="0"/>
+                                          </p:val>
+                                        </p:tav>
+                                        <p:tav tm="100000">
+                                          <p:val>
+                                            <p:fltVal val="1"/>
+                                          </p:val>
+                                        </p:tav>
+                                      </p:tavLst>
+                                    </p:anim>
+                                    <p:anim calcmode="lin" valueType="num">
+                                      <p:cBhvr>
+                                        <p:cTn id="25" dur="332" tmFilter="0, 0; 0.125,0.2665; 0.25,0.4; 0.375,0.465; 0.5,0.5;  0.625,0.535; 0.75,0.6; 0.875,0.7335; 1,1">
+                                          <p:stCondLst>
+                                            <p:cond delay="1324"/>
+                                          </p:stCondLst>
+                                        </p:cTn>
+                                        <p:tgtEl>
+                                          <p:spTgt spid="6"/>
+                                        </p:tgtEl>
+                                        <p:attrNameLst>
+                                          <p:attrName>ppt_y</p:attrName>
+                                        </p:attrNameLst>
+                                      </p:cBhvr>
+                                      <p:tavLst>
+                                        <p:tav tm="0" fmla="#ppt_y-sin(pi*$)/27">
+                                          <p:val>
+                                            <p:fltVal val="0"/>
+                                          </p:val>
+                                        </p:tav>
+                                        <p:tav tm="100000">
+                                          <p:val>
+                                            <p:fltVal val="1"/>
+                                          </p:val>
+                                        </p:tav>
+                                      </p:tavLst>
+                                    </p:anim>
+                                    <p:anim calcmode="lin" valueType="num">
+                                      <p:cBhvr>
+                                        <p:cTn id="26" dur="164" tmFilter="0, 0; 0.125,0.2665; 0.25,0.4; 0.375,0.465; 0.5,0.5;  0.625,0.535; 0.75,0.6; 0.875,0.7335; 1,1">
+                                          <p:stCondLst>
+                                            <p:cond delay="1656"/>
+                                          </p:stCondLst>
+                                        </p:cTn>
+                                        <p:tgtEl>
+                                          <p:spTgt spid="6"/>
+                                        </p:tgtEl>
+                                        <p:attrNameLst>
+                                          <p:attrName>ppt_y</p:attrName>
+                                        </p:attrNameLst>
+                                      </p:cBhvr>
+                                      <p:tavLst>
+                                        <p:tav tm="0" fmla="#ppt_y-sin(pi*$)/81">
+                                          <p:val>
+                                            <p:fltVal val="0"/>
+                                          </p:val>
+                                        </p:tav>
+                                        <p:tav tm="100000">
+                                          <p:val>
+                                            <p:fltVal val="1"/>
+                                          </p:val>
+                                        </p:tav>
+                                      </p:tavLst>
+                                    </p:anim>
+                                    <p:animScale>
+                                      <p:cBhvr>
+                                        <p:cTn id="27" dur="26">
+                                          <p:stCondLst>
+                                            <p:cond delay="650"/>
+                                          </p:stCondLst>
+                                        </p:cTn>
+                                        <p:tgtEl>
+                                          <p:spTgt spid="6"/>
+                                        </p:tgtEl>
+                                      </p:cBhvr>
+                                      <p:to x="100000" y="60000"/>
+                                    </p:animScale>
+                                    <p:animScale>
+                                      <p:cBhvr>
+                                        <p:cTn id="28" dur="166" decel="50000">
+                                          <p:stCondLst>
+                                            <p:cond delay="676"/>
+                                          </p:stCondLst>
+                                        </p:cTn>
+                                        <p:tgtEl>
+                                          <p:spTgt spid="6"/>
+                                        </p:tgtEl>
+                                      </p:cBhvr>
+                                      <p:to x="100000" y="100000"/>
+                                    </p:animScale>
+                                    <p:animScale>
+                                      <p:cBhvr>
+                                        <p:cTn id="29" dur="26">
+                                          <p:stCondLst>
+                                            <p:cond delay="1312"/>
+                                          </p:stCondLst>
+                                        </p:cTn>
+                                        <p:tgtEl>
+                                          <p:spTgt spid="6"/>
+                                        </p:tgtEl>
+                                      </p:cBhvr>
+                                      <p:to x="100000" y="80000"/>
+                                    </p:animScale>
+                                    <p:animScale>
+                                      <p:cBhvr>
+                                        <p:cTn id="30" dur="166" decel="50000">
+                                          <p:stCondLst>
+                                            <p:cond delay="1338"/>
+                                          </p:stCondLst>
+                                        </p:cTn>
+                                        <p:tgtEl>
+                                          <p:spTgt spid="6"/>
+                                        </p:tgtEl>
+                                      </p:cBhvr>
+                                      <p:to x="100000" y="100000"/>
+                                    </p:animScale>
+                                    <p:animScale>
+                                      <p:cBhvr>
+                                        <p:cTn id="31" dur="26">
+                                          <p:stCondLst>
+                                            <p:cond delay="1642"/>
+                                          </p:stCondLst>
+                                        </p:cTn>
+                                        <p:tgtEl>
+                                          <p:spTgt spid="6"/>
+                                        </p:tgtEl>
+                                      </p:cBhvr>
+                                      <p:to x="100000" y="90000"/>
+                                    </p:animScale>
+                                    <p:animScale>
+                                      <p:cBhvr>
+                                        <p:cTn id="32" dur="166" decel="50000">
+                                          <p:stCondLst>
+                                            <p:cond delay="1668"/>
+                                          </p:stCondLst>
+                                        </p:cTn>
+                                        <p:tgtEl>
+                                          <p:spTgt spid="6"/>
+                                        </p:tgtEl>
+                                      </p:cBhvr>
+                                      <p:to x="100000" y="100000"/>
+                                    </p:animScale>
+                                    <p:animScale>
+                                      <p:cBhvr>
+                                        <p:cTn id="33" dur="26">
+                                          <p:stCondLst>
+                                            <p:cond delay="1808"/>
+                                          </p:stCondLst>
+                                        </p:cTn>
+                                        <p:tgtEl>
+                                          <p:spTgt spid="6"/>
+                                        </p:tgtEl>
+                                      </p:cBhvr>
+                                      <p:to x="100000" y="95000"/>
+                                    </p:animScale>
+                                    <p:animScale>
+                                      <p:cBhvr>
+                                        <p:cTn id="34" dur="166" decel="50000">
+                                          <p:stCondLst>
+                                            <p:cond delay="1834"/>
+                                          </p:stCondLst>
+                                        </p:cTn>
+                                        <p:tgtEl>
+                                          <p:spTgt spid="6"/>
+                                        </p:tgtEl>
+                                      </p:cBhvr>
+                                      <p:to x="100000" y="100000"/>
+                                    </p:animScale>
+                                  </p:childTnLst>
+                                </p:cTn>
+                              </p:par>
+                            </p:childTnLst>
+                          </p:cTn>
+                        </p:par>
+                      </p:childTnLst>
+                    </p:cTn>
+                  </p:par>
+                </p:childTnLst>
+              </p:cTn>
+              <p:prevCondLst>
+                <p:cond evt="onPrev" delay="0">
+                  <p:tgtEl>
+                    <p:sldTgt/>
+                  </p:tgtEl>
+                </p:cond>
+              </p:prevCondLst>
+              <p:nextCondLst>
+                <p:cond evt="onNext" delay="0">
+                  <p:tgtEl>
+                    <p:sldTgt/>
+                  </p:tgtEl>
+                </p:cond>
+              </p:nextCondLst>
+            </p:seq>
+          </p:childTnLst>
+        </p:cTn>
+      </p:par>
+    </p:tnLst>
+    <p:bldLst>
+      <p:bldP spid="2" grpId="0"/>
+      <p:bldP spid="5" grpId="0"/>
+      <p:bldP spid="6" grpId="0"/>
+    </p:bldLst>
+  </p:timing>
 </p:sld>
 </file>
 
@@ -5123,18 +6858,21 @@
             <p:ph type="title"/>
           </p:nvPr>
         </p:nvSpPr>
-        <p:spPr/>
-        <p:txBody>
-          <a:bodyPr>
-            <a:normAutofit/>
-          </a:bodyPr>
+        <p:spPr>
+          <a:xfrm>
+            <a:off x="395536" y="548680"/>
+            <a:ext cx="8229600" cy="1143000"/>
+          </a:xfrm>
+        </p:spPr>
+        <p:txBody>
+          <a:bodyPr/>
           <a:lstStyle/>
           <a:p>
             <a:r>
-              <a:rPr lang="fr-FR" dirty="0" smtClean="0"/>
-              <a:t>Introduction</a:t>
-            </a:r>
-            <a:endParaRPr lang="fr-FR" dirty="0"/>
+              <a:rPr lang="en-US" dirty="0" smtClean="0"/>
+              <a:t>Contents</a:t>
+            </a:r>
+            <a:endParaRPr lang="en-US" dirty="0"/>
           </a:p>
         </p:txBody>
       </p:sp>
@@ -5148,64 +6886,66 @@
             <p:ph idx="1"/>
           </p:nvPr>
         </p:nvSpPr>
-        <p:spPr/>
+        <p:spPr>
+          <a:xfrm>
+            <a:off x="457200" y="1772816"/>
+            <a:ext cx="8229600" cy="4551784"/>
+          </a:xfrm>
+        </p:spPr>
         <p:txBody>
           <a:bodyPr/>
           <a:lstStyle/>
           <a:p>
+            <a:r>
+              <a:rPr lang="en-US" dirty="0" smtClean="0"/>
+              <a:t>Presentation </a:t>
+            </a:r>
+            <a:r>
+              <a:rPr lang="en-US" dirty="0" smtClean="0"/>
+              <a:t>of the project</a:t>
+            </a:r>
+          </a:p>
+          <a:p>
             <a:endParaRPr lang="en-US" dirty="0" smtClean="0"/>
           </a:p>
           <a:p>
             <a:r>
               <a:rPr lang="en-US" dirty="0" smtClean="0"/>
-              <a:t>Our team</a:t>
-            </a:r>
-          </a:p>
-          <a:p>
-            <a:pPr>
-              <a:buNone/>
-            </a:pPr>
+              <a:t>State </a:t>
+            </a:r>
+            <a:r>
+              <a:rPr lang="en-US" dirty="0" smtClean="0"/>
+              <a:t>Of The Art</a:t>
+            </a:r>
             <a:endParaRPr lang="en-US" dirty="0" smtClean="0"/>
           </a:p>
           <a:p>
+            <a:endParaRPr lang="en-US" dirty="0" smtClean="0"/>
+          </a:p>
+          <a:p>
             <a:r>
               <a:rPr lang="en-US" dirty="0" smtClean="0"/>
-              <a:t>Equipments available (4 RFID readers, 2 Computers) </a:t>
-            </a:r>
-          </a:p>
-          <a:p>
-            <a:pPr>
-              <a:buNone/>
-            </a:pPr>
+              <a:t>Functional requirements</a:t>
+            </a:r>
+          </a:p>
+          <a:p>
             <a:endParaRPr lang="en-US" dirty="0" smtClean="0"/>
           </a:p>
           <a:p>
             <a:r>
               <a:rPr lang="en-US" dirty="0" smtClean="0"/>
-              <a:t>Project progress (</a:t>
-            </a:r>
-            <a:r>
-              <a:rPr lang="en-US" dirty="0" err="1" smtClean="0"/>
-              <a:t>état</a:t>
-            </a:r>
+              <a:t>Gantt Chart &amp; Work division</a:t>
+            </a:r>
+            <a:endParaRPr lang="en-US" dirty="0"/>
+          </a:p>
+          <a:p>
+            <a:endParaRPr lang="en-US" dirty="0" smtClean="0"/>
+          </a:p>
+          <a:p>
             <a:r>
               <a:rPr lang="en-US" dirty="0" smtClean="0"/>
-              <a:t> </a:t>
-            </a:r>
-            <a:r>
-              <a:rPr lang="en-US" dirty="0" err="1" smtClean="0"/>
-              <a:t>d’avancement</a:t>
-            </a:r>
-            <a:r>
-              <a:rPr lang="en-US" dirty="0" smtClean="0"/>
-              <a:t>)</a:t>
-            </a:r>
-          </a:p>
-          <a:p>
-            <a:endParaRPr lang="en-US" dirty="0" smtClean="0"/>
-          </a:p>
-          <a:p>
-            <a:endParaRPr lang="en-US" dirty="0" smtClean="0"/>
+              <a:t>Conclusion</a:t>
+            </a:r>
           </a:p>
           <a:p>
             <a:endParaRPr lang="en-US" dirty="0" smtClean="0"/>
@@ -5231,11 +6971,11 @@
           <a:lstStyle/>
           <a:p>
             <a:fld id="{CF4668DC-857F-487D-BFFA-8C0CA5037977}" type="slidenum">
-              <a:rPr lang="fr-BE" smtClean="0"/>
+              <a:rPr lang="en-US" smtClean="0"/>
               <a:pPr/>
               <a:t>3</a:t>
             </a:fld>
-            <a:endParaRPr lang="fr-BE"/>
+            <a:endParaRPr lang="en-US"/>
           </a:p>
         </p:txBody>
       </p:sp>
@@ -5244,6 +6984,799 @@
   <p:clrMapOvr>
     <a:masterClrMapping/>
   </p:clrMapOvr>
+  <p:timing>
+    <p:tnLst>
+      <p:par>
+        <p:cTn id="1" dur="indefinite" restart="never" nodeType="tmRoot">
+          <p:childTnLst>
+            <p:seq concurrent="1" nextAc="seek">
+              <p:cTn id="2" dur="indefinite" nodeType="mainSeq">
+                <p:childTnLst>
+                  <p:par>
+                    <p:cTn id="3" fill="hold">
+                      <p:stCondLst>
+                        <p:cond delay="indefinite"/>
+                        <p:cond evt="onBegin" delay="0">
+                          <p:tn val="2"/>
+                        </p:cond>
+                      </p:stCondLst>
+                      <p:childTnLst>
+                        <p:par>
+                          <p:cTn id="4" fill="hold">
+                            <p:stCondLst>
+                              <p:cond delay="0"/>
+                            </p:stCondLst>
+                            <p:childTnLst>
+                              <p:par>
+                                <p:cTn id="5" presetID="2" presetClass="entr" presetSubtype="4" fill="hold" grpId="0" nodeType="afterEffect">
+                                  <p:stCondLst>
+                                    <p:cond delay="0"/>
+                                  </p:stCondLst>
+                                  <p:childTnLst>
+                                    <p:set>
+                                      <p:cBhvr>
+                                        <p:cTn id="6" dur="1" fill="hold">
+                                          <p:stCondLst>
+                                            <p:cond delay="0"/>
+                                          </p:stCondLst>
+                                        </p:cTn>
+                                        <p:tgtEl>
+                                          <p:spTgt spid="2"/>
+                                        </p:tgtEl>
+                                        <p:attrNameLst>
+                                          <p:attrName>style.visibility</p:attrName>
+                                        </p:attrNameLst>
+                                      </p:cBhvr>
+                                      <p:to>
+                                        <p:strVal val="visible"/>
+                                      </p:to>
+                                    </p:set>
+                                    <p:anim calcmode="lin" valueType="num">
+                                      <p:cBhvr additive="base">
+                                        <p:cTn id="7" dur="500" fill="hold"/>
+                                        <p:tgtEl>
+                                          <p:spTgt spid="2"/>
+                                        </p:tgtEl>
+                                        <p:attrNameLst>
+                                          <p:attrName>ppt_x</p:attrName>
+                                        </p:attrNameLst>
+                                      </p:cBhvr>
+                                      <p:tavLst>
+                                        <p:tav tm="0">
+                                          <p:val>
+                                            <p:strVal val="#ppt_x"/>
+                                          </p:val>
+                                        </p:tav>
+                                        <p:tav tm="100000">
+                                          <p:val>
+                                            <p:strVal val="#ppt_x"/>
+                                          </p:val>
+                                        </p:tav>
+                                      </p:tavLst>
+                                    </p:anim>
+                                    <p:anim calcmode="lin" valueType="num">
+                                      <p:cBhvr additive="base">
+                                        <p:cTn id="8" dur="500" fill="hold"/>
+                                        <p:tgtEl>
+                                          <p:spTgt spid="2"/>
+                                        </p:tgtEl>
+                                        <p:attrNameLst>
+                                          <p:attrName>ppt_y</p:attrName>
+                                        </p:attrNameLst>
+                                      </p:cBhvr>
+                                      <p:tavLst>
+                                        <p:tav tm="0">
+                                          <p:val>
+                                            <p:strVal val="1+#ppt_h/2"/>
+                                          </p:val>
+                                        </p:tav>
+                                        <p:tav tm="100000">
+                                          <p:val>
+                                            <p:strVal val="#ppt_y"/>
+                                          </p:val>
+                                        </p:tav>
+                                      </p:tavLst>
+                                    </p:anim>
+                                  </p:childTnLst>
+                                </p:cTn>
+                              </p:par>
+                            </p:childTnLst>
+                          </p:cTn>
+                        </p:par>
+                        <p:par>
+                          <p:cTn id="9" fill="hold">
+                            <p:stCondLst>
+                              <p:cond delay="500"/>
+                            </p:stCondLst>
+                            <p:childTnLst>
+                              <p:par>
+                                <p:cTn id="10" presetID="31" presetClass="entr" presetSubtype="0" fill="hold" grpId="0" nodeType="afterEffect">
+                                  <p:stCondLst>
+                                    <p:cond delay="0"/>
+                                  </p:stCondLst>
+                                  <p:childTnLst>
+                                    <p:set>
+                                      <p:cBhvr>
+                                        <p:cTn id="11" dur="1" fill="hold">
+                                          <p:stCondLst>
+                                            <p:cond delay="0"/>
+                                          </p:stCondLst>
+                                        </p:cTn>
+                                        <p:tgtEl>
+                                          <p:spTgt spid="3">
+                                            <p:txEl>
+                                              <p:pRg st="0" end="0"/>
+                                            </p:txEl>
+                                          </p:spTgt>
+                                        </p:tgtEl>
+                                        <p:attrNameLst>
+                                          <p:attrName>style.visibility</p:attrName>
+                                        </p:attrNameLst>
+                                      </p:cBhvr>
+                                      <p:to>
+                                        <p:strVal val="visible"/>
+                                      </p:to>
+                                    </p:set>
+                                    <p:anim calcmode="lin" valueType="num">
+                                      <p:cBhvr>
+                                        <p:cTn id="12" dur="1000" fill="hold"/>
+                                        <p:tgtEl>
+                                          <p:spTgt spid="3">
+                                            <p:txEl>
+                                              <p:pRg st="0" end="0"/>
+                                            </p:txEl>
+                                          </p:spTgt>
+                                        </p:tgtEl>
+                                        <p:attrNameLst>
+                                          <p:attrName>ppt_w</p:attrName>
+                                        </p:attrNameLst>
+                                      </p:cBhvr>
+                                      <p:tavLst>
+                                        <p:tav tm="0">
+                                          <p:val>
+                                            <p:fltVal val="0"/>
+                                          </p:val>
+                                        </p:tav>
+                                        <p:tav tm="100000">
+                                          <p:val>
+                                            <p:strVal val="#ppt_w"/>
+                                          </p:val>
+                                        </p:tav>
+                                      </p:tavLst>
+                                    </p:anim>
+                                    <p:anim calcmode="lin" valueType="num">
+                                      <p:cBhvr>
+                                        <p:cTn id="13" dur="1000" fill="hold"/>
+                                        <p:tgtEl>
+                                          <p:spTgt spid="3">
+                                            <p:txEl>
+                                              <p:pRg st="0" end="0"/>
+                                            </p:txEl>
+                                          </p:spTgt>
+                                        </p:tgtEl>
+                                        <p:attrNameLst>
+                                          <p:attrName>ppt_h</p:attrName>
+                                        </p:attrNameLst>
+                                      </p:cBhvr>
+                                      <p:tavLst>
+                                        <p:tav tm="0">
+                                          <p:val>
+                                            <p:fltVal val="0"/>
+                                          </p:val>
+                                        </p:tav>
+                                        <p:tav tm="100000">
+                                          <p:val>
+                                            <p:strVal val="#ppt_h"/>
+                                          </p:val>
+                                        </p:tav>
+                                      </p:tavLst>
+                                    </p:anim>
+                                    <p:anim calcmode="lin" valueType="num">
+                                      <p:cBhvr>
+                                        <p:cTn id="14" dur="1000" fill="hold"/>
+                                        <p:tgtEl>
+                                          <p:spTgt spid="3">
+                                            <p:txEl>
+                                              <p:pRg st="0" end="0"/>
+                                            </p:txEl>
+                                          </p:spTgt>
+                                        </p:tgtEl>
+                                        <p:attrNameLst>
+                                          <p:attrName>style.rotation</p:attrName>
+                                        </p:attrNameLst>
+                                      </p:cBhvr>
+                                      <p:tavLst>
+                                        <p:tav tm="0">
+                                          <p:val>
+                                            <p:fltVal val="90"/>
+                                          </p:val>
+                                        </p:tav>
+                                        <p:tav tm="100000">
+                                          <p:val>
+                                            <p:fltVal val="0"/>
+                                          </p:val>
+                                        </p:tav>
+                                      </p:tavLst>
+                                    </p:anim>
+                                    <p:animEffect transition="in" filter="fade">
+                                      <p:cBhvr>
+                                        <p:cTn id="15" dur="1000"/>
+                                        <p:tgtEl>
+                                          <p:spTgt spid="3">
+                                            <p:txEl>
+                                              <p:pRg st="0" end="0"/>
+                                            </p:txEl>
+                                          </p:spTgt>
+                                        </p:tgtEl>
+                                      </p:cBhvr>
+                                    </p:animEffect>
+                                  </p:childTnLst>
+                                </p:cTn>
+                              </p:par>
+                            </p:childTnLst>
+                          </p:cTn>
+                        </p:par>
+                        <p:par>
+                          <p:cTn id="16" fill="hold">
+                            <p:stCondLst>
+                              <p:cond delay="1500"/>
+                            </p:stCondLst>
+                            <p:childTnLst>
+                              <p:par>
+                                <p:cTn id="17" presetID="31" presetClass="entr" presetSubtype="0" fill="hold" grpId="0" nodeType="afterEffect">
+                                  <p:stCondLst>
+                                    <p:cond delay="0"/>
+                                  </p:stCondLst>
+                                  <p:childTnLst>
+                                    <p:set>
+                                      <p:cBhvr>
+                                        <p:cTn id="18" dur="1" fill="hold">
+                                          <p:stCondLst>
+                                            <p:cond delay="0"/>
+                                          </p:stCondLst>
+                                        </p:cTn>
+                                        <p:tgtEl>
+                                          <p:spTgt spid="3">
+                                            <p:txEl>
+                                              <p:pRg st="2" end="2"/>
+                                            </p:txEl>
+                                          </p:spTgt>
+                                        </p:tgtEl>
+                                        <p:attrNameLst>
+                                          <p:attrName>style.visibility</p:attrName>
+                                        </p:attrNameLst>
+                                      </p:cBhvr>
+                                      <p:to>
+                                        <p:strVal val="visible"/>
+                                      </p:to>
+                                    </p:set>
+                                    <p:anim calcmode="lin" valueType="num">
+                                      <p:cBhvr>
+                                        <p:cTn id="19" dur="1000" fill="hold"/>
+                                        <p:tgtEl>
+                                          <p:spTgt spid="3">
+                                            <p:txEl>
+                                              <p:pRg st="2" end="2"/>
+                                            </p:txEl>
+                                          </p:spTgt>
+                                        </p:tgtEl>
+                                        <p:attrNameLst>
+                                          <p:attrName>ppt_w</p:attrName>
+                                        </p:attrNameLst>
+                                      </p:cBhvr>
+                                      <p:tavLst>
+                                        <p:tav tm="0">
+                                          <p:val>
+                                            <p:fltVal val="0"/>
+                                          </p:val>
+                                        </p:tav>
+                                        <p:tav tm="100000">
+                                          <p:val>
+                                            <p:strVal val="#ppt_w"/>
+                                          </p:val>
+                                        </p:tav>
+                                      </p:tavLst>
+                                    </p:anim>
+                                    <p:anim calcmode="lin" valueType="num">
+                                      <p:cBhvr>
+                                        <p:cTn id="20" dur="1000" fill="hold"/>
+                                        <p:tgtEl>
+                                          <p:spTgt spid="3">
+                                            <p:txEl>
+                                              <p:pRg st="2" end="2"/>
+                                            </p:txEl>
+                                          </p:spTgt>
+                                        </p:tgtEl>
+                                        <p:attrNameLst>
+                                          <p:attrName>ppt_h</p:attrName>
+                                        </p:attrNameLst>
+                                      </p:cBhvr>
+                                      <p:tavLst>
+                                        <p:tav tm="0">
+                                          <p:val>
+                                            <p:fltVal val="0"/>
+                                          </p:val>
+                                        </p:tav>
+                                        <p:tav tm="100000">
+                                          <p:val>
+                                            <p:strVal val="#ppt_h"/>
+                                          </p:val>
+                                        </p:tav>
+                                      </p:tavLst>
+                                    </p:anim>
+                                    <p:anim calcmode="lin" valueType="num">
+                                      <p:cBhvr>
+                                        <p:cTn id="21" dur="1000" fill="hold"/>
+                                        <p:tgtEl>
+                                          <p:spTgt spid="3">
+                                            <p:txEl>
+                                              <p:pRg st="2" end="2"/>
+                                            </p:txEl>
+                                          </p:spTgt>
+                                        </p:tgtEl>
+                                        <p:attrNameLst>
+                                          <p:attrName>style.rotation</p:attrName>
+                                        </p:attrNameLst>
+                                      </p:cBhvr>
+                                      <p:tavLst>
+                                        <p:tav tm="0">
+                                          <p:val>
+                                            <p:fltVal val="90"/>
+                                          </p:val>
+                                        </p:tav>
+                                        <p:tav tm="100000">
+                                          <p:val>
+                                            <p:fltVal val="0"/>
+                                          </p:val>
+                                        </p:tav>
+                                      </p:tavLst>
+                                    </p:anim>
+                                    <p:animEffect transition="in" filter="fade">
+                                      <p:cBhvr>
+                                        <p:cTn id="22" dur="1000"/>
+                                        <p:tgtEl>
+                                          <p:spTgt spid="3">
+                                            <p:txEl>
+                                              <p:pRg st="2" end="2"/>
+                                            </p:txEl>
+                                          </p:spTgt>
+                                        </p:tgtEl>
+                                      </p:cBhvr>
+                                    </p:animEffect>
+                                  </p:childTnLst>
+                                </p:cTn>
+                              </p:par>
+                            </p:childTnLst>
+                          </p:cTn>
+                        </p:par>
+                        <p:par>
+                          <p:cTn id="23" fill="hold">
+                            <p:stCondLst>
+                              <p:cond delay="2500"/>
+                            </p:stCondLst>
+                            <p:childTnLst>
+                              <p:par>
+                                <p:cTn id="24" presetID="31" presetClass="entr" presetSubtype="0" fill="hold" grpId="0" nodeType="afterEffect">
+                                  <p:stCondLst>
+                                    <p:cond delay="0"/>
+                                  </p:stCondLst>
+                                  <p:childTnLst>
+                                    <p:set>
+                                      <p:cBhvr>
+                                        <p:cTn id="25" dur="1" fill="hold">
+                                          <p:stCondLst>
+                                            <p:cond delay="0"/>
+                                          </p:stCondLst>
+                                        </p:cTn>
+                                        <p:tgtEl>
+                                          <p:spTgt spid="3">
+                                            <p:txEl>
+                                              <p:pRg st="4" end="4"/>
+                                            </p:txEl>
+                                          </p:spTgt>
+                                        </p:tgtEl>
+                                        <p:attrNameLst>
+                                          <p:attrName>style.visibility</p:attrName>
+                                        </p:attrNameLst>
+                                      </p:cBhvr>
+                                      <p:to>
+                                        <p:strVal val="visible"/>
+                                      </p:to>
+                                    </p:set>
+                                    <p:anim calcmode="lin" valueType="num">
+                                      <p:cBhvr>
+                                        <p:cTn id="26" dur="1000" fill="hold"/>
+                                        <p:tgtEl>
+                                          <p:spTgt spid="3">
+                                            <p:txEl>
+                                              <p:pRg st="4" end="4"/>
+                                            </p:txEl>
+                                          </p:spTgt>
+                                        </p:tgtEl>
+                                        <p:attrNameLst>
+                                          <p:attrName>ppt_w</p:attrName>
+                                        </p:attrNameLst>
+                                      </p:cBhvr>
+                                      <p:tavLst>
+                                        <p:tav tm="0">
+                                          <p:val>
+                                            <p:fltVal val="0"/>
+                                          </p:val>
+                                        </p:tav>
+                                        <p:tav tm="100000">
+                                          <p:val>
+                                            <p:strVal val="#ppt_w"/>
+                                          </p:val>
+                                        </p:tav>
+                                      </p:tavLst>
+                                    </p:anim>
+                                    <p:anim calcmode="lin" valueType="num">
+                                      <p:cBhvr>
+                                        <p:cTn id="27" dur="1000" fill="hold"/>
+                                        <p:tgtEl>
+                                          <p:spTgt spid="3">
+                                            <p:txEl>
+                                              <p:pRg st="4" end="4"/>
+                                            </p:txEl>
+                                          </p:spTgt>
+                                        </p:tgtEl>
+                                        <p:attrNameLst>
+                                          <p:attrName>ppt_h</p:attrName>
+                                        </p:attrNameLst>
+                                      </p:cBhvr>
+                                      <p:tavLst>
+                                        <p:tav tm="0">
+                                          <p:val>
+                                            <p:fltVal val="0"/>
+                                          </p:val>
+                                        </p:tav>
+                                        <p:tav tm="100000">
+                                          <p:val>
+                                            <p:strVal val="#ppt_h"/>
+                                          </p:val>
+                                        </p:tav>
+                                      </p:tavLst>
+                                    </p:anim>
+                                    <p:anim calcmode="lin" valueType="num">
+                                      <p:cBhvr>
+                                        <p:cTn id="28" dur="1000" fill="hold"/>
+                                        <p:tgtEl>
+                                          <p:spTgt spid="3">
+                                            <p:txEl>
+                                              <p:pRg st="4" end="4"/>
+                                            </p:txEl>
+                                          </p:spTgt>
+                                        </p:tgtEl>
+                                        <p:attrNameLst>
+                                          <p:attrName>style.rotation</p:attrName>
+                                        </p:attrNameLst>
+                                      </p:cBhvr>
+                                      <p:tavLst>
+                                        <p:tav tm="0">
+                                          <p:val>
+                                            <p:fltVal val="90"/>
+                                          </p:val>
+                                        </p:tav>
+                                        <p:tav tm="100000">
+                                          <p:val>
+                                            <p:fltVal val="0"/>
+                                          </p:val>
+                                        </p:tav>
+                                      </p:tavLst>
+                                    </p:anim>
+                                    <p:animEffect transition="in" filter="fade">
+                                      <p:cBhvr>
+                                        <p:cTn id="29" dur="1000"/>
+                                        <p:tgtEl>
+                                          <p:spTgt spid="3">
+                                            <p:txEl>
+                                              <p:pRg st="4" end="4"/>
+                                            </p:txEl>
+                                          </p:spTgt>
+                                        </p:tgtEl>
+                                      </p:cBhvr>
+                                    </p:animEffect>
+                                  </p:childTnLst>
+                                </p:cTn>
+                              </p:par>
+                            </p:childTnLst>
+                          </p:cTn>
+                        </p:par>
+                        <p:par>
+                          <p:cTn id="30" fill="hold">
+                            <p:stCondLst>
+                              <p:cond delay="3500"/>
+                            </p:stCondLst>
+                            <p:childTnLst>
+                              <p:par>
+                                <p:cTn id="31" presetID="31" presetClass="entr" presetSubtype="0" fill="hold" grpId="0" nodeType="afterEffect">
+                                  <p:stCondLst>
+                                    <p:cond delay="0"/>
+                                  </p:stCondLst>
+                                  <p:childTnLst>
+                                    <p:set>
+                                      <p:cBhvr>
+                                        <p:cTn id="32" dur="1" fill="hold">
+                                          <p:stCondLst>
+                                            <p:cond delay="0"/>
+                                          </p:stCondLst>
+                                        </p:cTn>
+                                        <p:tgtEl>
+                                          <p:spTgt spid="3">
+                                            <p:txEl>
+                                              <p:pRg st="6" end="6"/>
+                                            </p:txEl>
+                                          </p:spTgt>
+                                        </p:tgtEl>
+                                        <p:attrNameLst>
+                                          <p:attrName>style.visibility</p:attrName>
+                                        </p:attrNameLst>
+                                      </p:cBhvr>
+                                      <p:to>
+                                        <p:strVal val="visible"/>
+                                      </p:to>
+                                    </p:set>
+                                    <p:anim calcmode="lin" valueType="num">
+                                      <p:cBhvr>
+                                        <p:cTn id="33" dur="1000" fill="hold"/>
+                                        <p:tgtEl>
+                                          <p:spTgt spid="3">
+                                            <p:txEl>
+                                              <p:pRg st="6" end="6"/>
+                                            </p:txEl>
+                                          </p:spTgt>
+                                        </p:tgtEl>
+                                        <p:attrNameLst>
+                                          <p:attrName>ppt_w</p:attrName>
+                                        </p:attrNameLst>
+                                      </p:cBhvr>
+                                      <p:tavLst>
+                                        <p:tav tm="0">
+                                          <p:val>
+                                            <p:fltVal val="0"/>
+                                          </p:val>
+                                        </p:tav>
+                                        <p:tav tm="100000">
+                                          <p:val>
+                                            <p:strVal val="#ppt_w"/>
+                                          </p:val>
+                                        </p:tav>
+                                      </p:tavLst>
+                                    </p:anim>
+                                    <p:anim calcmode="lin" valueType="num">
+                                      <p:cBhvr>
+                                        <p:cTn id="34" dur="1000" fill="hold"/>
+                                        <p:tgtEl>
+                                          <p:spTgt spid="3">
+                                            <p:txEl>
+                                              <p:pRg st="6" end="6"/>
+                                            </p:txEl>
+                                          </p:spTgt>
+                                        </p:tgtEl>
+                                        <p:attrNameLst>
+                                          <p:attrName>ppt_h</p:attrName>
+                                        </p:attrNameLst>
+                                      </p:cBhvr>
+                                      <p:tavLst>
+                                        <p:tav tm="0">
+                                          <p:val>
+                                            <p:fltVal val="0"/>
+                                          </p:val>
+                                        </p:tav>
+                                        <p:tav tm="100000">
+                                          <p:val>
+                                            <p:strVal val="#ppt_h"/>
+                                          </p:val>
+                                        </p:tav>
+                                      </p:tavLst>
+                                    </p:anim>
+                                    <p:anim calcmode="lin" valueType="num">
+                                      <p:cBhvr>
+                                        <p:cTn id="35" dur="1000" fill="hold"/>
+                                        <p:tgtEl>
+                                          <p:spTgt spid="3">
+                                            <p:txEl>
+                                              <p:pRg st="6" end="6"/>
+                                            </p:txEl>
+                                          </p:spTgt>
+                                        </p:tgtEl>
+                                        <p:attrNameLst>
+                                          <p:attrName>style.rotation</p:attrName>
+                                        </p:attrNameLst>
+                                      </p:cBhvr>
+                                      <p:tavLst>
+                                        <p:tav tm="0">
+                                          <p:val>
+                                            <p:fltVal val="90"/>
+                                          </p:val>
+                                        </p:tav>
+                                        <p:tav tm="100000">
+                                          <p:val>
+                                            <p:fltVal val="0"/>
+                                          </p:val>
+                                        </p:tav>
+                                      </p:tavLst>
+                                    </p:anim>
+                                    <p:animEffect transition="in" filter="fade">
+                                      <p:cBhvr>
+                                        <p:cTn id="36" dur="1000"/>
+                                        <p:tgtEl>
+                                          <p:spTgt spid="3">
+                                            <p:txEl>
+                                              <p:pRg st="6" end="6"/>
+                                            </p:txEl>
+                                          </p:spTgt>
+                                        </p:tgtEl>
+                                      </p:cBhvr>
+                                    </p:animEffect>
+                                  </p:childTnLst>
+                                </p:cTn>
+                              </p:par>
+                            </p:childTnLst>
+                          </p:cTn>
+                        </p:par>
+                        <p:par>
+                          <p:cTn id="37" fill="hold">
+                            <p:stCondLst>
+                              <p:cond delay="4500"/>
+                            </p:stCondLst>
+                            <p:childTnLst>
+                              <p:par>
+                                <p:cTn id="38" presetID="31" presetClass="entr" presetSubtype="0" fill="hold" grpId="0" nodeType="afterEffect">
+                                  <p:stCondLst>
+                                    <p:cond delay="0"/>
+                                  </p:stCondLst>
+                                  <p:childTnLst>
+                                    <p:set>
+                                      <p:cBhvr>
+                                        <p:cTn id="39" dur="1" fill="hold">
+                                          <p:stCondLst>
+                                            <p:cond delay="0"/>
+                                          </p:stCondLst>
+                                        </p:cTn>
+                                        <p:tgtEl>
+                                          <p:spTgt spid="3">
+                                            <p:txEl>
+                                              <p:pRg st="8" end="8"/>
+                                            </p:txEl>
+                                          </p:spTgt>
+                                        </p:tgtEl>
+                                        <p:attrNameLst>
+                                          <p:attrName>style.visibility</p:attrName>
+                                        </p:attrNameLst>
+                                      </p:cBhvr>
+                                      <p:to>
+                                        <p:strVal val="visible"/>
+                                      </p:to>
+                                    </p:set>
+                                    <p:anim calcmode="lin" valueType="num">
+                                      <p:cBhvr>
+                                        <p:cTn id="40" dur="1000" fill="hold"/>
+                                        <p:tgtEl>
+                                          <p:spTgt spid="3">
+                                            <p:txEl>
+                                              <p:pRg st="8" end="8"/>
+                                            </p:txEl>
+                                          </p:spTgt>
+                                        </p:tgtEl>
+                                        <p:attrNameLst>
+                                          <p:attrName>ppt_w</p:attrName>
+                                        </p:attrNameLst>
+                                      </p:cBhvr>
+                                      <p:tavLst>
+                                        <p:tav tm="0">
+                                          <p:val>
+                                            <p:fltVal val="0"/>
+                                          </p:val>
+                                        </p:tav>
+                                        <p:tav tm="100000">
+                                          <p:val>
+                                            <p:strVal val="#ppt_w"/>
+                                          </p:val>
+                                        </p:tav>
+                                      </p:tavLst>
+                                    </p:anim>
+                                    <p:anim calcmode="lin" valueType="num">
+                                      <p:cBhvr>
+                                        <p:cTn id="41" dur="1000" fill="hold"/>
+                                        <p:tgtEl>
+                                          <p:spTgt spid="3">
+                                            <p:txEl>
+                                              <p:pRg st="8" end="8"/>
+                                            </p:txEl>
+                                          </p:spTgt>
+                                        </p:tgtEl>
+                                        <p:attrNameLst>
+                                          <p:attrName>ppt_h</p:attrName>
+                                        </p:attrNameLst>
+                                      </p:cBhvr>
+                                      <p:tavLst>
+                                        <p:tav tm="0">
+                                          <p:val>
+                                            <p:fltVal val="0"/>
+                                          </p:val>
+                                        </p:tav>
+                                        <p:tav tm="100000">
+                                          <p:val>
+                                            <p:strVal val="#ppt_h"/>
+                                          </p:val>
+                                        </p:tav>
+                                      </p:tavLst>
+                                    </p:anim>
+                                    <p:anim calcmode="lin" valueType="num">
+                                      <p:cBhvr>
+                                        <p:cTn id="42" dur="1000" fill="hold"/>
+                                        <p:tgtEl>
+                                          <p:spTgt spid="3">
+                                            <p:txEl>
+                                              <p:pRg st="8" end="8"/>
+                                            </p:txEl>
+                                          </p:spTgt>
+                                        </p:tgtEl>
+                                        <p:attrNameLst>
+                                          <p:attrName>style.rotation</p:attrName>
+                                        </p:attrNameLst>
+                                      </p:cBhvr>
+                                      <p:tavLst>
+                                        <p:tav tm="0">
+                                          <p:val>
+                                            <p:fltVal val="90"/>
+                                          </p:val>
+                                        </p:tav>
+                                        <p:tav tm="100000">
+                                          <p:val>
+                                            <p:fltVal val="0"/>
+                                          </p:val>
+                                        </p:tav>
+                                      </p:tavLst>
+                                    </p:anim>
+                                    <p:animEffect transition="in" filter="fade">
+                                      <p:cBhvr>
+                                        <p:cTn id="43" dur="1000"/>
+                                        <p:tgtEl>
+                                          <p:spTgt spid="3">
+                                            <p:txEl>
+                                              <p:pRg st="8" end="8"/>
+                                            </p:txEl>
+                                          </p:spTgt>
+                                        </p:tgtEl>
+                                      </p:cBhvr>
+                                    </p:animEffect>
+                                  </p:childTnLst>
+                                </p:cTn>
+                              </p:par>
+                            </p:childTnLst>
+                          </p:cTn>
+                        </p:par>
+                      </p:childTnLst>
+                    </p:cTn>
+                  </p:par>
+                </p:childTnLst>
+              </p:cTn>
+              <p:prevCondLst>
+                <p:cond evt="onPrev" delay="0">
+                  <p:tgtEl>
+                    <p:sldTgt/>
+                  </p:tgtEl>
+                </p:cond>
+              </p:prevCondLst>
+              <p:nextCondLst>
+                <p:cond evt="onNext" delay="0">
+                  <p:tgtEl>
+                    <p:sldTgt/>
+                  </p:tgtEl>
+                </p:cond>
+              </p:nextCondLst>
+            </p:seq>
+          </p:childTnLst>
+        </p:cTn>
+      </p:par>
+    </p:tnLst>
+    <p:bldLst>
+      <p:bldP spid="2" grpId="0"/>
+      <p:bldP spid="3" grpId="0" build="p"/>
+    </p:bldLst>
+  </p:timing>
 </p:sld>
 </file>
 
@@ -5282,18 +7815,10 @@
           <a:lstStyle/>
           <a:p>
             <a:r>
-              <a:rPr lang="en-US" smtClean="0"/>
-              <a:t>Presentation</a:t>
-            </a:r>
-            <a:r>
-              <a:rPr lang="en-US" smtClean="0"/>
-              <a:t> of the </a:t>
-            </a:r>
-            <a:r>
-              <a:rPr lang="en-US" smtClean="0"/>
-              <a:t>project</a:t>
-            </a:r>
-            <a:endParaRPr lang="en-US"/>
+              <a:rPr lang="en-US" dirty="0" smtClean="0"/>
+              <a:t>Presentation of the project</a:t>
+            </a:r>
+            <a:endParaRPr lang="en-US" dirty="0"/>
           </a:p>
         </p:txBody>
       </p:sp>
@@ -5313,54 +7838,47 @@
           <a:lstStyle/>
           <a:p>
             <a:r>
-              <a:rPr lang="en-US" smtClean="0"/>
+              <a:rPr lang="en-US" dirty="0" smtClean="0"/>
               <a:t>Goal of the project</a:t>
             </a:r>
           </a:p>
           <a:p>
-            <a:endParaRPr lang="en-US" smtClean="0"/>
-          </a:p>
-          <a:p>
-            <a:r>
-              <a:rPr lang="en-US" smtClean="0"/>
-              <a:t>Chosen tools (Java language, </a:t>
-            </a:r>
-            <a:r>
-              <a:rPr lang="en-US" smtClean="0"/>
-              <a:t>C</a:t>
-            </a:r>
-            <a:r>
-              <a:rPr lang="en-US" smtClean="0"/>
-              <a:t>++, …)</a:t>
-            </a:r>
-          </a:p>
-          <a:p>
-            <a:endParaRPr lang="en-US" smtClean="0"/>
-          </a:p>
-          <a:p>
-            <a:r>
-              <a:rPr lang="en-US" smtClean="0"/>
-              <a:t>Required purchases (2 Tablets, RFID transponder)</a:t>
-            </a:r>
-          </a:p>
-          <a:p>
-            <a:endParaRPr lang="en-US" smtClean="0"/>
-          </a:p>
-          <a:p>
-            <a:r>
-              <a:rPr lang="en-US" smtClean="0"/>
+            <a:endParaRPr lang="en-US" dirty="0" smtClean="0"/>
+          </a:p>
+          <a:p>
+            <a:r>
+              <a:rPr lang="en-US" dirty="0" smtClean="0"/>
+              <a:t>Chosen tools (Java language, C++, …)</a:t>
+            </a:r>
+          </a:p>
+          <a:p>
+            <a:endParaRPr lang="en-US" dirty="0" smtClean="0"/>
+          </a:p>
+          <a:p>
+            <a:r>
+              <a:rPr lang="en-US" dirty="0" smtClean="0"/>
+              <a:t>Available equipment</a:t>
+            </a:r>
+            <a:endParaRPr lang="en-US" dirty="0" smtClean="0"/>
+          </a:p>
+          <a:p>
+            <a:endParaRPr lang="en-US" dirty="0" smtClean="0"/>
+          </a:p>
+          <a:p>
+            <a:r>
+              <a:rPr lang="en-US" dirty="0" smtClean="0"/>
               <a:t>Various tasks</a:t>
             </a:r>
           </a:p>
           <a:p>
-            <a:endParaRPr lang="en-US" smtClean="0"/>
-          </a:p>
-          <a:p>
-            <a:r>
-              <a:rPr lang="en-US" smtClean="0"/>
+            <a:endParaRPr lang="en-US" dirty="0" smtClean="0"/>
+          </a:p>
+          <a:p>
+            <a:r>
+              <a:rPr lang="en-US" dirty="0" smtClean="0"/>
               <a:t>Problems encountered</a:t>
             </a:r>
-            <a:endParaRPr lang="en-US"/>
+            <a:endParaRPr lang="en-US" dirty="0"/>
           </a:p>
         </p:txBody>
       </p:sp>
@@ -5393,6 +7911,632 @@
   <p:clrMapOvr>
     <a:masterClrMapping/>
   </p:clrMapOvr>
+  <p:timing>
+    <p:tnLst>
+      <p:par>
+        <p:cTn id="1" dur="indefinite" restart="never" nodeType="tmRoot">
+          <p:childTnLst>
+            <p:seq concurrent="1" nextAc="seek">
+              <p:cTn id="2" dur="indefinite" nodeType="mainSeq">
+                <p:childTnLst>
+                  <p:par>
+                    <p:cTn id="3" fill="hold">
+                      <p:stCondLst>
+                        <p:cond delay="indefinite"/>
+                      </p:stCondLst>
+                      <p:childTnLst>
+                        <p:par>
+                          <p:cTn id="4" fill="hold">
+                            <p:stCondLst>
+                              <p:cond delay="0"/>
+                            </p:stCondLst>
+                            <p:childTnLst>
+                              <p:par>
+                                <p:cTn id="5" presetID="31" presetClass="entr" presetSubtype="0" fill="hold" grpId="0" nodeType="clickEffect">
+                                  <p:stCondLst>
+                                    <p:cond delay="0"/>
+                                  </p:stCondLst>
+                                  <p:childTnLst>
+                                    <p:set>
+                                      <p:cBhvr>
+                                        <p:cTn id="6" dur="1" fill="hold">
+                                          <p:stCondLst>
+                                            <p:cond delay="0"/>
+                                          </p:stCondLst>
+                                        </p:cTn>
+                                        <p:tgtEl>
+                                          <p:spTgt spid="2"/>
+                                        </p:tgtEl>
+                                        <p:attrNameLst>
+                                          <p:attrName>style.visibility</p:attrName>
+                                        </p:attrNameLst>
+                                      </p:cBhvr>
+                                      <p:to>
+                                        <p:strVal val="visible"/>
+                                      </p:to>
+                                    </p:set>
+                                    <p:anim calcmode="lin" valueType="num">
+                                      <p:cBhvr>
+                                        <p:cTn id="7" dur="1000" fill="hold"/>
+                                        <p:tgtEl>
+                                          <p:spTgt spid="2"/>
+                                        </p:tgtEl>
+                                        <p:attrNameLst>
+                                          <p:attrName>ppt_w</p:attrName>
+                                        </p:attrNameLst>
+                                      </p:cBhvr>
+                                      <p:tavLst>
+                                        <p:tav tm="0">
+                                          <p:val>
+                                            <p:fltVal val="0"/>
+                                          </p:val>
+                                        </p:tav>
+                                        <p:tav tm="100000">
+                                          <p:val>
+                                            <p:strVal val="#ppt_w"/>
+                                          </p:val>
+                                        </p:tav>
+                                      </p:tavLst>
+                                    </p:anim>
+                                    <p:anim calcmode="lin" valueType="num">
+                                      <p:cBhvr>
+                                        <p:cTn id="8" dur="1000" fill="hold"/>
+                                        <p:tgtEl>
+                                          <p:spTgt spid="2"/>
+                                        </p:tgtEl>
+                                        <p:attrNameLst>
+                                          <p:attrName>ppt_h</p:attrName>
+                                        </p:attrNameLst>
+                                      </p:cBhvr>
+                                      <p:tavLst>
+                                        <p:tav tm="0">
+                                          <p:val>
+                                            <p:fltVal val="0"/>
+                                          </p:val>
+                                        </p:tav>
+                                        <p:tav tm="100000">
+                                          <p:val>
+                                            <p:strVal val="#ppt_h"/>
+                                          </p:val>
+                                        </p:tav>
+                                      </p:tavLst>
+                                    </p:anim>
+                                    <p:anim calcmode="lin" valueType="num">
+                                      <p:cBhvr>
+                                        <p:cTn id="9" dur="1000" fill="hold"/>
+                                        <p:tgtEl>
+                                          <p:spTgt spid="2"/>
+                                        </p:tgtEl>
+                                        <p:attrNameLst>
+                                          <p:attrName>style.rotation</p:attrName>
+                                        </p:attrNameLst>
+                                      </p:cBhvr>
+                                      <p:tavLst>
+                                        <p:tav tm="0">
+                                          <p:val>
+                                            <p:fltVal val="90"/>
+                                          </p:val>
+                                        </p:tav>
+                                        <p:tav tm="100000">
+                                          <p:val>
+                                            <p:fltVal val="0"/>
+                                          </p:val>
+                                        </p:tav>
+                                      </p:tavLst>
+                                    </p:anim>
+                                    <p:animEffect transition="in" filter="fade">
+                                      <p:cBhvr>
+                                        <p:cTn id="10" dur="1000"/>
+                                        <p:tgtEl>
+                                          <p:spTgt spid="2"/>
+                                        </p:tgtEl>
+                                      </p:cBhvr>
+                                    </p:animEffect>
+                                  </p:childTnLst>
+                                </p:cTn>
+                              </p:par>
+                            </p:childTnLst>
+                          </p:cTn>
+                        </p:par>
+                        <p:par>
+                          <p:cTn id="11" fill="hold">
+                            <p:stCondLst>
+                              <p:cond delay="1000"/>
+                            </p:stCondLst>
+                            <p:childTnLst>
+                              <p:par>
+                                <p:cTn id="12" presetID="2" presetClass="entr" presetSubtype="4" fill="hold" grpId="0" nodeType="afterEffect">
+                                  <p:stCondLst>
+                                    <p:cond delay="0"/>
+                                  </p:stCondLst>
+                                  <p:childTnLst>
+                                    <p:set>
+                                      <p:cBhvr>
+                                        <p:cTn id="13" dur="1" fill="hold">
+                                          <p:stCondLst>
+                                            <p:cond delay="0"/>
+                                          </p:stCondLst>
+                                        </p:cTn>
+                                        <p:tgtEl>
+                                          <p:spTgt spid="3">
+                                            <p:txEl>
+                                              <p:pRg st="0" end="0"/>
+                                            </p:txEl>
+                                          </p:spTgt>
+                                        </p:tgtEl>
+                                        <p:attrNameLst>
+                                          <p:attrName>style.visibility</p:attrName>
+                                        </p:attrNameLst>
+                                      </p:cBhvr>
+                                      <p:to>
+                                        <p:strVal val="visible"/>
+                                      </p:to>
+                                    </p:set>
+                                    <p:anim calcmode="lin" valueType="num">
+                                      <p:cBhvr additive="base">
+                                        <p:cTn id="14" dur="500" fill="hold"/>
+                                        <p:tgtEl>
+                                          <p:spTgt spid="3">
+                                            <p:txEl>
+                                              <p:pRg st="0" end="0"/>
+                                            </p:txEl>
+                                          </p:spTgt>
+                                        </p:tgtEl>
+                                        <p:attrNameLst>
+                                          <p:attrName>ppt_x</p:attrName>
+                                        </p:attrNameLst>
+                                      </p:cBhvr>
+                                      <p:tavLst>
+                                        <p:tav tm="0">
+                                          <p:val>
+                                            <p:strVal val="#ppt_x"/>
+                                          </p:val>
+                                        </p:tav>
+                                        <p:tav tm="100000">
+                                          <p:val>
+                                            <p:strVal val="#ppt_x"/>
+                                          </p:val>
+                                        </p:tav>
+                                      </p:tavLst>
+                                    </p:anim>
+                                    <p:anim calcmode="lin" valueType="num">
+                                      <p:cBhvr additive="base">
+                                        <p:cTn id="15" dur="500" fill="hold"/>
+                                        <p:tgtEl>
+                                          <p:spTgt spid="3">
+                                            <p:txEl>
+                                              <p:pRg st="0" end="0"/>
+                                            </p:txEl>
+                                          </p:spTgt>
+                                        </p:tgtEl>
+                                        <p:attrNameLst>
+                                          <p:attrName>ppt_y</p:attrName>
+                                        </p:attrNameLst>
+                                      </p:cBhvr>
+                                      <p:tavLst>
+                                        <p:tav tm="0">
+                                          <p:val>
+                                            <p:strVal val="1+#ppt_h/2"/>
+                                          </p:val>
+                                        </p:tav>
+                                        <p:tav tm="100000">
+                                          <p:val>
+                                            <p:strVal val="#ppt_y"/>
+                                          </p:val>
+                                        </p:tav>
+                                      </p:tavLst>
+                                    </p:anim>
+                                  </p:childTnLst>
+                                </p:cTn>
+                              </p:par>
+                            </p:childTnLst>
+                          </p:cTn>
+                        </p:par>
+                        <p:par>
+                          <p:cTn id="16" fill="hold">
+                            <p:stCondLst>
+                              <p:cond delay="1500"/>
+                            </p:stCondLst>
+                            <p:childTnLst>
+                              <p:par>
+                                <p:cTn id="17" presetID="2" presetClass="entr" presetSubtype="4" fill="hold" grpId="0" nodeType="afterEffect">
+                                  <p:stCondLst>
+                                    <p:cond delay="0"/>
+                                  </p:stCondLst>
+                                  <p:childTnLst>
+                                    <p:set>
+                                      <p:cBhvr>
+                                        <p:cTn id="18" dur="1" fill="hold">
+                                          <p:stCondLst>
+                                            <p:cond delay="0"/>
+                                          </p:stCondLst>
+                                        </p:cTn>
+                                        <p:tgtEl>
+                                          <p:spTgt spid="3">
+                                            <p:txEl>
+                                              <p:pRg st="2" end="2"/>
+                                            </p:txEl>
+                                          </p:spTgt>
+                                        </p:tgtEl>
+                                        <p:attrNameLst>
+                                          <p:attrName>style.visibility</p:attrName>
+                                        </p:attrNameLst>
+                                      </p:cBhvr>
+                                      <p:to>
+                                        <p:strVal val="visible"/>
+                                      </p:to>
+                                    </p:set>
+                                    <p:anim calcmode="lin" valueType="num">
+                                      <p:cBhvr additive="base">
+                                        <p:cTn id="19" dur="500" fill="hold"/>
+                                        <p:tgtEl>
+                                          <p:spTgt spid="3">
+                                            <p:txEl>
+                                              <p:pRg st="2" end="2"/>
+                                            </p:txEl>
+                                          </p:spTgt>
+                                        </p:tgtEl>
+                                        <p:attrNameLst>
+                                          <p:attrName>ppt_x</p:attrName>
+                                        </p:attrNameLst>
+                                      </p:cBhvr>
+                                      <p:tavLst>
+                                        <p:tav tm="0">
+                                          <p:val>
+                                            <p:strVal val="#ppt_x"/>
+                                          </p:val>
+                                        </p:tav>
+                                        <p:tav tm="100000">
+                                          <p:val>
+                                            <p:strVal val="#ppt_x"/>
+                                          </p:val>
+                                        </p:tav>
+                                      </p:tavLst>
+                                    </p:anim>
+                                    <p:anim calcmode="lin" valueType="num">
+                                      <p:cBhvr additive="base">
+                                        <p:cTn id="20" dur="500" fill="hold"/>
+                                        <p:tgtEl>
+                                          <p:spTgt spid="3">
+                                            <p:txEl>
+                                              <p:pRg st="2" end="2"/>
+                                            </p:txEl>
+                                          </p:spTgt>
+                                        </p:tgtEl>
+                                        <p:attrNameLst>
+                                          <p:attrName>ppt_y</p:attrName>
+                                        </p:attrNameLst>
+                                      </p:cBhvr>
+                                      <p:tavLst>
+                                        <p:tav tm="0">
+                                          <p:val>
+                                            <p:strVal val="1+#ppt_h/2"/>
+                                          </p:val>
+                                        </p:tav>
+                                        <p:tav tm="100000">
+                                          <p:val>
+                                            <p:strVal val="#ppt_y"/>
+                                          </p:val>
+                                        </p:tav>
+                                      </p:tavLst>
+                                    </p:anim>
+                                  </p:childTnLst>
+                                </p:cTn>
+                              </p:par>
+                            </p:childTnLst>
+                          </p:cTn>
+                        </p:par>
+                        <p:par>
+                          <p:cTn id="21" fill="hold">
+                            <p:stCondLst>
+                              <p:cond delay="2000"/>
+                            </p:stCondLst>
+                            <p:childTnLst>
+                              <p:par>
+                                <p:cTn id="22" presetID="2" presetClass="entr" presetSubtype="4" fill="hold" grpId="0" nodeType="afterEffect">
+                                  <p:stCondLst>
+                                    <p:cond delay="0"/>
+                                  </p:stCondLst>
+                                  <p:childTnLst>
+                                    <p:set>
+                                      <p:cBhvr>
+                                        <p:cTn id="23" dur="1" fill="hold">
+                                          <p:stCondLst>
+                                            <p:cond delay="0"/>
+                                          </p:stCondLst>
+                                        </p:cTn>
+                                        <p:tgtEl>
+                                          <p:spTgt spid="3">
+                                            <p:txEl>
+                                              <p:pRg st="4" end="4"/>
+                                            </p:txEl>
+                                          </p:spTgt>
+                                        </p:tgtEl>
+                                        <p:attrNameLst>
+                                          <p:attrName>style.visibility</p:attrName>
+                                        </p:attrNameLst>
+                                      </p:cBhvr>
+                                      <p:to>
+                                        <p:strVal val="visible"/>
+                                      </p:to>
+                                    </p:set>
+                                    <p:anim calcmode="lin" valueType="num">
+                                      <p:cBhvr additive="base">
+                                        <p:cTn id="24" dur="500" fill="hold"/>
+                                        <p:tgtEl>
+                                          <p:spTgt spid="3">
+                                            <p:txEl>
+                                              <p:pRg st="4" end="4"/>
+                                            </p:txEl>
+                                          </p:spTgt>
+                                        </p:tgtEl>
+                                        <p:attrNameLst>
+                                          <p:attrName>ppt_x</p:attrName>
+                                        </p:attrNameLst>
+                                      </p:cBhvr>
+                                      <p:tavLst>
+                                        <p:tav tm="0">
+                                          <p:val>
+                                            <p:strVal val="#ppt_x"/>
+                                          </p:val>
+                                        </p:tav>
+                                        <p:tav tm="100000">
+                                          <p:val>
+                                            <p:strVal val="#ppt_x"/>
+                                          </p:val>
+                                        </p:tav>
+                                      </p:tavLst>
+                                    </p:anim>
+                                    <p:anim calcmode="lin" valueType="num">
+                                      <p:cBhvr additive="base">
+                                        <p:cTn id="25" dur="500" fill="hold"/>
+                                        <p:tgtEl>
+                                          <p:spTgt spid="3">
+                                            <p:txEl>
+                                              <p:pRg st="4" end="4"/>
+                                            </p:txEl>
+                                          </p:spTgt>
+                                        </p:tgtEl>
+                                        <p:attrNameLst>
+                                          <p:attrName>ppt_y</p:attrName>
+                                        </p:attrNameLst>
+                                      </p:cBhvr>
+                                      <p:tavLst>
+                                        <p:tav tm="0">
+                                          <p:val>
+                                            <p:strVal val="1+#ppt_h/2"/>
+                                          </p:val>
+                                        </p:tav>
+                                        <p:tav tm="100000">
+                                          <p:val>
+                                            <p:strVal val="#ppt_y"/>
+                                          </p:val>
+                                        </p:tav>
+                                      </p:tavLst>
+                                    </p:anim>
+                                  </p:childTnLst>
+                                </p:cTn>
+                              </p:par>
+                            </p:childTnLst>
+                          </p:cTn>
+                        </p:par>
+                        <p:par>
+                          <p:cTn id="26" fill="hold">
+                            <p:stCondLst>
+                              <p:cond delay="2500"/>
+                            </p:stCondLst>
+                            <p:childTnLst>
+                              <p:par>
+                                <p:cTn id="27" presetID="2" presetClass="entr" presetSubtype="4" fill="hold" grpId="0" nodeType="afterEffect">
+                                  <p:stCondLst>
+                                    <p:cond delay="0"/>
+                                  </p:stCondLst>
+                                  <p:childTnLst>
+                                    <p:set>
+                                      <p:cBhvr>
+                                        <p:cTn id="28" dur="1" fill="hold">
+                                          <p:stCondLst>
+                                            <p:cond delay="0"/>
+                                          </p:stCondLst>
+                                        </p:cTn>
+                                        <p:tgtEl>
+                                          <p:spTgt spid="3">
+                                            <p:txEl>
+                                              <p:pRg st="6" end="6"/>
+                                            </p:txEl>
+                                          </p:spTgt>
+                                        </p:tgtEl>
+                                        <p:attrNameLst>
+                                          <p:attrName>style.visibility</p:attrName>
+                                        </p:attrNameLst>
+                                      </p:cBhvr>
+                                      <p:to>
+                                        <p:strVal val="visible"/>
+                                      </p:to>
+                                    </p:set>
+                                    <p:anim calcmode="lin" valueType="num">
+                                      <p:cBhvr additive="base">
+                                        <p:cTn id="29" dur="500" fill="hold"/>
+                                        <p:tgtEl>
+                                          <p:spTgt spid="3">
+                                            <p:txEl>
+                                              <p:pRg st="6" end="6"/>
+                                            </p:txEl>
+                                          </p:spTgt>
+                                        </p:tgtEl>
+                                        <p:attrNameLst>
+                                          <p:attrName>ppt_x</p:attrName>
+                                        </p:attrNameLst>
+                                      </p:cBhvr>
+                                      <p:tavLst>
+                                        <p:tav tm="0">
+                                          <p:val>
+                                            <p:strVal val="#ppt_x"/>
+                                          </p:val>
+                                        </p:tav>
+                                        <p:tav tm="100000">
+                                          <p:val>
+                                            <p:strVal val="#ppt_x"/>
+                                          </p:val>
+                                        </p:tav>
+                                      </p:tavLst>
+                                    </p:anim>
+                                    <p:anim calcmode="lin" valueType="num">
+                                      <p:cBhvr additive="base">
+                                        <p:cTn id="30" dur="500" fill="hold"/>
+                                        <p:tgtEl>
+                                          <p:spTgt spid="3">
+                                            <p:txEl>
+                                              <p:pRg st="6" end="6"/>
+                                            </p:txEl>
+                                          </p:spTgt>
+                                        </p:tgtEl>
+                                        <p:attrNameLst>
+                                          <p:attrName>ppt_y</p:attrName>
+                                        </p:attrNameLst>
+                                      </p:cBhvr>
+                                      <p:tavLst>
+                                        <p:tav tm="0">
+                                          <p:val>
+                                            <p:strVal val="1+#ppt_h/2"/>
+                                          </p:val>
+                                        </p:tav>
+                                        <p:tav tm="100000">
+                                          <p:val>
+                                            <p:strVal val="#ppt_y"/>
+                                          </p:val>
+                                        </p:tav>
+                                      </p:tavLst>
+                                    </p:anim>
+                                  </p:childTnLst>
+                                </p:cTn>
+                              </p:par>
+                            </p:childTnLst>
+                          </p:cTn>
+                        </p:par>
+                        <p:par>
+                          <p:cTn id="31" fill="hold">
+                            <p:stCondLst>
+                              <p:cond delay="3000"/>
+                            </p:stCondLst>
+                            <p:childTnLst>
+                              <p:par>
+                                <p:cTn id="32" presetID="2" presetClass="entr" presetSubtype="4" fill="hold" grpId="0" nodeType="afterEffect">
+                                  <p:stCondLst>
+                                    <p:cond delay="0"/>
+                                  </p:stCondLst>
+                                  <p:childTnLst>
+                                    <p:set>
+                                      <p:cBhvr>
+                                        <p:cTn id="33" dur="1" fill="hold">
+                                          <p:stCondLst>
+                                            <p:cond delay="0"/>
+                                          </p:stCondLst>
+                                        </p:cTn>
+                                        <p:tgtEl>
+                                          <p:spTgt spid="3">
+                                            <p:txEl>
+                                              <p:pRg st="8" end="8"/>
+                                            </p:txEl>
+                                          </p:spTgt>
+                                        </p:tgtEl>
+                                        <p:attrNameLst>
+                                          <p:attrName>style.visibility</p:attrName>
+                                        </p:attrNameLst>
+                                      </p:cBhvr>
+                                      <p:to>
+                                        <p:strVal val="visible"/>
+                                      </p:to>
+                                    </p:set>
+                                    <p:anim calcmode="lin" valueType="num">
+                                      <p:cBhvr additive="base">
+                                        <p:cTn id="34" dur="500" fill="hold"/>
+                                        <p:tgtEl>
+                                          <p:spTgt spid="3">
+                                            <p:txEl>
+                                              <p:pRg st="8" end="8"/>
+                                            </p:txEl>
+                                          </p:spTgt>
+                                        </p:tgtEl>
+                                        <p:attrNameLst>
+                                          <p:attrName>ppt_x</p:attrName>
+                                        </p:attrNameLst>
+                                      </p:cBhvr>
+                                      <p:tavLst>
+                                        <p:tav tm="0">
+                                          <p:val>
+                                            <p:strVal val="#ppt_x"/>
+                                          </p:val>
+                                        </p:tav>
+                                        <p:tav tm="100000">
+                                          <p:val>
+                                            <p:strVal val="#ppt_x"/>
+                                          </p:val>
+                                        </p:tav>
+                                      </p:tavLst>
+                                    </p:anim>
+                                    <p:anim calcmode="lin" valueType="num">
+                                      <p:cBhvr additive="base">
+                                        <p:cTn id="35" dur="500" fill="hold"/>
+                                        <p:tgtEl>
+                                          <p:spTgt spid="3">
+                                            <p:txEl>
+                                              <p:pRg st="8" end="8"/>
+                                            </p:txEl>
+                                          </p:spTgt>
+                                        </p:tgtEl>
+                                        <p:attrNameLst>
+                                          <p:attrName>ppt_y</p:attrName>
+                                        </p:attrNameLst>
+                                      </p:cBhvr>
+                                      <p:tavLst>
+                                        <p:tav tm="0">
+                                          <p:val>
+                                            <p:strVal val="1+#ppt_h/2"/>
+                                          </p:val>
+                                        </p:tav>
+                                        <p:tav tm="100000">
+                                          <p:val>
+                                            <p:strVal val="#ppt_y"/>
+                                          </p:val>
+                                        </p:tav>
+                                      </p:tavLst>
+                                    </p:anim>
+                                  </p:childTnLst>
+                                </p:cTn>
+                              </p:par>
+                            </p:childTnLst>
+                          </p:cTn>
+                        </p:par>
+                      </p:childTnLst>
+                    </p:cTn>
+                  </p:par>
+                </p:childTnLst>
+              </p:cTn>
+              <p:prevCondLst>
+                <p:cond evt="onPrev" delay="0">
+                  <p:tgtEl>
+                    <p:sldTgt/>
+                  </p:tgtEl>
+                </p:cond>
+              </p:prevCondLst>
+              <p:nextCondLst>
+                <p:cond evt="onNext" delay="0">
+                  <p:tgtEl>
+                    <p:sldTgt/>
+                  </p:tgtEl>
+                </p:cond>
+              </p:nextCondLst>
+            </p:seq>
+          </p:childTnLst>
+        </p:cTn>
+      </p:par>
+    </p:tnLst>
+    <p:bldLst>
+      <p:bldP spid="2" grpId="0"/>
+      <p:bldP spid="3" grpId="0" build="p"/>
+    </p:bldLst>
+  </p:timing>
 </p:sld>
 </file>
 
@@ -5415,7 +8559,31 @@
       </p:grpSpPr>
       <p:sp>
         <p:nvSpPr>
-          <p:cNvPr id="2" name="Titre 1"/>
+          <p:cNvPr id="4" name="Espace réservé du numéro de diapositive 3"/>
+          <p:cNvSpPr>
+            <a:spLocks noGrp="1"/>
+          </p:cNvSpPr>
+          <p:nvPr>
+            <p:ph type="sldNum" sz="quarter" idx="12"/>
+          </p:nvPr>
+        </p:nvSpPr>
+        <p:spPr/>
+        <p:txBody>
+          <a:bodyPr/>
+          <a:lstStyle/>
+          <a:p>
+            <a:fld id="{CF4668DC-857F-487D-BFFA-8C0CA5037977}" type="slidenum">
+              <a:rPr lang="fr-BE" smtClean="0"/>
+              <a:pPr/>
+              <a:t>5</a:t>
+            </a:fld>
+            <a:endParaRPr lang="fr-BE"/>
+          </a:p>
+        </p:txBody>
+      </p:sp>
+      <p:sp>
+        <p:nvSpPr>
+          <p:cNvPr id="5" name="Titre 1"/>
           <p:cNvSpPr>
             <a:spLocks noGrp="1"/>
           </p:cNvSpPr>
@@ -5423,7 +8591,12 @@
             <p:ph type="title"/>
           </p:nvPr>
         </p:nvSpPr>
-        <p:spPr/>
+        <p:spPr>
+          <a:xfrm>
+            <a:off x="457200" y="704088"/>
+            <a:ext cx="8229600" cy="1143000"/>
+          </a:xfrm>
+        </p:spPr>
         <p:txBody>
           <a:bodyPr>
             <a:normAutofit/>
@@ -5431,127 +8604,633 @@
           <a:lstStyle/>
           <a:p>
             <a:r>
-              <a:rPr lang="en-US" smtClean="0"/>
+              <a:rPr lang="en-US" dirty="0" smtClean="0"/>
               <a:t>State </a:t>
             </a:r>
             <a:r>
-              <a:rPr lang="en-US" smtClean="0"/>
-              <a:t>of </a:t>
-            </a:r>
-            <a:r>
-              <a:rPr lang="en-US" smtClean="0"/>
-              <a:t>art</a:t>
-            </a:r>
+              <a:rPr lang="en-US" dirty="0" smtClean="0"/>
+              <a:t>Of The Art</a:t>
+            </a:r>
+            <a:endParaRPr lang="en-US" dirty="0"/>
+          </a:p>
+        </p:txBody>
+      </p:sp>
+      <p:pic>
+        <p:nvPicPr>
+          <p:cNvPr id="6" name="rg_hi" descr="https://encrypted-tbn2.gstatic.com/images?q=tbn:ANd9GcTnPQap0VBisF6UlQ-VCQ9shX5ED5tA0i1-VRvuA8SmeyrAMBjH"/>
+          <p:cNvPicPr/>
+          <p:nvPr/>
+        </p:nvPicPr>
+        <p:blipFill>
+          <a:blip r:embed="rId2" cstate="print"/>
+          <a:srcRect/>
+          <a:stretch>
+            <a:fillRect/>
+          </a:stretch>
+        </p:blipFill>
+        <p:spPr bwMode="auto">
+          <a:xfrm>
+            <a:off x="3059832" y="2204864"/>
+            <a:ext cx="1384935" cy="1384935"/>
+          </a:xfrm>
+          <a:prstGeom prst="rect">
+            <a:avLst/>
+          </a:prstGeom>
+          <a:ln>
+            <a:noFill/>
+          </a:ln>
+          <a:effectLst>
+            <a:outerShdw blurRad="292100" dist="139700" dir="2700000" algn="tl" rotWithShape="0">
+              <a:srgbClr val="333333">
+                <a:alpha val="65000"/>
+              </a:srgbClr>
+            </a:outerShdw>
+          </a:effectLst>
+        </p:spPr>
+      </p:pic>
+      <p:sp>
+        <p:nvSpPr>
+          <p:cNvPr id="7" name="Rectangle 2"/>
+          <p:cNvSpPr>
+            <a:spLocks noChangeArrowheads="1"/>
+          </p:cNvSpPr>
+          <p:nvPr/>
+        </p:nvSpPr>
+        <p:spPr bwMode="auto">
+          <a:xfrm>
+            <a:off x="1054211" y="3893195"/>
+            <a:ext cx="6336703" cy="2304255"/>
+          </a:xfrm>
+          <a:prstGeom prst="rect">
+            <a:avLst/>
+          </a:prstGeom>
+          <a:gradFill rotWithShape="0">
+            <a:gsLst>
+              <a:gs pos="0">
+                <a:srgbClr val="FFFFFF"/>
+              </a:gs>
+              <a:gs pos="100000">
+                <a:srgbClr val="B8CCE4"/>
+              </a:gs>
+            </a:gsLst>
+            <a:lin ang="5400000" scaled="1"/>
+          </a:gradFill>
+          <a:ln w="12700">
+            <a:solidFill>
+              <a:srgbClr val="95B3D7"/>
+            </a:solidFill>
+            <a:miter lim="800000"/>
+            <a:headEnd/>
+            <a:tailEnd/>
+          </a:ln>
+          <a:effectLst>
+            <a:outerShdw dist="28398" dir="3806097" algn="ctr" rotWithShape="0">
+              <a:srgbClr val="243F60">
+                <a:alpha val="50000"/>
+              </a:srgbClr>
+            </a:outerShdw>
+          </a:effectLst>
+        </p:spPr>
+        <p:txBody>
+          <a:bodyPr vert="horz" wrap="square" lIns="91440" tIns="45720" rIns="91440" bIns="45720" numCol="1" anchor="t" anchorCtr="0" compatLnSpc="1">
+            <a:prstTxWarp prst="textNoShape">
+              <a:avLst/>
+            </a:prstTxWarp>
+          </a:bodyPr>
+          <a:lstStyle/>
+          <a:p>
+            <a:r>
+              <a:rPr lang="en-US" sz="1100" dirty="0"/>
+              <a:t> </a:t>
+            </a:r>
+          </a:p>
+          <a:p>
+            <a:r>
+              <a:rPr lang="en-US" sz="1100" dirty="0"/>
+              <a:t>  </a:t>
+            </a:r>
+          </a:p>
+          <a:p>
+            <a:r>
+              <a:rPr lang="fr-FR" sz="1100" dirty="0"/>
+              <a:t> </a:t>
+            </a:r>
+            <a:r>
+              <a:rPr lang="en-US" dirty="0"/>
+              <a:t> </a:t>
+            </a:r>
+          </a:p>
+          <a:p>
+            <a:r>
+              <a:rPr lang="en-US" dirty="0"/>
+              <a:t>  </a:t>
+            </a:r>
+          </a:p>
+          <a:p>
+            <a:r>
+              <a:rPr lang="fr-FR" dirty="0"/>
+              <a:t> </a:t>
+            </a:r>
+            <a:endParaRPr kumimoji="0" lang="en-US" sz="1800" b="0" i="0" u="none" strike="noStrike" cap="none" normalizeH="0" baseline="0" dirty="0" smtClean="0">
+              <a:ln>
+                <a:noFill/>
+              </a:ln>
+              <a:solidFill>
+                <a:schemeClr val="tx1"/>
+              </a:solidFill>
+              <a:effectLst/>
+              <a:latin typeface="Arial" pitchFamily="34" charset="0"/>
+              <a:cs typeface="Arial" pitchFamily="34" charset="0"/>
+            </a:endParaRPr>
+          </a:p>
+        </p:txBody>
+      </p:sp>
+      <p:pic>
+        <p:nvPicPr>
+          <p:cNvPr id="8" name="rg_hi" descr="https://encrypted-tbn2.gstatic.com/images?q=tbn:ANd9GcRbcpHVE9uQNgCEK5cS_F004YaAcTsz0_RJGilyINBSb2w1KSqwOg"/>
+          <p:cNvPicPr/>
+          <p:nvPr/>
+        </p:nvPicPr>
+        <p:blipFill>
+          <a:blip r:embed="rId3"/>
+          <a:srcRect/>
+          <a:stretch>
+            <a:fillRect/>
+          </a:stretch>
+        </p:blipFill>
+        <p:spPr bwMode="auto">
+          <a:xfrm>
+            <a:off x="5551388" y="5248292"/>
+            <a:ext cx="973455" cy="657860"/>
+          </a:xfrm>
+          <a:prstGeom prst="rect">
+            <a:avLst/>
+          </a:prstGeom>
+          <a:solidFill>
+            <a:srgbClr val="FFFFFF">
+              <a:shade val="85000"/>
+            </a:srgbClr>
+          </a:solidFill>
+          <a:ln w="88900" cap="sq">
+            <a:solidFill>
+              <a:srgbClr val="FFFFFF"/>
+            </a:solidFill>
+            <a:miter lim="800000"/>
+          </a:ln>
+          <a:effectLst>
+            <a:outerShdw blurRad="55000" dist="18000" dir="5400000" algn="tl" rotWithShape="0">
+              <a:srgbClr val="000000">
+                <a:alpha val="40000"/>
+              </a:srgbClr>
+            </a:outerShdw>
+          </a:effectLst>
+          <a:scene3d>
+            <a:camera prst="orthographicFront"/>
+            <a:lightRig rig="twoPt" dir="t">
+              <a:rot lat="0" lon="0" rev="7200000"/>
+            </a:lightRig>
+          </a:scene3d>
+          <a:sp3d>
+            <a:bevelT w="25400" h="19050"/>
+            <a:contourClr>
+              <a:srgbClr val="FFFFFF"/>
+            </a:contourClr>
+          </a:sp3d>
+        </p:spPr>
+      </p:pic>
+      <p:pic>
+        <p:nvPicPr>
+          <p:cNvPr id="9" name="rg_hi" descr="https://encrypted-tbn2.gstatic.com/images?q=tbn:ANd9GcT13Ne-JLAXk2zePHxVYUSFm0ICRrMkYTdl_2u_1V9yBjptBwk"/>
+          <p:cNvPicPr/>
+          <p:nvPr/>
+        </p:nvPicPr>
+        <p:blipFill>
+          <a:blip r:embed="rId4"/>
+          <a:srcRect/>
+          <a:stretch>
+            <a:fillRect/>
+          </a:stretch>
+        </p:blipFill>
+        <p:spPr bwMode="auto">
+          <a:xfrm>
+            <a:off x="2677047" y="5250034"/>
+            <a:ext cx="1116965" cy="765810"/>
+          </a:xfrm>
+          <a:prstGeom prst="rect">
+            <a:avLst/>
+          </a:prstGeom>
+          <a:solidFill>
+            <a:srgbClr val="FFFFFF">
+              <a:shade val="85000"/>
+            </a:srgbClr>
+          </a:solidFill>
+          <a:ln w="88900" cap="sq">
+            <a:solidFill>
+              <a:srgbClr val="FFFFFF"/>
+            </a:solidFill>
+            <a:miter lim="800000"/>
+          </a:ln>
+          <a:effectLst>
+            <a:outerShdw blurRad="55000" dist="18000" dir="5400000" algn="tl" rotWithShape="0">
+              <a:srgbClr val="000000">
+                <a:alpha val="40000"/>
+              </a:srgbClr>
+            </a:outerShdw>
+          </a:effectLst>
+          <a:scene3d>
+            <a:camera prst="orthographicFront"/>
+            <a:lightRig rig="twoPt" dir="t">
+              <a:rot lat="0" lon="0" rev="7200000"/>
+            </a:lightRig>
+          </a:scene3d>
+          <a:sp3d>
+            <a:bevelT w="25400" h="19050"/>
+            <a:contourClr>
+              <a:srgbClr val="FFFFFF"/>
+            </a:contourClr>
+          </a:sp3d>
+        </p:spPr>
+      </p:pic>
+      <p:pic>
+        <p:nvPicPr>
+          <p:cNvPr id="10" name="rg_hi" descr="https://encrypted-tbn1.gstatic.com/images?q=tbn:ANd9GcSicn6oNgrWFNnlkTE7ExxYCEAaQsEKuOdjAmGCaunMAosf4laK"/>
+          <p:cNvPicPr/>
+          <p:nvPr/>
+        </p:nvPicPr>
+        <p:blipFill>
+          <a:blip r:embed="rId5"/>
+          <a:srcRect/>
+          <a:stretch>
+            <a:fillRect/>
+          </a:stretch>
+        </p:blipFill>
+        <p:spPr bwMode="auto">
+          <a:xfrm>
+            <a:off x="5336441" y="4167689"/>
+            <a:ext cx="701675" cy="701675"/>
+          </a:xfrm>
+          <a:prstGeom prst="rect">
+            <a:avLst/>
+          </a:prstGeom>
+          <a:solidFill>
+            <a:srgbClr val="FFFFFF">
+              <a:shade val="85000"/>
+            </a:srgbClr>
+          </a:solidFill>
+          <a:ln w="88900" cap="sq">
+            <a:solidFill>
+              <a:srgbClr val="FFFFFF"/>
+            </a:solidFill>
+            <a:miter lim="800000"/>
+          </a:ln>
+          <a:effectLst>
+            <a:outerShdw blurRad="55000" dist="18000" dir="5400000" algn="tl" rotWithShape="0">
+              <a:srgbClr val="000000">
+                <a:alpha val="40000"/>
+              </a:srgbClr>
+            </a:outerShdw>
+          </a:effectLst>
+          <a:scene3d>
+            <a:camera prst="orthographicFront"/>
+            <a:lightRig rig="twoPt" dir="t">
+              <a:rot lat="0" lon="0" rev="7200000"/>
+            </a:lightRig>
+          </a:scene3d>
+          <a:sp3d>
+            <a:bevelT w="25400" h="19050"/>
+            <a:contourClr>
+              <a:srgbClr val="FFFFFF"/>
+            </a:contourClr>
+          </a:sp3d>
+        </p:spPr>
+      </p:pic>
+      <p:pic>
+        <p:nvPicPr>
+          <p:cNvPr id="11" name="rg_hi" descr="https://encrypted-tbn3.gstatic.com/images?q=tbn:ANd9GcS2ZyZHttOkQ2xBC09AXUb7keHv8Z53WsziBofMj9F8bRfkOCftEA"/>
+          <p:cNvPicPr/>
+          <p:nvPr/>
+        </p:nvPicPr>
+        <p:blipFill>
+          <a:blip r:embed="rId6"/>
+          <a:srcRect/>
+          <a:stretch>
+            <a:fillRect/>
+          </a:stretch>
+        </p:blipFill>
+        <p:spPr bwMode="auto">
+          <a:xfrm>
+            <a:off x="3524575" y="4218807"/>
+            <a:ext cx="624840" cy="599440"/>
+          </a:xfrm>
+          <a:prstGeom prst="rect">
+            <a:avLst/>
+          </a:prstGeom>
+          <a:solidFill>
+            <a:srgbClr val="FFFFFF">
+              <a:shade val="85000"/>
+            </a:srgbClr>
+          </a:solidFill>
+          <a:ln w="88900" cap="sq">
+            <a:solidFill>
+              <a:srgbClr val="FFFFFF"/>
+            </a:solidFill>
+            <a:miter lim="800000"/>
+          </a:ln>
+          <a:effectLst>
+            <a:outerShdw blurRad="55000" dist="18000" dir="5400000" algn="tl" rotWithShape="0">
+              <a:srgbClr val="000000">
+                <a:alpha val="40000"/>
+              </a:srgbClr>
+            </a:outerShdw>
+          </a:effectLst>
+          <a:scene3d>
+            <a:camera prst="orthographicFront"/>
+            <a:lightRig rig="twoPt" dir="t">
+              <a:rot lat="0" lon="0" rev="7200000"/>
+            </a:lightRig>
+          </a:scene3d>
+          <a:sp3d>
+            <a:bevelT w="25400" h="19050"/>
+            <a:contourClr>
+              <a:srgbClr val="FFFFFF"/>
+            </a:contourClr>
+          </a:sp3d>
+        </p:spPr>
+      </p:pic>
+      <p:pic>
+        <p:nvPicPr>
+          <p:cNvPr id="12" name="rg_hi" descr="https://encrypted-tbn3.gstatic.com/images?q=tbn:ANd9GcT691WRFGIBj3QvgAl_uKpTjN3kGB4XRu2YGOHeASQx3l2N6GH7jg"/>
+          <p:cNvPicPr/>
+          <p:nvPr/>
+        </p:nvPicPr>
+        <p:blipFill>
+          <a:blip r:embed="rId7"/>
+          <a:srcRect/>
+          <a:stretch>
+            <a:fillRect/>
+          </a:stretch>
+        </p:blipFill>
+        <p:spPr bwMode="auto">
+          <a:xfrm>
+            <a:off x="1835696" y="4321165"/>
+            <a:ext cx="529590" cy="529590"/>
+          </a:xfrm>
+          <a:prstGeom prst="rect">
+            <a:avLst/>
+          </a:prstGeom>
+          <a:solidFill>
+            <a:srgbClr val="FFFFFF">
+              <a:shade val="85000"/>
+            </a:srgbClr>
+          </a:solidFill>
+          <a:ln w="88900" cap="sq">
+            <a:solidFill>
+              <a:srgbClr val="FFFFFF"/>
+            </a:solidFill>
+            <a:miter lim="800000"/>
+          </a:ln>
+          <a:effectLst>
+            <a:outerShdw blurRad="55000" dist="18000" dir="5400000" algn="tl" rotWithShape="0">
+              <a:srgbClr val="000000">
+                <a:alpha val="40000"/>
+              </a:srgbClr>
+            </a:outerShdw>
+          </a:effectLst>
+          <a:scene3d>
+            <a:camera prst="orthographicFront"/>
+            <a:lightRig rig="twoPt" dir="t">
+              <a:rot lat="0" lon="0" rev="7200000"/>
+            </a:lightRig>
+          </a:scene3d>
+          <a:sp3d>
+            <a:bevelT w="25400" h="19050"/>
+            <a:contourClr>
+              <a:srgbClr val="FFFFFF"/>
+            </a:contourClr>
+          </a:sp3d>
+        </p:spPr>
+      </p:pic>
+      <p:sp>
+        <p:nvSpPr>
+          <p:cNvPr id="13" name="AutoShape 3"/>
+          <p:cNvSpPr>
+            <a:spLocks noChangeArrowheads="1"/>
+          </p:cNvSpPr>
+          <p:nvPr/>
+        </p:nvSpPr>
+        <p:spPr bwMode="auto">
+          <a:xfrm>
+            <a:off x="3942799" y="2799492"/>
+            <a:ext cx="1301750" cy="263525"/>
+          </a:xfrm>
+          <a:prstGeom prst="leftArrow">
+            <a:avLst>
+              <a:gd name="adj1" fmla="val 50000"/>
+              <a:gd name="adj2" fmla="val 123494"/>
+            </a:avLst>
+          </a:prstGeom>
+          <a:gradFill rotWithShape="0">
+            <a:gsLst>
+              <a:gs pos="0">
+                <a:srgbClr val="95B3D7"/>
+              </a:gs>
+              <a:gs pos="50000">
+                <a:srgbClr val="4F81BD"/>
+              </a:gs>
+              <a:gs pos="100000">
+                <a:srgbClr val="95B3D7"/>
+              </a:gs>
+            </a:gsLst>
+            <a:lin ang="5400000" scaled="1"/>
+          </a:gradFill>
+          <a:ln w="12700">
+            <a:solidFill>
+              <a:srgbClr val="4F81BD"/>
+            </a:solidFill>
+            <a:miter lim="800000"/>
+            <a:headEnd/>
+            <a:tailEnd/>
+          </a:ln>
+          <a:effectLst>
+            <a:outerShdw dist="28398" dir="3806097" algn="ctr" rotWithShape="0">
+              <a:srgbClr val="243F60"/>
+            </a:outerShdw>
+          </a:effectLst>
+        </p:spPr>
+        <p:txBody>
+          <a:bodyPr vert="horz" wrap="square" lIns="91440" tIns="45720" rIns="91440" bIns="45720" numCol="1" anchor="t" anchorCtr="0" compatLnSpc="1">
+            <a:prstTxWarp prst="textNoShape">
+              <a:avLst/>
+            </a:prstTxWarp>
+          </a:bodyPr>
+          <a:lstStyle/>
+          <a:p>
             <a:endParaRPr lang="en-US"/>
           </a:p>
         </p:txBody>
       </p:sp>
       <p:sp>
         <p:nvSpPr>
-          <p:cNvPr id="3" name="Espace réservé du contenu 2"/>
-          <p:cNvSpPr>
-            <a:spLocks noGrp="1"/>
-          </p:cNvSpPr>
-          <p:nvPr>
-            <p:ph idx="1"/>
-          </p:nvPr>
-        </p:nvSpPr>
-        <p:spPr/>
-        <p:txBody>
-          <a:bodyPr/>
+          <p:cNvPr id="14" name="AutoShape 4"/>
+          <p:cNvSpPr>
+            <a:spLocks noChangeArrowheads="1"/>
+          </p:cNvSpPr>
+          <p:nvPr/>
+        </p:nvSpPr>
+        <p:spPr bwMode="auto">
+          <a:xfrm>
+            <a:off x="4352374" y="2329592"/>
+            <a:ext cx="1301750" cy="263525"/>
+          </a:xfrm>
+          <a:prstGeom prst="leftArrow">
+            <a:avLst>
+              <a:gd name="adj1" fmla="val 50000"/>
+              <a:gd name="adj2" fmla="val 123494"/>
+            </a:avLst>
+          </a:prstGeom>
+          <a:gradFill rotWithShape="0">
+            <a:gsLst>
+              <a:gs pos="0">
+                <a:srgbClr val="95B3D7"/>
+              </a:gs>
+              <a:gs pos="50000">
+                <a:srgbClr val="4F81BD"/>
+              </a:gs>
+              <a:gs pos="100000">
+                <a:srgbClr val="95B3D7"/>
+              </a:gs>
+            </a:gsLst>
+            <a:lin ang="5400000" scaled="1"/>
+          </a:gradFill>
+          <a:ln w="12700">
+            <a:solidFill>
+              <a:srgbClr val="4F81BD"/>
+            </a:solidFill>
+            <a:miter lim="800000"/>
+            <a:headEnd/>
+            <a:tailEnd/>
+          </a:ln>
+          <a:effectLst>
+            <a:outerShdw dist="28398" dir="3806097" algn="ctr" rotWithShape="0">
+              <a:srgbClr val="243F60"/>
+            </a:outerShdw>
+          </a:effectLst>
+        </p:spPr>
+        <p:txBody>
+          <a:bodyPr vert="horz" wrap="square" lIns="91440" tIns="45720" rIns="91440" bIns="45720" numCol="1" anchor="t" anchorCtr="0" compatLnSpc="1">
+            <a:prstTxWarp prst="textNoShape">
+              <a:avLst/>
+            </a:prstTxWarp>
+          </a:bodyPr>
           <a:lstStyle/>
           <a:p>
-            <a:endParaRPr lang="en-US" smtClean="0"/>
-          </a:p>
-          <a:p>
-            <a:r>
-              <a:rPr lang="en-US" smtClean="0"/>
-              <a:t>Prior art search </a:t>
-            </a:r>
-            <a:r>
-              <a:rPr lang="en-US" smtClean="0"/>
-              <a:t>(</a:t>
-            </a:r>
-            <a:r>
-              <a:rPr lang="en-US" smtClean="0"/>
-              <a:t>recherche </a:t>
-            </a:r>
-            <a:r>
-              <a:rPr lang="en-US" smtClean="0"/>
-              <a:t>d’antériorité)</a:t>
-            </a:r>
-            <a:endParaRPr lang="en-US" smtClean="0"/>
-          </a:p>
-          <a:p>
-            <a:pPr>
-              <a:buNone/>
-            </a:pPr>
-            <a:endParaRPr lang="en-US" smtClean="0"/>
-          </a:p>
-          <a:p>
-            <a:r>
-              <a:rPr lang="en-US" smtClean="0"/>
-              <a:t>State of the market </a:t>
-            </a:r>
-            <a:r>
-              <a:rPr lang="en-US" smtClean="0"/>
-              <a:t>(</a:t>
-            </a:r>
-            <a:r>
-              <a:rPr lang="en-US" smtClean="0"/>
-              <a:t>Prices and </a:t>
-            </a:r>
-            <a:r>
-              <a:rPr lang="en-US" smtClean="0"/>
-              <a:t>competition)</a:t>
-            </a:r>
-            <a:endParaRPr lang="en-US" smtClean="0"/>
-          </a:p>
-          <a:p>
-            <a:endParaRPr lang="en-US" smtClean="0"/>
-          </a:p>
-          <a:p>
-            <a:r>
-              <a:rPr lang="en-US" smtClean="0"/>
-              <a:t>Potential </a:t>
-            </a:r>
-            <a:r>
-              <a:rPr lang="en-US" smtClean="0"/>
-              <a:t>buyer</a:t>
-            </a:r>
-            <a:endParaRPr lang="en-US" smtClean="0"/>
-          </a:p>
-        </p:txBody>
-      </p:sp>
-      <p:sp>
-        <p:nvSpPr>
-          <p:cNvPr id="4" name="Espace réservé du numéro de diapositive 3"/>
-          <p:cNvSpPr>
-            <a:spLocks noGrp="1"/>
-          </p:cNvSpPr>
-          <p:nvPr>
-            <p:ph type="sldNum" sz="quarter" idx="12"/>
-          </p:nvPr>
-        </p:nvSpPr>
-        <p:spPr/>
-        <p:txBody>
-          <a:bodyPr/>
+            <a:endParaRPr lang="en-US"/>
+          </a:p>
+        </p:txBody>
+      </p:sp>
+      <p:sp>
+        <p:nvSpPr>
+          <p:cNvPr id="29" name="ZoneTexte 28"/>
+          <p:cNvSpPr txBox="1"/>
+          <p:nvPr/>
+        </p:nvSpPr>
+        <p:spPr>
+          <a:xfrm>
+            <a:off x="5687279" y="2276688"/>
+            <a:ext cx="1512168" cy="369332"/>
+          </a:xfrm>
+          <a:prstGeom prst="rect">
+            <a:avLst/>
+          </a:prstGeom>
+        </p:spPr>
+        <p:style>
+          <a:lnRef idx="1">
+            <a:schemeClr val="accent1"/>
+          </a:lnRef>
+          <a:fillRef idx="2">
+            <a:schemeClr val="accent1"/>
+          </a:fillRef>
+          <a:effectRef idx="1">
+            <a:schemeClr val="accent1"/>
+          </a:effectRef>
+          <a:fontRef idx="minor">
+            <a:schemeClr val="dk1"/>
+          </a:fontRef>
+        </p:style>
+        <p:txBody>
+          <a:bodyPr wrap="square" rtlCol="0">
+            <a:spAutoFit/>
+          </a:bodyPr>
           <a:lstStyle/>
           <a:p>
-            <a:fld id="{CF4668DC-857F-487D-BFFA-8C0CA5037977}" type="slidenum">
-              <a:rPr lang="en-US" smtClean="0"/>
-              <a:pPr/>
-              <a:t>5</a:t>
-            </a:fld>
-            <a:endParaRPr lang="en-US"/>
+            <a:r>
+              <a:rPr lang="en-US" dirty="0" smtClean="0"/>
+              <a:t>Antenna</a:t>
+            </a:r>
+            <a:endParaRPr lang="en-US" dirty="0"/>
+          </a:p>
+        </p:txBody>
+      </p:sp>
+      <p:sp>
+        <p:nvSpPr>
+          <p:cNvPr id="30" name="ZoneTexte 29"/>
+          <p:cNvSpPr txBox="1"/>
+          <p:nvPr/>
+        </p:nvSpPr>
+        <p:spPr>
+          <a:xfrm>
+            <a:off x="5244549" y="2746588"/>
+            <a:ext cx="1512168" cy="369332"/>
+          </a:xfrm>
+          <a:prstGeom prst="rect">
+            <a:avLst/>
+          </a:prstGeom>
+        </p:spPr>
+        <p:style>
+          <a:lnRef idx="1">
+            <a:schemeClr val="accent1"/>
+          </a:lnRef>
+          <a:fillRef idx="2">
+            <a:schemeClr val="accent1"/>
+          </a:fillRef>
+          <a:effectRef idx="1">
+            <a:schemeClr val="accent1"/>
+          </a:effectRef>
+          <a:fontRef idx="minor">
+            <a:schemeClr val="dk1"/>
+          </a:fontRef>
+        </p:style>
+        <p:txBody>
+          <a:bodyPr wrap="square" rtlCol="0">
+            <a:spAutoFit/>
+          </a:bodyPr>
+          <a:lstStyle/>
+          <a:p>
+            <a:r>
+              <a:rPr lang="en-US" dirty="0" smtClean="0"/>
+              <a:t>Circuitry</a:t>
+            </a:r>
+            <a:endParaRPr lang="en-US" dirty="0"/>
           </a:p>
         </p:txBody>
       </p:sp>
     </p:spTree>
+    <p:extLst>
+      <p:ext uri="{BB962C8B-B14F-4D97-AF65-F5344CB8AC3E}">
+        <p14:creationId xmlns:p14="http://schemas.microsoft.com/office/powerpoint/2010/main" val="2799150126"/>
+      </p:ext>
+    </p:extLst>
   </p:cSld>
   <p:clrMapOvr>
     <a:masterClrMapping/>
   </p:clrMapOvr>
+  <p:timing>
+    <p:tnLst>
+      <p:par>
+        <p:cTn id="1" dur="indefinite" restart="never" nodeType="tmRoot"/>
+      </p:par>
+    </p:tnLst>
+  </p:timing>
 </p:sld>
 </file>
 
@@ -5590,112 +9269,14 @@
           <a:lstStyle/>
           <a:p>
             <a:r>
-              <a:rPr lang="en-US" smtClean="0"/>
-              <a:t>Functional</a:t>
-            </a:r>
-            <a:r>
-              <a:rPr lang="en-US" smtClean="0"/>
-              <a:t> </a:t>
-            </a:r>
-            <a:r>
-              <a:rPr lang="en-US" smtClean="0"/>
-              <a:t>requirements</a:t>
-            </a:r>
-            <a:endParaRPr lang="en-US"/>
-          </a:p>
-        </p:txBody>
-      </p:sp>
-      <p:sp>
-        <p:nvSpPr>
-          <p:cNvPr id="3" name="Espace réservé du contenu 2"/>
-          <p:cNvSpPr>
-            <a:spLocks noGrp="1"/>
-          </p:cNvSpPr>
-          <p:nvPr>
-            <p:ph idx="1"/>
-          </p:nvPr>
-        </p:nvSpPr>
-        <p:spPr/>
-        <p:txBody>
-          <a:bodyPr/>
-          <a:lstStyle/>
-          <a:p>
-            <a:r>
-              <a:rPr lang="en-US" smtClean="0"/>
-              <a:t>Description:</a:t>
-            </a:r>
-          </a:p>
-          <a:p>
-            <a:pPr lvl="1"/>
-            <a:r>
-              <a:rPr lang="en-US" smtClean="0"/>
-              <a:t>Overview</a:t>
-            </a:r>
-            <a:endParaRPr lang="en-US" smtClean="0"/>
-          </a:p>
-          <a:p>
-            <a:pPr lvl="1"/>
-            <a:r>
-              <a:rPr lang="en-US" smtClean="0"/>
-              <a:t>Detailed </a:t>
-            </a:r>
-            <a:r>
-              <a:rPr lang="en-US" smtClean="0"/>
-              <a:t>functionalities:</a:t>
-            </a:r>
-            <a:endParaRPr lang="en-US" smtClean="0"/>
-          </a:p>
-          <a:p>
-            <a:pPr lvl="2"/>
-            <a:r>
-              <a:rPr lang="en-US" smtClean="0"/>
-              <a:t>Siging </a:t>
-            </a:r>
-            <a:r>
-              <a:rPr lang="en-US" smtClean="0"/>
-              <a:t>in</a:t>
-            </a:r>
-            <a:endParaRPr lang="en-US" smtClean="0"/>
-          </a:p>
-          <a:p>
-            <a:pPr lvl="2"/>
-            <a:r>
-              <a:rPr lang="en-US" smtClean="0"/>
-              <a:t>Beginning</a:t>
-            </a:r>
-            <a:endParaRPr lang="en-US" smtClean="0"/>
-          </a:p>
-          <a:p>
-            <a:pPr lvl="2"/>
-            <a:r>
-              <a:rPr lang="en-US" smtClean="0"/>
-              <a:t>Scanning</a:t>
-            </a:r>
-            <a:endParaRPr lang="en-US" smtClean="0"/>
-          </a:p>
-          <a:p>
-            <a:pPr lvl="2"/>
-            <a:r>
-              <a:rPr lang="en-US" smtClean="0"/>
-              <a:t>Playing</a:t>
-            </a:r>
-            <a:endParaRPr lang="en-US" smtClean="0"/>
-          </a:p>
-          <a:p>
-            <a:pPr lvl="2"/>
-            <a:r>
-              <a:rPr lang="en-US" smtClean="0"/>
-              <a:t>Ending</a:t>
-            </a:r>
-            <a:endParaRPr lang="en-US" smtClean="0"/>
-          </a:p>
-          <a:p>
-            <a:pPr lvl="2"/>
-            <a:r>
-              <a:rPr lang="en-US" smtClean="0"/>
-              <a:t>History </a:t>
-            </a:r>
-            <a:endParaRPr lang="en-US"/>
+              <a:rPr lang="en-US" dirty="0" smtClean="0"/>
+              <a:t>State </a:t>
+            </a:r>
+            <a:r>
+              <a:rPr lang="en-US" dirty="0" smtClean="0"/>
+              <a:t>Of The Art</a:t>
+            </a:r>
+            <a:endParaRPr lang="en-US" dirty="0"/>
           </a:p>
         </p:txBody>
       </p:sp>
@@ -5723,11 +9304,527 @@
           </a:p>
         </p:txBody>
       </p:sp>
+      <p:pic>
+        <p:nvPicPr>
+          <p:cNvPr id="5" name="Image 4" descr="http://www.rfidjournal.com/ezimagecatalogue/catalogue/phpTUVW5B.jpg"/>
+          <p:cNvPicPr/>
+          <p:nvPr/>
+        </p:nvPicPr>
+        <p:blipFill>
+          <a:blip r:embed="rId2" cstate="print"/>
+          <a:srcRect/>
+          <a:stretch>
+            <a:fillRect/>
+          </a:stretch>
+        </p:blipFill>
+        <p:spPr bwMode="auto">
+          <a:xfrm>
+            <a:off x="2987824" y="2204864"/>
+            <a:ext cx="2855595" cy="1701800"/>
+          </a:xfrm>
+          <a:prstGeom prst="rect">
+            <a:avLst/>
+          </a:prstGeom>
+          <a:noFill/>
+          <a:ln w="9525">
+            <a:noFill/>
+            <a:miter lim="800000"/>
+            <a:headEnd/>
+            <a:tailEnd/>
+          </a:ln>
+          <a:effectLst>
+            <a:outerShdw blurRad="149987" dist="250190" dir="8460000" algn="ctr">
+              <a:srgbClr val="000000">
+                <a:alpha val="28000"/>
+              </a:srgbClr>
+            </a:outerShdw>
+          </a:effectLst>
+          <a:scene3d>
+            <a:camera prst="orthographicFront">
+              <a:rot lat="0" lon="0" rev="0"/>
+            </a:camera>
+            <a:lightRig rig="contrasting" dir="t">
+              <a:rot lat="0" lon="0" rev="1500000"/>
+            </a:lightRig>
+          </a:scene3d>
+          <a:sp3d prstMaterial="metal">
+            <a:bevelT w="88900" h="88900"/>
+          </a:sp3d>
+        </p:spPr>
+      </p:pic>
+      <p:sp>
+        <p:nvSpPr>
+          <p:cNvPr id="7" name="Text Box 4"/>
+          <p:cNvSpPr txBox="1">
+            <a:spLocks noChangeArrowheads="1"/>
+          </p:cNvSpPr>
+          <p:nvPr/>
+        </p:nvSpPr>
+        <p:spPr bwMode="auto">
+          <a:xfrm>
+            <a:off x="1259632" y="2366962"/>
+            <a:ext cx="1228725" cy="693737"/>
+          </a:xfrm>
+          <a:prstGeom prst="rect">
+            <a:avLst/>
+          </a:prstGeom>
+          <a:gradFill rotWithShape="0">
+            <a:gsLst>
+              <a:gs pos="0">
+                <a:srgbClr val="FFFFFF"/>
+              </a:gs>
+              <a:gs pos="100000">
+                <a:srgbClr val="B8CCE4"/>
+              </a:gs>
+            </a:gsLst>
+            <a:lin ang="5400000" scaled="1"/>
+          </a:gradFill>
+          <a:ln w="12700">
+            <a:solidFill>
+              <a:srgbClr val="95B3D7"/>
+            </a:solidFill>
+            <a:miter lim="800000"/>
+            <a:headEnd/>
+            <a:tailEnd/>
+          </a:ln>
+          <a:effectLst>
+            <a:outerShdw dist="28398" dir="3806097" algn="ctr" rotWithShape="0">
+              <a:srgbClr val="243F60">
+                <a:alpha val="50000"/>
+              </a:srgbClr>
+            </a:outerShdw>
+          </a:effectLst>
+        </p:spPr>
+        <p:txBody>
+          <a:bodyPr vert="horz" wrap="square" lIns="91440" tIns="45720" rIns="91440" bIns="45720" numCol="1" anchor="t" anchorCtr="0" compatLnSpc="1">
+            <a:prstTxWarp prst="textNoShape">
+              <a:avLst/>
+            </a:prstTxWarp>
+          </a:bodyPr>
+          <a:lstStyle/>
+          <a:p>
+            <a:pPr marL="0" marR="0" lvl="0" indent="0" algn="l" defTabSz="914400" rtl="0" eaLnBrk="1" fontAlgn="base" latinLnBrk="0" hangingPunct="1">
+              <a:lnSpc>
+                <a:spcPct val="100000"/>
+              </a:lnSpc>
+              <a:spcBef>
+                <a:spcPct val="0"/>
+              </a:spcBef>
+              <a:spcAft>
+                <a:spcPts val="1000"/>
+              </a:spcAft>
+              <a:buClrTx/>
+              <a:buSzTx/>
+              <a:buFontTx/>
+              <a:buNone/>
+              <a:tabLst/>
+            </a:pPr>
+            <a:r>
+              <a:rPr kumimoji="0" lang="en-US" sz="1100" b="0" i="0" u="none" strike="noStrike" cap="none" normalizeH="0" baseline="0" smtClean="0">
+                <a:ln>
+                  <a:noFill/>
+                </a:ln>
+                <a:solidFill>
+                  <a:schemeClr val="tx1"/>
+                </a:solidFill>
+                <a:effectLst/>
+                <a:latin typeface="Calibri" pitchFamily="34" charset="0"/>
+                <a:cs typeface="Arial" pitchFamily="34" charset="0"/>
+              </a:rPr>
+              <a:t>Every tile has a passive 13.56 MHz RFID tag</a:t>
+            </a:r>
+            <a:endParaRPr kumimoji="0" lang="en-US" sz="1800" b="0" i="0" u="none" strike="noStrike" cap="none" normalizeH="0" baseline="0" smtClean="0">
+              <a:ln>
+                <a:noFill/>
+              </a:ln>
+              <a:solidFill>
+                <a:schemeClr val="tx1"/>
+              </a:solidFill>
+              <a:effectLst/>
+              <a:latin typeface="Arial" pitchFamily="34" charset="0"/>
+              <a:cs typeface="Arial" pitchFamily="34" charset="0"/>
+            </a:endParaRPr>
+          </a:p>
+        </p:txBody>
+      </p:sp>
+      <p:cxnSp>
+        <p:nvCxnSpPr>
+          <p:cNvPr id="1029" name="AutoShape 5"/>
+          <p:cNvCxnSpPr>
+            <a:cxnSpLocks noChangeShapeType="1"/>
+          </p:cNvCxnSpPr>
+          <p:nvPr/>
+        </p:nvCxnSpPr>
+        <p:spPr bwMode="auto">
+          <a:xfrm>
+            <a:off x="2488357" y="2717799"/>
+            <a:ext cx="857250" cy="0"/>
+          </a:xfrm>
+          <a:prstGeom prst="straightConnector1">
+            <a:avLst/>
+          </a:prstGeom>
+          <a:noFill/>
+          <a:ln w="12700">
+            <a:solidFill>
+              <a:srgbClr val="4F81BD"/>
+            </a:solidFill>
+            <a:round/>
+            <a:headEnd/>
+            <a:tailEnd type="triangle" w="med" len="med"/>
+          </a:ln>
+          <a:effectLst/>
+          <a:extLst>
+            <a:ext uri="{909E8E84-426E-40DD-AFC4-6F175D3DCCD1}">
+              <a14:hiddenFill xmlns:a14="http://schemas.microsoft.com/office/drawing/2010/main">
+                <a:noFill/>
+              </a14:hiddenFill>
+            </a:ext>
+            <a:ext uri="{AF507438-7753-43E0-B8FC-AC1667EBCBE1}">
+              <a14:hiddenEffects xmlns:a14="http://schemas.microsoft.com/office/drawing/2010/main">
+                <a:effectLst>
+                  <a:outerShdw dist="28398" dir="3806097" algn="ctr" rotWithShape="0">
+                    <a:srgbClr val="243F60"/>
+                  </a:outerShdw>
+                </a:effectLst>
+              </a14:hiddenEffects>
+            </a:ext>
+          </a:extLst>
+        </p:spPr>
+      </p:cxnSp>
+      <p:sp>
+        <p:nvSpPr>
+          <p:cNvPr id="10" name="Text Box 8"/>
+          <p:cNvSpPr txBox="1">
+            <a:spLocks noChangeArrowheads="1"/>
+          </p:cNvSpPr>
+          <p:nvPr/>
+        </p:nvSpPr>
+        <p:spPr bwMode="auto">
+          <a:xfrm>
+            <a:off x="7020272" y="2323926"/>
+            <a:ext cx="1550988" cy="731838"/>
+          </a:xfrm>
+          <a:prstGeom prst="rect">
+            <a:avLst/>
+          </a:prstGeom>
+          <a:gradFill rotWithShape="0">
+            <a:gsLst>
+              <a:gs pos="0">
+                <a:srgbClr val="FFFFFF"/>
+              </a:gs>
+              <a:gs pos="100000">
+                <a:srgbClr val="B8CCE4"/>
+              </a:gs>
+            </a:gsLst>
+            <a:lin ang="5400000" scaled="1"/>
+          </a:gradFill>
+          <a:ln w="12700">
+            <a:solidFill>
+              <a:srgbClr val="95B3D7"/>
+            </a:solidFill>
+            <a:miter lim="800000"/>
+            <a:headEnd/>
+            <a:tailEnd/>
+          </a:ln>
+          <a:effectLst>
+            <a:outerShdw dist="28398" dir="3806097" algn="ctr" rotWithShape="0">
+              <a:srgbClr val="243F60">
+                <a:alpha val="50000"/>
+              </a:srgbClr>
+            </a:outerShdw>
+          </a:effectLst>
+        </p:spPr>
+        <p:txBody>
+          <a:bodyPr vert="horz" wrap="square" lIns="91440" tIns="45720" rIns="91440" bIns="45720" numCol="1" anchor="t" anchorCtr="0" compatLnSpc="1">
+            <a:prstTxWarp prst="textNoShape">
+              <a:avLst/>
+            </a:prstTxWarp>
+          </a:bodyPr>
+          <a:lstStyle/>
+          <a:p>
+            <a:pPr marL="0" marR="0" lvl="0" indent="0" algn="l" defTabSz="914400" rtl="0" eaLnBrk="1" fontAlgn="base" latinLnBrk="0" hangingPunct="1">
+              <a:lnSpc>
+                <a:spcPct val="100000"/>
+              </a:lnSpc>
+              <a:spcBef>
+                <a:spcPct val="0"/>
+              </a:spcBef>
+              <a:spcAft>
+                <a:spcPts val="1000"/>
+              </a:spcAft>
+              <a:buClrTx/>
+              <a:buSzTx/>
+              <a:buFontTx/>
+              <a:buNone/>
+              <a:tabLst/>
+            </a:pPr>
+            <a:r>
+              <a:rPr kumimoji="0" lang="en-US" sz="1100" b="0" i="0" u="none" strike="noStrike" cap="none" normalizeH="0" baseline="0" smtClean="0">
+                <a:ln>
+                  <a:noFill/>
+                </a:ln>
+                <a:solidFill>
+                  <a:schemeClr val="tx1"/>
+                </a:solidFill>
+                <a:effectLst/>
+                <a:latin typeface="Calibri" pitchFamily="34" charset="0"/>
+                <a:cs typeface="Arial" pitchFamily="34" charset="0"/>
+              </a:rPr>
+              <a:t>225 squares, under each of which there is a single antenna</a:t>
+            </a:r>
+            <a:endParaRPr kumimoji="0" lang="en-US" sz="1800" b="0" i="0" u="none" strike="noStrike" cap="none" normalizeH="0" baseline="0" smtClean="0">
+              <a:ln>
+                <a:noFill/>
+              </a:ln>
+              <a:solidFill>
+                <a:schemeClr val="tx1"/>
+              </a:solidFill>
+              <a:effectLst/>
+              <a:latin typeface="Arial" pitchFamily="34" charset="0"/>
+              <a:cs typeface="Arial" pitchFamily="34" charset="0"/>
+            </a:endParaRPr>
+          </a:p>
+        </p:txBody>
+      </p:sp>
+      <p:cxnSp>
+        <p:nvCxnSpPr>
+          <p:cNvPr id="1033" name="AutoShape 9"/>
+          <p:cNvCxnSpPr>
+            <a:cxnSpLocks noChangeShapeType="1"/>
+          </p:cNvCxnSpPr>
+          <p:nvPr/>
+        </p:nvCxnSpPr>
+        <p:spPr bwMode="auto">
+          <a:xfrm flipH="1">
+            <a:off x="5564535" y="2660476"/>
+            <a:ext cx="1455737" cy="44450"/>
+          </a:xfrm>
+          <a:prstGeom prst="straightConnector1">
+            <a:avLst/>
+          </a:prstGeom>
+          <a:noFill/>
+          <a:ln w="12700">
+            <a:solidFill>
+              <a:srgbClr val="4F81BD"/>
+            </a:solidFill>
+            <a:round/>
+            <a:headEnd/>
+            <a:tailEnd type="triangle" w="med" len="med"/>
+          </a:ln>
+          <a:effectLst/>
+          <a:extLst>
+            <a:ext uri="{909E8E84-426E-40DD-AFC4-6F175D3DCCD1}">
+              <a14:hiddenFill xmlns:a14="http://schemas.microsoft.com/office/drawing/2010/main">
+                <a:noFill/>
+              </a14:hiddenFill>
+            </a:ext>
+            <a:ext uri="{AF507438-7753-43E0-B8FC-AC1667EBCBE1}">
+              <a14:hiddenEffects xmlns:a14="http://schemas.microsoft.com/office/drawing/2010/main">
+                <a:effectLst>
+                  <a:outerShdw dist="28398" dir="3806097" algn="ctr" rotWithShape="0">
+                    <a:srgbClr val="243F60"/>
+                  </a:outerShdw>
+                </a:effectLst>
+              </a14:hiddenEffects>
+            </a:ext>
+          </a:extLst>
+        </p:spPr>
+      </p:cxnSp>
+      <p:pic>
+        <p:nvPicPr>
+          <p:cNvPr id="14" name="Image 13" descr="http://www.rfidjournal.com/ezimagecatalogue/catalogue/phpQTwihI.jpg"/>
+          <p:cNvPicPr/>
+          <p:nvPr/>
+        </p:nvPicPr>
+        <p:blipFill>
+          <a:blip r:embed="rId3" cstate="print"/>
+          <a:srcRect/>
+          <a:stretch>
+            <a:fillRect/>
+          </a:stretch>
+        </p:blipFill>
+        <p:spPr bwMode="auto">
+          <a:xfrm>
+            <a:off x="3062753" y="4437112"/>
+            <a:ext cx="2705735" cy="1645920"/>
+          </a:xfrm>
+          <a:prstGeom prst="rect">
+            <a:avLst/>
+          </a:prstGeom>
+          <a:noFill/>
+          <a:ln w="9525">
+            <a:noFill/>
+            <a:miter lim="800000"/>
+            <a:headEnd/>
+            <a:tailEnd/>
+          </a:ln>
+        </p:spPr>
+      </p:pic>
+      <p:sp>
+        <p:nvSpPr>
+          <p:cNvPr id="11" name="Text Box 10"/>
+          <p:cNvSpPr txBox="1">
+            <a:spLocks noChangeArrowheads="1"/>
+          </p:cNvSpPr>
+          <p:nvPr/>
+        </p:nvSpPr>
+        <p:spPr bwMode="auto">
+          <a:xfrm>
+            <a:off x="6405609" y="4653136"/>
+            <a:ext cx="1549400" cy="1498600"/>
+          </a:xfrm>
+          <a:prstGeom prst="rect">
+            <a:avLst/>
+          </a:prstGeom>
+          <a:gradFill rotWithShape="0">
+            <a:gsLst>
+              <a:gs pos="0">
+                <a:srgbClr val="FFFFFF"/>
+              </a:gs>
+              <a:gs pos="100000">
+                <a:srgbClr val="B8CCE4"/>
+              </a:gs>
+            </a:gsLst>
+            <a:lin ang="5400000" scaled="1"/>
+          </a:gradFill>
+          <a:ln w="12700">
+            <a:solidFill>
+              <a:srgbClr val="95B3D7"/>
+            </a:solidFill>
+            <a:miter lim="800000"/>
+            <a:headEnd/>
+            <a:tailEnd/>
+          </a:ln>
+          <a:effectLst>
+            <a:outerShdw dist="28398" dir="3806097" algn="ctr" rotWithShape="0">
+              <a:srgbClr val="243F60">
+                <a:alpha val="50000"/>
+              </a:srgbClr>
+            </a:outerShdw>
+          </a:effectLst>
+        </p:spPr>
+        <p:txBody>
+          <a:bodyPr vert="horz" wrap="square" lIns="91440" tIns="45720" rIns="91440" bIns="45720" numCol="1" anchor="t" anchorCtr="0" compatLnSpc="1">
+            <a:prstTxWarp prst="textNoShape">
+              <a:avLst/>
+            </a:prstTxWarp>
+          </a:bodyPr>
+          <a:lstStyle/>
+          <a:p>
+            <a:pPr marL="0" marR="0" lvl="0" indent="0" algn="l" defTabSz="914400" rtl="0" eaLnBrk="1" fontAlgn="base" latinLnBrk="0" hangingPunct="1">
+              <a:lnSpc>
+                <a:spcPct val="100000"/>
+              </a:lnSpc>
+              <a:spcBef>
+                <a:spcPct val="0"/>
+              </a:spcBef>
+              <a:spcAft>
+                <a:spcPts val="1000"/>
+              </a:spcAft>
+              <a:buClrTx/>
+              <a:buSzTx/>
+              <a:buFontTx/>
+              <a:buNone/>
+              <a:tabLst/>
+            </a:pPr>
+            <a:r>
+              <a:rPr kumimoji="0" lang="en-US" sz="1100" b="0" i="0" u="none" strike="noStrike" cap="none" normalizeH="0" baseline="0" dirty="0" smtClean="0">
+                <a:ln>
+                  <a:noFill/>
+                </a:ln>
+                <a:solidFill>
+                  <a:schemeClr val="tx1"/>
+                </a:solidFill>
+                <a:effectLst/>
+                <a:latin typeface="Calibri" pitchFamily="34" charset="0"/>
+                <a:cs typeface="Arial" pitchFamily="34" charset="0"/>
+              </a:rPr>
+              <a:t>For antenna holders, each antenna could read the tag of a tile placed within approximately 4 millimeters of that antenna</a:t>
+            </a:r>
+            <a:r>
+              <a:rPr kumimoji="0" lang="en-US" sz="1100" b="0" i="0" u="none" strike="noStrike" cap="none" normalizeH="0" baseline="0" dirty="0" smtClean="0">
+                <a:ln>
+                  <a:noFill/>
+                </a:ln>
+                <a:solidFill>
+                  <a:schemeClr val="tx1"/>
+                </a:solidFill>
+                <a:effectLst/>
+                <a:latin typeface="Times New Roman" pitchFamily="18" charset="0"/>
+                <a:cs typeface="Arial" pitchFamily="34" charset="0"/>
+              </a:rPr>
+              <a:t>.</a:t>
+            </a:r>
+            <a:endParaRPr kumimoji="0" lang="en-US" sz="1800" b="0" i="0" u="none" strike="noStrike" cap="none" normalizeH="0" baseline="0" dirty="0" smtClean="0">
+              <a:ln>
+                <a:noFill/>
+              </a:ln>
+              <a:solidFill>
+                <a:schemeClr val="tx1"/>
+              </a:solidFill>
+              <a:effectLst/>
+              <a:latin typeface="Arial" pitchFamily="34" charset="0"/>
+              <a:cs typeface="Arial" pitchFamily="34" charset="0"/>
+            </a:endParaRPr>
+          </a:p>
+        </p:txBody>
+      </p:sp>
+      <p:cxnSp>
+        <p:nvCxnSpPr>
+          <p:cNvPr id="1035" name="AutoShape 11"/>
+          <p:cNvCxnSpPr>
+            <a:cxnSpLocks noChangeShapeType="1"/>
+          </p:cNvCxnSpPr>
+          <p:nvPr/>
+        </p:nvCxnSpPr>
+        <p:spPr bwMode="auto">
+          <a:xfrm flipH="1">
+            <a:off x="4948284" y="4989686"/>
+            <a:ext cx="1457325" cy="42863"/>
+          </a:xfrm>
+          <a:prstGeom prst="straightConnector1">
+            <a:avLst/>
+          </a:prstGeom>
+          <a:noFill/>
+          <a:ln w="12700">
+            <a:solidFill>
+              <a:srgbClr val="4F81BD"/>
+            </a:solidFill>
+            <a:round/>
+            <a:headEnd/>
+            <a:tailEnd type="triangle" w="med" len="med"/>
+          </a:ln>
+          <a:effectLst/>
+          <a:extLst>
+            <a:ext uri="{909E8E84-426E-40DD-AFC4-6F175D3DCCD1}">
+              <a14:hiddenFill xmlns:a14="http://schemas.microsoft.com/office/drawing/2010/main">
+                <a:noFill/>
+              </a14:hiddenFill>
+            </a:ext>
+            <a:ext uri="{AF507438-7753-43E0-B8FC-AC1667EBCBE1}">
+              <a14:hiddenEffects xmlns:a14="http://schemas.microsoft.com/office/drawing/2010/main">
+                <a:effectLst>
+                  <a:outerShdw dist="28398" dir="3806097" algn="ctr" rotWithShape="0">
+                    <a:srgbClr val="243F60"/>
+                  </a:outerShdw>
+                </a:effectLst>
+              </a14:hiddenEffects>
+            </a:ext>
+          </a:extLst>
+        </p:spPr>
+      </p:cxnSp>
     </p:spTree>
   </p:cSld>
   <p:clrMapOvr>
     <a:masterClrMapping/>
   </p:clrMapOvr>
+  <p:timing>
+    <p:tnLst>
+      <p:par>
+        <p:cTn id="1" dur="indefinite" restart="never" nodeType="tmRoot"/>
+      </p:par>
+    </p:tnLst>
+  </p:timing>
 </p:sld>
 </file>
 
@@ -5767,15 +9864,7 @@
           <a:p>
             <a:r>
               <a:rPr lang="en-US" smtClean="0"/>
-              <a:t>Functional</a:t>
-            </a:r>
-            <a:r>
-              <a:rPr lang="en-US" smtClean="0"/>
-              <a:t> </a:t>
-            </a:r>
-            <a:r>
-              <a:rPr lang="en-US" smtClean="0"/>
-              <a:t>requirements</a:t>
+              <a:t>Functional requirements</a:t>
             </a:r>
             <a:endParaRPr lang="en-US"/>
           </a:p>
@@ -5805,40 +9894,58 @@
             <a:pPr lvl="1"/>
             <a:r>
               <a:rPr lang="en-US" smtClean="0"/>
-              <a:t>Ergonomics</a:t>
+              <a:t>Overview</a:t>
+            </a:r>
+          </a:p>
+          <a:p>
+            <a:pPr lvl="1"/>
+            <a:r>
+              <a:rPr lang="en-US" smtClean="0"/>
+              <a:t>Detailed functionalities:</a:t>
             </a:r>
           </a:p>
           <a:p>
             <a:pPr lvl="2"/>
             <a:r>
               <a:rPr lang="en-US" smtClean="0"/>
-              <a:t>Game Table Application Ergonomics</a:t>
+              <a:t>Siging in</a:t>
             </a:r>
           </a:p>
           <a:p>
             <a:pPr lvl="2"/>
-            <a:endParaRPr lang="en-US" smtClean="0"/>
-          </a:p>
-          <a:p>
-            <a:pPr lvl="2" algn="ctr">
-              <a:buNone/>
-            </a:pPr>
-            <a:endParaRPr lang="en-US" smtClean="0"/>
-          </a:p>
-          <a:p>
-            <a:pPr lvl="2" algn="ctr">
-              <a:buNone/>
-            </a:pPr>
-            <a:endParaRPr lang="en-US" smtClean="0"/>
-          </a:p>
-          <a:p>
-            <a:pPr lvl="2" algn="ctr">
-              <a:buNone/>
-            </a:pPr>
             <a:r>
               <a:rPr lang="en-US" smtClean="0"/>
-              <a:t>Appendix n°1</a:t>
-            </a:r>
+              <a:t>Beginning</a:t>
+            </a:r>
+          </a:p>
+          <a:p>
+            <a:pPr lvl="2"/>
+            <a:r>
+              <a:rPr lang="en-US" smtClean="0"/>
+              <a:t>Scanning</a:t>
+            </a:r>
+          </a:p>
+          <a:p>
+            <a:pPr lvl="2"/>
+            <a:r>
+              <a:rPr lang="en-US" smtClean="0"/>
+              <a:t>Playing</a:t>
+            </a:r>
+          </a:p>
+          <a:p>
+            <a:pPr lvl="2"/>
+            <a:r>
+              <a:rPr lang="en-US" smtClean="0"/>
+              <a:t>Ending</a:t>
+            </a:r>
+          </a:p>
+          <a:p>
+            <a:pPr lvl="2"/>
+            <a:r>
+              <a:rPr lang="en-US" smtClean="0"/>
+              <a:t>History </a:t>
+            </a:r>
+            <a:endParaRPr lang="en-US"/>
           </a:p>
         </p:txBody>
       </p:sp>
@@ -5871,6 +9978,13 @@
   <p:clrMapOvr>
     <a:masterClrMapping/>
   </p:clrMapOvr>
+  <p:timing>
+    <p:tnLst>
+      <p:par>
+        <p:cTn id="1" dur="indefinite" restart="never" nodeType="tmRoot"/>
+      </p:par>
+    </p:tnLst>
+  </p:timing>
 </p:sld>
 </file>
 
@@ -5910,15 +10024,7 @@
           <a:p>
             <a:r>
               <a:rPr lang="en-US" smtClean="0"/>
-              <a:t>Functional</a:t>
-            </a:r>
-            <a:r>
-              <a:rPr lang="en-US" smtClean="0"/>
-              <a:t> </a:t>
-            </a:r>
-            <a:r>
-              <a:rPr lang="en-US" smtClean="0"/>
-              <a:t>requirements</a:t>
+              <a:t>Functional requirements</a:t>
             </a:r>
             <a:endParaRPr lang="en-US"/>
           </a:p>
@@ -5950,23 +10056,13 @@
               <a:rPr lang="en-US" smtClean="0"/>
               <a:t>Ergonomics</a:t>
             </a:r>
-            <a:endParaRPr lang="en-US" smtClean="0"/>
           </a:p>
           <a:p>
             <a:pPr lvl="2"/>
             <a:r>
               <a:rPr lang="en-US" smtClean="0"/>
-              <a:t>Tablet App </a:t>
-            </a:r>
-            <a:r>
-              <a:rPr lang="en-US" smtClean="0"/>
-              <a:t>Ergonomics</a:t>
-            </a:r>
-            <a:endParaRPr lang="en-US" smtClean="0"/>
-          </a:p>
-          <a:p>
-            <a:pPr lvl="2"/>
-            <a:endParaRPr lang="en-US" smtClean="0"/>
+              <a:t>Game Table Application Ergonomics</a:t>
+            </a:r>
           </a:p>
           <a:p>
             <a:pPr lvl="2"/>
@@ -5982,21 +10078,16 @@
             <a:pPr lvl="2" algn="ctr">
               <a:buNone/>
             </a:pPr>
-            <a:r>
-              <a:rPr lang="en-US" smtClean="0"/>
-              <a:t>Appendix </a:t>
-            </a:r>
-            <a:r>
-              <a:rPr lang="en-US" smtClean="0"/>
-              <a:t>n°2</a:t>
-            </a:r>
             <a:endParaRPr lang="en-US" smtClean="0"/>
           </a:p>
           <a:p>
             <a:pPr lvl="2" algn="ctr">
               <a:buNone/>
             </a:pPr>
-            <a:endParaRPr lang="en-US" smtClean="0"/>
+            <a:r>
+              <a:rPr lang="en-US" smtClean="0"/>
+              <a:t>Appendix n°1</a:t>
+            </a:r>
           </a:p>
         </p:txBody>
       </p:sp>
@@ -6029,6 +10120,13 @@
   <p:clrMapOvr>
     <a:masterClrMapping/>
   </p:clrMapOvr>
+  <p:timing>
+    <p:tnLst>
+      <p:par>
+        <p:cTn id="1" dur="indefinite" restart="never" nodeType="tmRoot"/>
+      </p:par>
+    </p:tnLst>
+  </p:timing>
 </p:sld>
 </file>
 
@@ -6068,15 +10166,7 @@
           <a:p>
             <a:r>
               <a:rPr lang="en-US" smtClean="0"/>
-              <a:t>Functional</a:t>
-            </a:r>
-            <a:r>
-              <a:rPr lang="en-US" smtClean="0"/>
-              <a:t> </a:t>
-            </a:r>
-            <a:r>
-              <a:rPr lang="en-US" smtClean="0"/>
-              <a:t>requirements</a:t>
+              <a:t>Functional requirements</a:t>
             </a:r>
             <a:endParaRPr lang="en-US"/>
           </a:p>
@@ -6106,68 +10196,41 @@
             <a:pPr lvl="1"/>
             <a:r>
               <a:rPr lang="en-US" smtClean="0"/>
-              <a:t>Case of the Belote </a:t>
-            </a:r>
+              <a:t>Ergonomics</a:t>
+            </a:r>
+          </a:p>
+          <a:p>
+            <a:pPr lvl="2"/>
             <a:r>
               <a:rPr lang="en-US" smtClean="0"/>
-              <a:t>Game:</a:t>
-            </a:r>
+              <a:t>Tablet App Ergonomics</a:t>
+            </a:r>
+          </a:p>
+          <a:p>
+            <a:pPr lvl="2"/>
             <a:endParaRPr lang="en-US" smtClean="0"/>
           </a:p>
           <a:p>
             <a:pPr lvl="2"/>
+            <a:endParaRPr lang="en-US" smtClean="0"/>
+          </a:p>
+          <a:p>
+            <a:pPr lvl="2" algn="ctr">
+              <a:buNone/>
+            </a:pPr>
+            <a:endParaRPr lang="en-US" smtClean="0"/>
+          </a:p>
+          <a:p>
+            <a:pPr lvl="2" algn="ctr">
+              <a:buNone/>
+            </a:pPr>
             <a:r>
               <a:rPr lang="en-US" smtClean="0"/>
-              <a:t>Preparation</a:t>
-            </a:r>
-            <a:endParaRPr lang="en-US" smtClean="0"/>
-          </a:p>
-          <a:p>
-            <a:pPr lvl="2"/>
-            <a:r>
-              <a:rPr lang="en-US" smtClean="0"/>
-              <a:t>Dealing</a:t>
-            </a:r>
-            <a:endParaRPr lang="en-US" smtClean="0"/>
-          </a:p>
-          <a:p>
-            <a:pPr lvl="2"/>
-            <a:r>
-              <a:rPr lang="en-US" smtClean="0"/>
-              <a:t>Bidding</a:t>
-            </a:r>
-            <a:endParaRPr lang="en-US" smtClean="0"/>
-          </a:p>
-          <a:p>
-            <a:pPr lvl="2"/>
-            <a:r>
-              <a:rPr lang="en-US" smtClean="0"/>
-              <a:t>End of </a:t>
-            </a:r>
-            <a:r>
-              <a:rPr lang="en-US" smtClean="0"/>
-              <a:t>dealing</a:t>
-            </a:r>
-            <a:endParaRPr lang="en-US" smtClean="0"/>
-          </a:p>
-          <a:p>
-            <a:pPr lvl="2"/>
-            <a:r>
-              <a:rPr lang="en-US" smtClean="0"/>
-              <a:t>Playing</a:t>
-            </a:r>
-            <a:endParaRPr lang="en-US" smtClean="0"/>
-          </a:p>
-          <a:p>
-            <a:pPr lvl="2"/>
-            <a:r>
-              <a:rPr lang="en-US" smtClean="0"/>
-              <a:t>Scoring</a:t>
-            </a:r>
-            <a:endParaRPr lang="en-US" smtClean="0"/>
-          </a:p>
-          <a:p>
-            <a:pPr lvl="2">
+              <a:t>Appendix n°2</a:t>
+            </a:r>
+          </a:p>
+          <a:p>
+            <a:pPr lvl="2" algn="ctr">
               <a:buNone/>
             </a:pPr>
             <a:endParaRPr lang="en-US" smtClean="0"/>
@@ -6203,6 +10266,13 @@
   <p:clrMapOvr>
     <a:masterClrMapping/>
   </p:clrMapOvr>
+  <p:timing>
+    <p:tnLst>
+      <p:par>
+        <p:cTn id="1" dur="indefinite" restart="never" nodeType="tmRoot"/>
+      </p:par>
+    </p:tnLst>
+  </p:timing>
 </p:sld>
 </file>
 
